--- a/English/2.Preparing data/1.Basic Transfrormations.pptx
+++ b/English/2.Preparing data/1.Basic Transfrormations.pptx
@@ -5,7 +5,7 @@
     <p:sldMasterId id="2147483648" r:id="rId1"/>
   </p:sldMasterIdLst>
   <p:notesMasterIdLst>
-    <p:notesMasterId r:id="rId16"/>
+    <p:notesMasterId r:id="rId17"/>
   </p:notesMasterIdLst>
   <p:sldIdLst>
     <p:sldId id="256" r:id="rId2"/>
@@ -21,13 +21,14 @@
     <p:sldId id="262" r:id="rId12"/>
     <p:sldId id="263" r:id="rId13"/>
     <p:sldId id="269" r:id="rId14"/>
-    <p:sldId id="258" r:id="rId15"/>
+    <p:sldId id="270" r:id="rId15"/>
+    <p:sldId id="258" r:id="rId16"/>
   </p:sldIdLst>
   <p:sldSz cx="12192000" cy="6858000"/>
   <p:notesSz cx="6858000" cy="9144000"/>
   <p:defaultTextStyle>
     <a:defPPr>
-      <a:defRPr lang="en-US"/>
+      <a:defRPr lang="en"/>
     </a:defPPr>
     <a:lvl1pPr marL="0" algn="l" defTabSz="914400" rtl="0" eaLnBrk="1" latinLnBrk="0" hangingPunct="1">
       <a:defRPr sz="1800" kern="1200">
@@ -210,7 +211,7 @@
           <a:p>
             <a:fld id="{056BA3B8-9F76-4D81-B71D-76CB85363062}" type="datetimeFigureOut">
               <a:rPr lang="en-US" smtClean="0"/>
-              <a:t>1/1/2025</a:t>
+              <a:t>3/12/2025</a:t>
             </a:fld>
             <a:endParaRPr lang="en-US"/>
           </a:p>
@@ -562,6 +563,90 @@
 </p:notes>
 </file>
 
+<file path=ppt/notesSlides/notesSlide2.xml><?xml version="1.0" encoding="utf-8"?>
+<p:notes xmlns:a="http://schemas.openxmlformats.org/drawingml/2006/main" xmlns:r="http://schemas.openxmlformats.org/officeDocument/2006/relationships" xmlns:p="http://schemas.openxmlformats.org/presentationml/2006/main">
+  <p:cSld>
+    <p:spTree>
+      <p:nvGrpSpPr>
+        <p:cNvPr id="1" name=""/>
+        <p:cNvGrpSpPr/>
+        <p:nvPr/>
+      </p:nvGrpSpPr>
+      <p:grpSpPr>
+        <a:xfrm>
+          <a:off x="0" y="0"/>
+          <a:ext cx="0" cy="0"/>
+          <a:chOff x="0" y="0"/>
+          <a:chExt cx="0" cy="0"/>
+        </a:xfrm>
+      </p:grpSpPr>
+      <p:sp>
+        <p:nvSpPr>
+          <p:cNvPr id="2" name="Slide Image Placeholder 1"/>
+          <p:cNvSpPr>
+            <a:spLocks noGrp="1" noRot="1" noChangeAspect="1"/>
+          </p:cNvSpPr>
+          <p:nvPr>
+            <p:ph type="sldImg"/>
+          </p:nvPr>
+        </p:nvSpPr>
+        <p:spPr/>
+      </p:sp>
+      <p:sp>
+        <p:nvSpPr>
+          <p:cNvPr id="3" name="Notes Placeholder 2"/>
+          <p:cNvSpPr>
+            <a:spLocks noGrp="1"/>
+          </p:cNvSpPr>
+          <p:nvPr>
+            <p:ph type="body" idx="1"/>
+          </p:nvPr>
+        </p:nvSpPr>
+        <p:spPr/>
+        <p:txBody>
+          <a:bodyPr/>
+          <a:lstStyle/>
+          <a:p>
+            <a:endParaRPr lang="en-US" dirty="0"/>
+          </a:p>
+        </p:txBody>
+      </p:sp>
+      <p:sp>
+        <p:nvSpPr>
+          <p:cNvPr id="4" name="Slide Number Placeholder 3"/>
+          <p:cNvSpPr>
+            <a:spLocks noGrp="1"/>
+          </p:cNvSpPr>
+          <p:nvPr>
+            <p:ph type="sldNum" sz="quarter" idx="10"/>
+          </p:nvPr>
+        </p:nvSpPr>
+        <p:spPr/>
+        <p:txBody>
+          <a:bodyPr/>
+          <a:lstStyle/>
+          <a:p>
+            <a:fld id="{C583D03D-12F8-4E91-BBC2-CE3A863157FF}" type="slidenum">
+              <a:rPr lang="en-US" smtClean="0"/>
+              <a:t>14</a:t>
+            </a:fld>
+            <a:endParaRPr lang="en-US"/>
+          </a:p>
+        </p:txBody>
+      </p:sp>
+    </p:spTree>
+    <p:extLst>
+      <p:ext uri="{BB962C8B-B14F-4D97-AF65-F5344CB8AC3E}">
+        <p14:creationId xmlns:p14="http://schemas.microsoft.com/office/powerpoint/2010/main" val="2324934725"/>
+      </p:ext>
+    </p:extLst>
+  </p:cSld>
+  <p:clrMapOvr>
+    <a:masterClrMapping/>
+  </p:clrMapOvr>
+</p:notes>
+</file>
+
 <file path=ppt/slideLayouts/slideLayout1.xml><?xml version="1.0" encoding="utf-8"?>
 <p:sldLayout xmlns:a="http://schemas.openxmlformats.org/drawingml/2006/main" xmlns:r="http://schemas.openxmlformats.org/officeDocument/2006/relationships" xmlns:p="http://schemas.openxmlformats.org/presentationml/2006/main" type="title" preserve="1">
   <p:cSld name="Title Slide">
@@ -693,7 +778,7 @@
           <a:p>
             <a:fld id="{6F01DA4D-20EA-48D2-973C-0311EC3005D6}" type="datetimeFigureOut">
               <a:rPr lang="en-US" smtClean="0"/>
-              <a:t>1/1/2025</a:t>
+              <a:t>3/12/2025</a:t>
             </a:fld>
             <a:endParaRPr lang="en-US"/>
           </a:p>
@@ -863,7 +948,7 @@
           <a:p>
             <a:fld id="{6F01DA4D-20EA-48D2-973C-0311EC3005D6}" type="datetimeFigureOut">
               <a:rPr lang="en-US" smtClean="0"/>
-              <a:t>1/1/2025</a:t>
+              <a:t>3/12/2025</a:t>
             </a:fld>
             <a:endParaRPr lang="en-US"/>
           </a:p>
@@ -1043,7 +1128,7 @@
           <a:p>
             <a:fld id="{6F01DA4D-20EA-48D2-973C-0311EC3005D6}" type="datetimeFigureOut">
               <a:rPr lang="en-US" smtClean="0"/>
-              <a:t>1/1/2025</a:t>
+              <a:t>3/12/2025</a:t>
             </a:fld>
             <a:endParaRPr lang="en-US"/>
           </a:p>
@@ -1213,7 +1298,7 @@
           <a:p>
             <a:fld id="{6F01DA4D-20EA-48D2-973C-0311EC3005D6}" type="datetimeFigureOut">
               <a:rPr lang="en-US" smtClean="0"/>
-              <a:t>1/1/2025</a:t>
+              <a:t>3/12/2025</a:t>
             </a:fld>
             <a:endParaRPr lang="en-US"/>
           </a:p>
@@ -1459,7 +1544,7 @@
           <a:p>
             <a:fld id="{6F01DA4D-20EA-48D2-973C-0311EC3005D6}" type="datetimeFigureOut">
               <a:rPr lang="en-US" smtClean="0"/>
-              <a:t>1/1/2025</a:t>
+              <a:t>3/12/2025</a:t>
             </a:fld>
             <a:endParaRPr lang="en-US"/>
           </a:p>
@@ -1691,7 +1776,7 @@
           <a:p>
             <a:fld id="{6F01DA4D-20EA-48D2-973C-0311EC3005D6}" type="datetimeFigureOut">
               <a:rPr lang="en-US" smtClean="0"/>
-              <a:t>1/1/2025</a:t>
+              <a:t>3/12/2025</a:t>
             </a:fld>
             <a:endParaRPr lang="en-US"/>
           </a:p>
@@ -2058,7 +2143,7 @@
           <a:p>
             <a:fld id="{6F01DA4D-20EA-48D2-973C-0311EC3005D6}" type="datetimeFigureOut">
               <a:rPr lang="en-US" smtClean="0"/>
-              <a:t>1/1/2025</a:t>
+              <a:t>3/12/2025</a:t>
             </a:fld>
             <a:endParaRPr lang="en-US"/>
           </a:p>
@@ -2176,7 +2261,7 @@
           <a:p>
             <a:fld id="{6F01DA4D-20EA-48D2-973C-0311EC3005D6}" type="datetimeFigureOut">
               <a:rPr lang="en-US" smtClean="0"/>
-              <a:t>1/1/2025</a:t>
+              <a:t>3/12/2025</a:t>
             </a:fld>
             <a:endParaRPr lang="en-US"/>
           </a:p>
@@ -2271,7 +2356,7 @@
           <a:p>
             <a:fld id="{6F01DA4D-20EA-48D2-973C-0311EC3005D6}" type="datetimeFigureOut">
               <a:rPr lang="en-US" smtClean="0"/>
-              <a:t>1/1/2025</a:t>
+              <a:t>3/12/2025</a:t>
             </a:fld>
             <a:endParaRPr lang="en-US"/>
           </a:p>
@@ -2548,7 +2633,7 @@
           <a:p>
             <a:fld id="{6F01DA4D-20EA-48D2-973C-0311EC3005D6}" type="datetimeFigureOut">
               <a:rPr lang="en-US" smtClean="0"/>
-              <a:t>1/1/2025</a:t>
+              <a:t>3/12/2025</a:t>
             </a:fld>
             <a:endParaRPr lang="en-US"/>
           </a:p>
@@ -2801,7 +2886,7 @@
           <a:p>
             <a:fld id="{6F01DA4D-20EA-48D2-973C-0311EC3005D6}" type="datetimeFigureOut">
               <a:rPr lang="en-US" smtClean="0"/>
-              <a:t>1/1/2025</a:t>
+              <a:t>3/12/2025</a:t>
             </a:fld>
             <a:endParaRPr lang="en-US"/>
           </a:p>
@@ -3014,7 +3099,7 @@
           <a:p>
             <a:fld id="{6F01DA4D-20EA-48D2-973C-0311EC3005D6}" type="datetimeFigureOut">
               <a:rPr lang="en-US" smtClean="0"/>
-              <a:t>1/1/2025</a:t>
+              <a:t>3/12/2025</a:t>
             </a:fld>
             <a:endParaRPr lang="en-US"/>
           </a:p>
@@ -3435,8 +3520,8 @@
         </p:nvSpPr>
         <p:spPr>
           <a:xfrm>
-            <a:off x="802119" y="2449688"/>
-            <a:ext cx="10656892" cy="1323439"/>
+            <a:off x="609614" y="1796545"/>
+            <a:ext cx="10656892" cy="2554545"/>
           </a:xfrm>
           <a:prstGeom prst="rect">
             <a:avLst/>
@@ -3449,8 +3534,9 @@
           </a:bodyPr>
           <a:lstStyle/>
           <a:p>
-            <a:r>
-              <a:rPr lang="en-US" sz="8000" b="1" dirty="0" smtClean="0">
+            <a:pPr xmlns:a="http://schemas.openxmlformats.org/drawingml/2006/main" algn="ctr"/>
+            <a:r xmlns:a="http://schemas.openxmlformats.org/drawingml/2006/main">
+              <a:rPr lang="en" sz="8000" b="1" dirty="0" smtClean="0">
                 <a:solidFill>
                   <a:srgbClr val="7030A0"/>
                 </a:solidFill>
@@ -3458,9 +3544,23 @@
                 <a:ea typeface="Verdana" panose="020B0604030504040204" pitchFamily="34" charset="0"/>
                 <a:cs typeface="Segoe UI" panose="020B0502040204020203" pitchFamily="34" charset="0"/>
               </a:rPr>
-              <a:t>Basic transformations</a:t>
-            </a:r>
-            <a:endParaRPr lang="en-US" sz="8000" b="1" dirty="0">
+              <a:t>The transformations</a:t>
+            </a:r>
+          </a:p>
+          <a:p>
+            <a:pPr xmlns:a="http://schemas.openxmlformats.org/drawingml/2006/main" algn="ctr"/>
+            <a:r xmlns:a="http://schemas.openxmlformats.org/drawingml/2006/main">
+              <a:rPr lang="en" sz="8000" b="1" dirty="0" smtClean="0">
+                <a:solidFill>
+                  <a:srgbClr val="7030A0"/>
+                </a:solidFill>
+                <a:latin typeface="Segoe UI" panose="020B0502040204020203" pitchFamily="34" charset="0"/>
+                <a:ea typeface="Verdana" panose="020B0604030504040204" pitchFamily="34" charset="0"/>
+                <a:cs typeface="Segoe UI" panose="020B0502040204020203" pitchFamily="34" charset="0"/>
+              </a:rPr>
+              <a:t>basics</a:t>
+            </a:r>
+            <a:endParaRPr xmlns:a="http://schemas.openxmlformats.org/drawingml/2006/main" lang="en-US" sz="8000" b="1" dirty="0">
               <a:solidFill>
                 <a:srgbClr val="7030A0"/>
               </a:solidFill>
@@ -3473,14 +3573,14 @@
       </p:sp>
       <p:sp>
         <p:nvSpPr>
-          <p:cNvPr id="4" name="TextBox 3"/>
+          <p:cNvPr id="5" name="TextBox 4"/>
           <p:cNvSpPr txBox="1"/>
           <p:nvPr/>
         </p:nvSpPr>
         <p:spPr>
           <a:xfrm>
-            <a:off x="802118" y="2382867"/>
-            <a:ext cx="10656892" cy="1323439"/>
+            <a:off x="609614" y="1735815"/>
+            <a:ext cx="10656892" cy="2554545"/>
           </a:xfrm>
           <a:prstGeom prst="rect">
             <a:avLst/>
@@ -3488,13 +3588,14 @@
           <a:noFill/>
         </p:spPr>
         <p:txBody>
-          <a:bodyPr wrap="none" rtlCol="0">
+          <a:bodyPr wrap="square" rtlCol="0">
             <a:spAutoFit/>
           </a:bodyPr>
           <a:lstStyle/>
           <a:p>
-            <a:r>
-              <a:rPr lang="en-US" sz="8000" b="1" dirty="0" smtClean="0">
+            <a:pPr xmlns:a="http://schemas.openxmlformats.org/drawingml/2006/main" algn="ctr"/>
+            <a:r xmlns:a="http://schemas.openxmlformats.org/drawingml/2006/main">
+              <a:rPr lang="en" sz="8000" b="1" dirty="0" smtClean="0">
                 <a:solidFill>
                   <a:schemeClr val="bg1"/>
                 </a:solidFill>
@@ -3502,9 +3603,23 @@
                 <a:ea typeface="Verdana" panose="020B0604030504040204" pitchFamily="34" charset="0"/>
                 <a:cs typeface="Segoe UI" panose="020B0502040204020203" pitchFamily="34" charset="0"/>
               </a:rPr>
-              <a:t>Basic transformations</a:t>
-            </a:r>
-            <a:endParaRPr lang="en-US" sz="8000" b="1" dirty="0">
+              <a:t>The transformations</a:t>
+            </a:r>
+          </a:p>
+          <a:p>
+            <a:pPr xmlns:a="http://schemas.openxmlformats.org/drawingml/2006/main" algn="ctr"/>
+            <a:r xmlns:a="http://schemas.openxmlformats.org/drawingml/2006/main">
+              <a:rPr lang="en" sz="8000" b="1" dirty="0" smtClean="0">
+                <a:solidFill>
+                  <a:schemeClr val="bg1"/>
+                </a:solidFill>
+                <a:latin typeface="Segoe UI" panose="020B0502040204020203" pitchFamily="34" charset="0"/>
+                <a:ea typeface="Verdana" panose="020B0604030504040204" pitchFamily="34" charset="0"/>
+                <a:cs typeface="Segoe UI" panose="020B0502040204020203" pitchFamily="34" charset="0"/>
+              </a:rPr>
+              <a:t>basics</a:t>
+            </a:r>
+            <a:endParaRPr xmlns:a="http://schemas.openxmlformats.org/drawingml/2006/main" lang="en-US" sz="8000" b="1" dirty="0">
               <a:solidFill>
                 <a:schemeClr val="bg1"/>
               </a:solidFill>
@@ -3566,77 +3681,15 @@
           </a:bodyPr>
           <a:lstStyle/>
           <a:p>
-            <a:r>
-              <a:rPr lang="en-US" b="1" kern="0" dirty="0" smtClean="0">
+            <a:r xmlns:a="http://schemas.openxmlformats.org/drawingml/2006/main">
+              <a:rPr lang="en" b="1" kern="0" dirty="0" smtClean="0">
                 <a:latin typeface="Segoe UI" panose="020B0502040204020203" pitchFamily="34" charset="0"/>
                 <a:ea typeface="Times New Roman" panose="02020603050405020304" pitchFamily="18" charset="0"/>
                 <a:cs typeface="Times New Roman" panose="02020603050405020304" pitchFamily="18" charset="0"/>
               </a:rPr>
               <a:t>Basic Transformations</a:t>
             </a:r>
-            <a:endParaRPr lang="en-US" b="1" dirty="0"/>
-          </a:p>
-        </p:txBody>
-      </p:sp>
-      <p:sp>
-        <p:nvSpPr>
-          <p:cNvPr id="6" name="Rectangle 5"/>
-          <p:cNvSpPr/>
-          <p:nvPr/>
-        </p:nvSpPr>
-        <p:spPr>
-          <a:xfrm>
-            <a:off x="288081" y="821461"/>
-            <a:ext cx="4056560" cy="373692"/>
-          </a:xfrm>
-          <a:prstGeom prst="rect">
-            <a:avLst/>
-          </a:prstGeom>
-        </p:spPr>
-        <p:txBody>
-          <a:bodyPr wrap="none">
-            <a:spAutoFit/>
-          </a:bodyPr>
-          <a:lstStyle/>
-          <a:p>
-            <a:pPr lvl="0">
-              <a:lnSpc>
-                <a:spcPct val="107000"/>
-              </a:lnSpc>
-              <a:spcAft>
-                <a:spcPts val="800"/>
-              </a:spcAft>
-            </a:pPr>
-            <a:r>
-              <a:rPr lang="en-US" dirty="0">
-                <a:latin typeface="Segoe UI" panose="020B0502040204020203" pitchFamily="34" charset="0"/>
-                <a:ea typeface="Calibri" panose="020F0502020204030204" pitchFamily="34" charset="0"/>
-                <a:cs typeface="Times New Roman" panose="02020603050405020304" pitchFamily="18" charset="0"/>
-              </a:rPr>
-              <a:t>Try testing the </a:t>
-            </a:r>
-            <a:r>
-              <a:rPr lang="en-US" b="1" dirty="0">
-                <a:latin typeface="Segoe UI" panose="020B0502040204020203" pitchFamily="34" charset="0"/>
-                <a:ea typeface="Calibri" panose="020F0502020204030204" pitchFamily="34" charset="0"/>
-                <a:cs typeface="Times New Roman" panose="02020603050405020304" pitchFamily="18" charset="0"/>
-              </a:rPr>
-              <a:t>Number Filters menu</a:t>
-            </a:r>
-            <a:r>
-              <a:rPr lang="en-US" dirty="0">
-                <a:latin typeface="Segoe UI" panose="020B0502040204020203" pitchFamily="34" charset="0"/>
-                <a:ea typeface="Calibri" panose="020F0502020204030204" pitchFamily="34" charset="0"/>
-                <a:cs typeface="Times New Roman" panose="02020603050405020304" pitchFamily="18" charset="0"/>
-              </a:rPr>
-              <a:t> </a:t>
-            </a:r>
-            <a:endParaRPr lang="en-US" sz="1400" dirty="0">
-              <a:effectLst/>
-              <a:latin typeface="Calibri" panose="020F0502020204030204" pitchFamily="34" charset="0"/>
-              <a:ea typeface="Calibri" panose="020F0502020204030204" pitchFamily="34" charset="0"/>
-              <a:cs typeface="Times New Roman" panose="02020603050405020304" pitchFamily="18" charset="0"/>
-            </a:endParaRPr>
+            <a:endParaRPr xmlns:a="http://schemas.openxmlformats.org/drawingml/2006/main" lang="en-US" b="1" dirty="0"/>
           </a:p>
         </p:txBody>
       </p:sp>
@@ -3681,14 +3734,47 @@
       </p:pic>
       <p:sp>
         <p:nvSpPr>
-          <p:cNvPr id="7" name="Rectangle 6"/>
+          <p:cNvPr id="2" name="Rectangle 1"/>
           <p:cNvSpPr/>
           <p:nvPr/>
         </p:nvSpPr>
         <p:spPr>
           <a:xfrm>
-            <a:off x="435428" y="4640263"/>
-            <a:ext cx="9334213" cy="388696"/>
+            <a:off x="362124" y="754944"/>
+            <a:ext cx="4907882" cy="400110"/>
+          </a:xfrm>
+          <a:prstGeom prst="rect">
+            <a:avLst/>
+          </a:prstGeom>
+        </p:spPr>
+        <p:txBody>
+          <a:bodyPr wrap="none">
+            <a:spAutoFit/>
+          </a:bodyPr>
+          <a:lstStyle/>
+          <a:p>
+            <a:r xmlns:a="http://schemas.openxmlformats.org/drawingml/2006/main">
+              <a:rPr lang="en" sz="2000" dirty="0"/>
+              <a:t>Try testing the </a:t>
+            </a:r>
+            <a:r xmlns:a="http://schemas.openxmlformats.org/drawingml/2006/main">
+              <a:rPr lang="en" sz="2000" b="1" dirty="0"/>
+              <a:t>Digital Filters menu</a:t>
+            </a:r>
+            <a:endParaRPr xmlns:a="http://schemas.openxmlformats.org/drawingml/2006/main" lang="en-US" sz="2000" dirty="0"/>
+          </a:p>
+        </p:txBody>
+      </p:sp>
+      <p:sp>
+        <p:nvSpPr>
+          <p:cNvPr id="5" name="Rectangle 4"/>
+          <p:cNvSpPr/>
+          <p:nvPr/>
+        </p:nvSpPr>
+        <p:spPr>
+          <a:xfrm>
+            <a:off x="530131" y="4432747"/>
+            <a:ext cx="10160786" cy="400110"/>
           </a:xfrm>
           <a:prstGeom prst="rect">
             <a:avLst/>
@@ -3700,68 +3786,27 @@
           </a:bodyPr>
           <a:lstStyle/>
           <a:p>
-            <a:pPr lvl="0">
-              <a:lnSpc>
-                <a:spcPct val="107000"/>
-              </a:lnSpc>
-              <a:spcAft>
-                <a:spcPts val="800"/>
-              </a:spcAft>
-            </a:pPr>
-            <a:r>
-              <a:rPr lang="en-US" dirty="0">
-                <a:latin typeface="Segoe UI" panose="020B0502040204020203" pitchFamily="34" charset="0"/>
-                <a:ea typeface="Calibri" panose="020F0502020204030204" pitchFamily="34" charset="0"/>
-                <a:cs typeface="Times New Roman" panose="02020603050405020304" pitchFamily="18" charset="0"/>
-              </a:rPr>
-              <a:t>Notice that in the </a:t>
-            </a:r>
-            <a:r>
-              <a:rPr lang="en-US" b="1" dirty="0">
-                <a:latin typeface="Segoe UI" panose="020B0502040204020203" pitchFamily="34" charset="0"/>
-                <a:ea typeface="Calibri" panose="020F0502020204030204" pitchFamily="34" charset="0"/>
-                <a:cs typeface="Times New Roman" panose="02020603050405020304" pitchFamily="18" charset="0"/>
-              </a:rPr>
+            <a:r xmlns:a="http://schemas.openxmlformats.org/drawingml/2006/main">
+              <a:rPr lang="en" sz="2000" b="1" dirty="0"/>
               <a:t>Manufacturer </a:t>
             </a:r>
-            <a:r>
-              <a:rPr lang="en-US" dirty="0">
-                <a:latin typeface="Segoe UI" panose="020B0502040204020203" pitchFamily="34" charset="0"/>
-                <a:ea typeface="Calibri" panose="020F0502020204030204" pitchFamily="34" charset="0"/>
-                <a:cs typeface="Times New Roman" panose="02020603050405020304" pitchFamily="18" charset="0"/>
-              </a:rPr>
+            <a:r xmlns:a="http://schemas.openxmlformats.org/drawingml/2006/main">
+              <a:rPr lang="en" sz="2000" dirty="0"/>
               <a:t>and </a:t>
             </a:r>
-            <a:r>
-              <a:rPr lang="en-US" b="1" dirty="0" err="1">
-                <a:latin typeface="Segoe UI" panose="020B0502040204020203" pitchFamily="34" charset="0"/>
-                <a:ea typeface="Calibri" panose="020F0502020204030204" pitchFamily="34" charset="0"/>
-                <a:cs typeface="Times New Roman" panose="02020603050405020304" pitchFamily="18" charset="0"/>
-              </a:rPr>
-              <a:t>BrandName</a:t>
-            </a:r>
-            <a:r>
-              <a:rPr lang="en-US" b="1" dirty="0">
-                <a:latin typeface="Segoe UI" panose="020B0502040204020203" pitchFamily="34" charset="0"/>
-                <a:ea typeface="Calibri" panose="020F0502020204030204" pitchFamily="34" charset="0"/>
-                <a:cs typeface="Times New Roman" panose="02020603050405020304" pitchFamily="18" charset="0"/>
-              </a:rPr>
-              <a:t> columns </a:t>
-            </a:r>
-            <a:r>
-              <a:rPr lang="en-US" dirty="0">
-                <a:latin typeface="Segoe UI" panose="020B0502040204020203" pitchFamily="34" charset="0"/>
-                <a:ea typeface="Calibri" panose="020F0502020204030204" pitchFamily="34" charset="0"/>
-                <a:cs typeface="Times New Roman" panose="02020603050405020304" pitchFamily="18" charset="0"/>
-              </a:rPr>
-              <a:t>there are null values.</a:t>
-            </a:r>
-            <a:endParaRPr lang="en-US" sz="1400" dirty="0">
-              <a:effectLst/>
-              <a:latin typeface="Calibri" panose="020F0502020204030204" pitchFamily="34" charset="0"/>
-              <a:ea typeface="Calibri" panose="020F0502020204030204" pitchFamily="34" charset="0"/>
-              <a:cs typeface="Times New Roman" panose="02020603050405020304" pitchFamily="18" charset="0"/>
-            </a:endParaRPr>
+            <a:r xmlns:a="http://schemas.openxmlformats.org/drawingml/2006/main">
+              <a:rPr lang="en" sz="2000" b="1" dirty="0" err="1"/>
+              <a:t>BrandName </a:t>
+            </a:r>
+            <a:r xmlns:a="http://schemas.openxmlformats.org/drawingml/2006/main">
+              <a:rPr lang="en" sz="2000" dirty="0"/>
+              <a:t>columns </a:t>
+            </a:r>
+            <a:r xmlns:a="http://schemas.openxmlformats.org/drawingml/2006/main">
+              <a:rPr lang="en" sz="2000" dirty="0"/>
+              <a:t>there are null values</a:t>
+            </a:r>
+            <a:endParaRPr xmlns:a="http://schemas.openxmlformats.org/drawingml/2006/main" lang="en-US" sz="2000" dirty="0"/>
           </a:p>
         </p:txBody>
       </p:sp>
@@ -3816,103 +3861,15 @@
           </a:bodyPr>
           <a:lstStyle/>
           <a:p>
-            <a:r>
-              <a:rPr lang="en-US" b="1" kern="0" dirty="0" smtClean="0">
+            <a:r xmlns:a="http://schemas.openxmlformats.org/drawingml/2006/main">
+              <a:rPr lang="en" b="1" kern="0" dirty="0" smtClean="0">
                 <a:latin typeface="Segoe UI" panose="020B0502040204020203" pitchFamily="34" charset="0"/>
                 <a:ea typeface="Times New Roman" panose="02020603050405020304" pitchFamily="18" charset="0"/>
                 <a:cs typeface="Times New Roman" panose="02020603050405020304" pitchFamily="18" charset="0"/>
               </a:rPr>
               <a:t>Basic Transformations</a:t>
             </a:r>
-            <a:endParaRPr lang="en-US" b="1" dirty="0"/>
-          </a:p>
-        </p:txBody>
-      </p:sp>
-      <p:sp>
-        <p:nvSpPr>
-          <p:cNvPr id="2" name="Rectangle 1"/>
-          <p:cNvSpPr/>
-          <p:nvPr/>
-        </p:nvSpPr>
-        <p:spPr>
-          <a:xfrm>
-            <a:off x="288081" y="781025"/>
-            <a:ext cx="11460939" cy="646331"/>
-          </a:xfrm>
-          <a:prstGeom prst="rect">
-            <a:avLst/>
-          </a:prstGeom>
-        </p:spPr>
-        <p:txBody>
-          <a:bodyPr wrap="square">
-            <a:spAutoFit/>
-          </a:bodyPr>
-          <a:lstStyle/>
-          <a:p>
-            <a:r>
-              <a:rPr lang="en-US" dirty="0">
-                <a:latin typeface="Segoe UI" panose="020B0502040204020203" pitchFamily="34" charset="0"/>
-                <a:ea typeface="Calibri" panose="020F0502020204030204" pitchFamily="34" charset="0"/>
-              </a:rPr>
-              <a:t>Try replacing null values with </a:t>
-            </a:r>
-            <a:r>
-              <a:rPr lang="en-US" b="1" dirty="0">
-                <a:latin typeface="Segoe UI" panose="020B0502040204020203" pitchFamily="34" charset="0"/>
-                <a:ea typeface="Calibri" panose="020F0502020204030204" pitchFamily="34" charset="0"/>
-              </a:rPr>
-              <a:t>No manufacturer </a:t>
-            </a:r>
-            <a:r>
-              <a:rPr lang="en-US" dirty="0">
-                <a:latin typeface="Segoe UI" panose="020B0502040204020203" pitchFamily="34" charset="0"/>
-                <a:ea typeface="Calibri" panose="020F0502020204030204" pitchFamily="34" charset="0"/>
-              </a:rPr>
-              <a:t>and </a:t>
-            </a:r>
-            <a:r>
-              <a:rPr lang="en-US" b="1" dirty="0">
-                <a:latin typeface="Segoe UI" panose="020B0502040204020203" pitchFamily="34" charset="0"/>
-                <a:ea typeface="Calibri" panose="020F0502020204030204" pitchFamily="34" charset="0"/>
-              </a:rPr>
-              <a:t>No Brand name for Manufacturer </a:t>
-            </a:r>
-            <a:r>
-              <a:rPr lang="en-US" dirty="0">
-                <a:latin typeface="Segoe UI" panose="020B0502040204020203" pitchFamily="34" charset="0"/>
-                <a:ea typeface="Calibri" panose="020F0502020204030204" pitchFamily="34" charset="0"/>
-              </a:rPr>
-              <a:t>and </a:t>
-            </a:r>
-            <a:r>
-              <a:rPr lang="en-US" b="1" dirty="0" err="1">
-                <a:latin typeface="Segoe UI" panose="020B0502040204020203" pitchFamily="34" charset="0"/>
-                <a:ea typeface="Calibri" panose="020F0502020204030204" pitchFamily="34" charset="0"/>
-              </a:rPr>
-              <a:t>BrandName</a:t>
-            </a:r>
-            <a:r>
-              <a:rPr lang="en-US" b="1" dirty="0">
-                <a:latin typeface="Segoe UI" panose="020B0502040204020203" pitchFamily="34" charset="0"/>
-                <a:ea typeface="Calibri" panose="020F0502020204030204" pitchFamily="34" charset="0"/>
-              </a:rPr>
-              <a:t> </a:t>
-            </a:r>
-            <a:r>
-              <a:rPr lang="en-US" dirty="0">
-                <a:latin typeface="Segoe UI" panose="020B0502040204020203" pitchFamily="34" charset="0"/>
-                <a:ea typeface="Calibri" panose="020F0502020204030204" pitchFamily="34" charset="0"/>
-              </a:rPr>
-              <a:t>columns respectively using </a:t>
-            </a:r>
-            <a:r>
-              <a:rPr lang="en-US" b="1" dirty="0">
-                <a:latin typeface="Segoe UI" panose="020B0502040204020203" pitchFamily="34" charset="0"/>
-                <a:ea typeface="Calibri" panose="020F0502020204030204" pitchFamily="34" charset="0"/>
-              </a:rPr>
-              <a:t>Replace Values functionality</a:t>
-            </a:r>
-            <a:endParaRPr lang="en-US" dirty="0"/>
+            <a:endParaRPr xmlns:a="http://schemas.openxmlformats.org/drawingml/2006/main" lang="en-US" b="1" dirty="0"/>
           </a:p>
         </p:txBody>
       </p:sp>
@@ -3937,7 +3894,7 @@
         </p:blipFill>
         <p:spPr bwMode="auto">
           <a:xfrm>
-            <a:off x="483680" y="1645421"/>
+            <a:off x="366802" y="1872301"/>
             <a:ext cx="3833938" cy="2321562"/>
           </a:xfrm>
           <a:prstGeom prst="rect">
@@ -3955,6 +3912,75 @@
           </a:effectLst>
         </p:spPr>
       </p:pic>
+      <p:sp>
+        <p:nvSpPr>
+          <p:cNvPr id="4" name="Rectangle 3"/>
+          <p:cNvSpPr/>
+          <p:nvPr/>
+        </p:nvSpPr>
+        <p:spPr>
+          <a:xfrm>
+            <a:off x="288081" y="800655"/>
+            <a:ext cx="11557868" cy="707886"/>
+          </a:xfrm>
+          <a:prstGeom prst="rect">
+            <a:avLst/>
+          </a:prstGeom>
+        </p:spPr>
+        <p:txBody>
+          <a:bodyPr wrap="square">
+            <a:spAutoFit/>
+          </a:bodyPr>
+          <a:lstStyle/>
+          <a:p>
+            <a:r xmlns:a="http://schemas.openxmlformats.org/drawingml/2006/main">
+              <a:rPr lang="en" sz="2000" dirty="0"/>
+              <a:t>Try replacing the null values with </a:t>
+            </a:r>
+            <a:r xmlns:a="http://schemas.openxmlformats.org/drawingml/2006/main">
+              <a:rPr lang="en" sz="2000" b="1" dirty="0"/>
+              <a:t>No manufacturer </a:t>
+            </a:r>
+            <a:r xmlns:a="http://schemas.openxmlformats.org/drawingml/2006/main">
+              <a:rPr lang="en" sz="2000" dirty="0"/>
+              <a:t>and </a:t>
+            </a:r>
+            <a:r xmlns:a="http://schemas.openxmlformats.org/drawingml/2006/main">
+              <a:rPr lang="en" sz="2000" b="1" dirty="0"/>
+              <a:t>No Brand </a:t>
+            </a:r>
+            <a:r xmlns:a="http://schemas.openxmlformats.org/drawingml/2006/main">
+              <a:rPr lang="en" sz="2000" b="1" dirty="0" err="1"/>
+              <a:t>name for the </a:t>
+            </a:r>
+            <a:r xmlns:a="http://schemas.openxmlformats.org/drawingml/2006/main">
+              <a:rPr lang="en" sz="2000" b="1" dirty="0"/>
+              <a:t>Manufacturer </a:t>
+            </a:r>
+            <a:r xmlns:a="http://schemas.openxmlformats.org/drawingml/2006/main">
+              <a:rPr lang="en" sz="2000" dirty="0"/>
+              <a:t>and </a:t>
+            </a:r>
+            <a:r xmlns:a="http://schemas.openxmlformats.org/drawingml/2006/main">
+              <a:rPr lang="en" sz="2000" b="1" dirty="0" err="1"/>
+              <a:t>BrandName </a:t>
+            </a:r>
+            <a:r xmlns:a="http://schemas.openxmlformats.org/drawingml/2006/main">
+              <a:rPr lang="en" sz="2000" dirty="0"/>
+              <a:t>columns </a:t>
+            </a:r>
+            <a:r xmlns:a="http://schemas.openxmlformats.org/drawingml/2006/main">
+              <a:rPr lang="en" sz="2000" dirty="0"/>
+              <a:t>respectively, using the </a:t>
+            </a:r>
+            <a:r xmlns:a="http://schemas.openxmlformats.org/drawingml/2006/main">
+              <a:rPr lang="en" sz="2000" b="1" dirty="0"/>
+              <a:t>Replace Values feature</a:t>
+            </a:r>
+            <a:endParaRPr xmlns:a="http://schemas.openxmlformats.org/drawingml/2006/main" lang="en-US" sz="2000" dirty="0"/>
+          </a:p>
+        </p:txBody>
+      </p:sp>
     </p:spTree>
     <p:extLst>
       <p:ext uri="{BB962C8B-B14F-4D97-AF65-F5344CB8AC3E}">
@@ -4006,85 +4032,15 @@
           </a:bodyPr>
           <a:lstStyle/>
           <a:p>
-            <a:r>
-              <a:rPr lang="en-US" b="1" kern="0" dirty="0" smtClean="0">
+            <a:r xmlns:a="http://schemas.openxmlformats.org/drawingml/2006/main">
+              <a:rPr lang="en" b="1" kern="0" dirty="0" smtClean="0">
                 <a:latin typeface="Segoe UI" panose="020B0502040204020203" pitchFamily="34" charset="0"/>
                 <a:ea typeface="Times New Roman" panose="02020603050405020304" pitchFamily="18" charset="0"/>
                 <a:cs typeface="Times New Roman" panose="02020603050405020304" pitchFamily="18" charset="0"/>
               </a:rPr>
               <a:t>Basic Transformations</a:t>
             </a:r>
-            <a:endParaRPr lang="en-US" b="1" dirty="0"/>
-          </a:p>
-        </p:txBody>
-      </p:sp>
-      <p:sp>
-        <p:nvSpPr>
-          <p:cNvPr id="4" name="Rectangle 3"/>
-          <p:cNvSpPr/>
-          <p:nvPr/>
-        </p:nvSpPr>
-        <p:spPr>
-          <a:xfrm>
-            <a:off x="341672" y="842086"/>
-            <a:ext cx="5772478" cy="388696"/>
-          </a:xfrm>
-          <a:prstGeom prst="rect">
-            <a:avLst/>
-          </a:prstGeom>
-        </p:spPr>
-        <p:txBody>
-          <a:bodyPr wrap="none">
-            <a:spAutoFit/>
-          </a:bodyPr>
-          <a:lstStyle/>
-          <a:p>
-            <a:pPr lvl="0">
-              <a:lnSpc>
-                <a:spcPct val="107000"/>
-              </a:lnSpc>
-              <a:spcAft>
-                <a:spcPts val="800"/>
-              </a:spcAft>
-            </a:pPr>
-            <a:r>
-              <a:rPr lang="en-US" dirty="0">
-                <a:latin typeface="Segoe UI" panose="020B0502040204020203" pitchFamily="34" charset="0"/>
-                <a:ea typeface="Calibri" panose="020F0502020204030204" pitchFamily="34" charset="0"/>
-                <a:cs typeface="Times New Roman" panose="02020603050405020304" pitchFamily="18" charset="0"/>
-              </a:rPr>
-              <a:t>Import data into a </a:t>
-            </a:r>
-            <a:r>
-              <a:rPr lang="en-US" b="1" dirty="0">
-                <a:latin typeface="Segoe UI" panose="020B0502040204020203" pitchFamily="34" charset="0"/>
-                <a:ea typeface="Calibri" panose="020F0502020204030204" pitchFamily="34" charset="0"/>
-                <a:cs typeface="Times New Roman" panose="02020603050405020304" pitchFamily="18" charset="0"/>
-              </a:rPr>
-              <a:t>Names </a:t>
-            </a:r>
-            <a:r>
-              <a:rPr lang="en-US" b="1" dirty="0" smtClean="0">
-                <a:latin typeface="Segoe UI" panose="020B0502040204020203" pitchFamily="34" charset="0"/>
-                <a:ea typeface="Calibri" panose="020F0502020204030204" pitchFamily="34" charset="0"/>
-                <a:cs typeface="Times New Roman" panose="02020603050405020304" pitchFamily="18" charset="0"/>
-              </a:rPr>
-              <a:t>table </a:t>
-            </a:r>
-            <a:r>
-              <a:rPr lang="en-US" dirty="0" smtClean="0">
-                <a:latin typeface="Segoe UI" panose="020B0502040204020203" pitchFamily="34" charset="0"/>
-                <a:ea typeface="Calibri" panose="020F0502020204030204" pitchFamily="34" charset="0"/>
-                <a:cs typeface="Times New Roman" panose="02020603050405020304" pitchFamily="18" charset="0"/>
-              </a:rPr>
-              <a:t>from Excel to Power Bi</a:t>
-            </a:r>
-            <a:endParaRPr lang="en-US" sz="1400" dirty="0">
-              <a:effectLst/>
-              <a:latin typeface="Calibri" panose="020F0502020204030204" pitchFamily="34" charset="0"/>
-              <a:ea typeface="Calibri" panose="020F0502020204030204" pitchFamily="34" charset="0"/>
-              <a:cs typeface="Times New Roman" panose="02020603050405020304" pitchFamily="18" charset="0"/>
-            </a:endParaRPr>
+            <a:endParaRPr xmlns:a="http://schemas.openxmlformats.org/drawingml/2006/main" lang="en-US" b="1" dirty="0"/>
           </a:p>
         </p:txBody>
       </p:sp>
@@ -4141,7 +4097,7 @@
                     <a:bodyPr/>
                     <a:lstStyle/>
                     <a:p>
-                      <a:pPr algn="ctr">
+                      <a:pPr xmlns:a="http://schemas.openxmlformats.org/drawingml/2006/main" algn="ctr">
                         <a:lnSpc>
                           <a:spcPct val="107000"/>
                         </a:lnSpc>
@@ -4149,15 +4105,15 @@
                           <a:spcPts val="0"/>
                         </a:spcAft>
                       </a:pPr>
-                      <a:r>
-                        <a:rPr lang="en-US" sz="1600" dirty="0">
+                      <a:r xmlns:a="http://schemas.openxmlformats.org/drawingml/2006/main">
+                        <a:rPr lang="en" sz="1600" dirty="0">
                           <a:effectLst/>
                           <a:latin typeface="Segoe UI" panose="020B0502040204020203" pitchFamily="34" charset="0"/>
                           <a:cs typeface="Segoe UI" panose="020B0502040204020203" pitchFamily="34" charset="0"/>
                         </a:rPr>
                         <a:t>Id</a:t>
                       </a:r>
-                      <a:endParaRPr lang="en-US" sz="1600" dirty="0">
+                      <a:endParaRPr xmlns:a="http://schemas.openxmlformats.org/drawingml/2006/main" lang="en-US" sz="1600" dirty="0">
                         <a:effectLst/>
                         <a:latin typeface="Segoe UI" panose="020B0502040204020203" pitchFamily="34" charset="0"/>
                         <a:ea typeface="Calibri" panose="020F0502020204030204" pitchFamily="34" charset="0"/>
@@ -4172,7 +4128,7 @@
                     <a:bodyPr/>
                     <a:lstStyle/>
                     <a:p>
-                      <a:pPr algn="ctr">
+                      <a:pPr xmlns:a="http://schemas.openxmlformats.org/drawingml/2006/main" algn="ctr">
                         <a:lnSpc>
                           <a:spcPct val="107000"/>
                         </a:lnSpc>
@@ -4180,15 +4136,15 @@
                           <a:spcPts val="0"/>
                         </a:spcAft>
                       </a:pPr>
-                      <a:r>
-                        <a:rPr lang="en-US" sz="1600">
+                      <a:r xmlns:a="http://schemas.openxmlformats.org/drawingml/2006/main">
+                        <a:rPr lang="en" sz="1600">
                           <a:effectLst/>
                           <a:latin typeface="Segoe UI" panose="020B0502040204020203" pitchFamily="34" charset="0"/>
                           <a:cs typeface="Segoe UI" panose="020B0502040204020203" pitchFamily="34" charset="0"/>
                         </a:rPr>
                         <a:t>First Name</a:t>
                       </a:r>
-                      <a:endParaRPr lang="en-US" sz="1600">
+                      <a:endParaRPr xmlns:a="http://schemas.openxmlformats.org/drawingml/2006/main" lang="en-US" sz="1600">
                         <a:effectLst/>
                         <a:latin typeface="Segoe UI" panose="020B0502040204020203" pitchFamily="34" charset="0"/>
                         <a:ea typeface="Calibri" panose="020F0502020204030204" pitchFamily="34" charset="0"/>
@@ -4203,7 +4159,7 @@
                     <a:bodyPr/>
                     <a:lstStyle/>
                     <a:p>
-                      <a:pPr algn="ctr">
+                      <a:pPr xmlns:a="http://schemas.openxmlformats.org/drawingml/2006/main" algn="ctr">
                         <a:lnSpc>
                           <a:spcPct val="107000"/>
                         </a:lnSpc>
@@ -4211,15 +4167,15 @@
                           <a:spcPts val="0"/>
                         </a:spcAft>
                       </a:pPr>
-                      <a:r>
-                        <a:rPr lang="en-US" sz="1600">
+                      <a:r xmlns:a="http://schemas.openxmlformats.org/drawingml/2006/main">
+                        <a:rPr lang="en" sz="1600">
                           <a:effectLst/>
                           <a:latin typeface="Segoe UI" panose="020B0502040204020203" pitchFamily="34" charset="0"/>
                           <a:cs typeface="Segoe UI" panose="020B0502040204020203" pitchFamily="34" charset="0"/>
                         </a:rPr>
                         <a:t>LastName</a:t>
                       </a:r>
-                      <a:endParaRPr lang="en-US" sz="1600">
+                      <a:endParaRPr xmlns:a="http://schemas.openxmlformats.org/drawingml/2006/main" lang="en-US" sz="1600">
                         <a:effectLst/>
                         <a:latin typeface="Segoe UI" panose="020B0502040204020203" pitchFamily="34" charset="0"/>
                         <a:ea typeface="Calibri" panose="020F0502020204030204" pitchFamily="34" charset="0"/>
@@ -4241,7 +4197,7 @@
                     <a:bodyPr/>
                     <a:lstStyle/>
                     <a:p>
-                      <a:pPr algn="ctr">
+                      <a:pPr xmlns:a="http://schemas.openxmlformats.org/drawingml/2006/main" algn="ctr">
                         <a:lnSpc>
                           <a:spcPct val="107000"/>
                         </a:lnSpc>
@@ -4249,15 +4205,15 @@
                           <a:spcPts val="0"/>
                         </a:spcAft>
                       </a:pPr>
-                      <a:r>
-                        <a:rPr lang="en-US" sz="1600" dirty="0">
+                      <a:r xmlns:a="http://schemas.openxmlformats.org/drawingml/2006/main">
+                        <a:rPr lang="en" sz="1600" dirty="0">
                           <a:effectLst/>
                           <a:latin typeface="Segoe UI" panose="020B0502040204020203" pitchFamily="34" charset="0"/>
                           <a:cs typeface="Segoe UI" panose="020B0502040204020203" pitchFamily="34" charset="0"/>
                         </a:rPr>
                         <a:t>1</a:t>
                       </a:r>
-                      <a:endParaRPr lang="en-US" sz="1600" dirty="0">
+                      <a:endParaRPr xmlns:a="http://schemas.openxmlformats.org/drawingml/2006/main" lang="en-US" sz="1600" dirty="0">
                         <a:effectLst/>
                         <a:latin typeface="Segoe UI" panose="020B0502040204020203" pitchFamily="34" charset="0"/>
                         <a:ea typeface="Calibri" panose="020F0502020204030204" pitchFamily="34" charset="0"/>
@@ -4272,7 +4228,7 @@
                     <a:bodyPr/>
                     <a:lstStyle/>
                     <a:p>
-                      <a:pPr algn="ctr">
+                      <a:pPr xmlns:a="http://schemas.openxmlformats.org/drawingml/2006/main" algn="ctr">
                         <a:lnSpc>
                           <a:spcPct val="107000"/>
                         </a:lnSpc>
@@ -4280,15 +4236,15 @@
                           <a:spcPts val="0"/>
                         </a:spcAft>
                       </a:pPr>
-                      <a:r>
-                        <a:rPr lang="en-US" sz="1600" dirty="0">
+                      <a:r xmlns:a="http://schemas.openxmlformats.org/drawingml/2006/main">
+                        <a:rPr lang="en" sz="1600" dirty="0">
                           <a:effectLst/>
                           <a:latin typeface="Segoe UI" panose="020B0502040204020203" pitchFamily="34" charset="0"/>
                           <a:cs typeface="Segoe UI" panose="020B0502040204020203" pitchFamily="34" charset="0"/>
                         </a:rPr>
                         <a:t>Anil§</a:t>
                       </a:r>
-                      <a:endParaRPr lang="en-US" sz="1600" dirty="0">
+                      <a:endParaRPr xmlns:a="http://schemas.openxmlformats.org/drawingml/2006/main" lang="en-US" sz="1600" dirty="0">
                         <a:effectLst/>
                         <a:latin typeface="Segoe UI" panose="020B0502040204020203" pitchFamily="34" charset="0"/>
                         <a:ea typeface="Calibri" panose="020F0502020204030204" pitchFamily="34" charset="0"/>
@@ -4303,7 +4259,7 @@
                     <a:bodyPr/>
                     <a:lstStyle/>
                     <a:p>
-                      <a:pPr algn="ctr">
+                      <a:pPr xmlns:a="http://schemas.openxmlformats.org/drawingml/2006/main" algn="ctr">
                         <a:lnSpc>
                           <a:spcPct val="107000"/>
                         </a:lnSpc>
@@ -4311,15 +4267,15 @@
                           <a:spcPts val="0"/>
                         </a:spcAft>
                       </a:pPr>
-                      <a:r>
-                        <a:rPr lang="en-US" sz="1600">
+                      <a:r xmlns:a="http://schemas.openxmlformats.org/drawingml/2006/main">
+                        <a:rPr lang="en" sz="1600">
                           <a:effectLst/>
                           <a:latin typeface="Segoe UI" panose="020B0502040204020203" pitchFamily="34" charset="0"/>
                           <a:cs typeface="Segoe UI" panose="020B0502040204020203" pitchFamily="34" charset="0"/>
                         </a:rPr>
                         <a:t>Dawson</a:t>
                       </a:r>
-                      <a:endParaRPr lang="en-US" sz="1600">
+                      <a:endParaRPr xmlns:a="http://schemas.openxmlformats.org/drawingml/2006/main" lang="en-US" sz="1600">
                         <a:effectLst/>
                         <a:latin typeface="Segoe UI" panose="020B0502040204020203" pitchFamily="34" charset="0"/>
                         <a:ea typeface="Calibri" panose="020F0502020204030204" pitchFamily="34" charset="0"/>
@@ -4341,7 +4297,7 @@
                     <a:bodyPr/>
                     <a:lstStyle/>
                     <a:p>
-                      <a:pPr algn="ctr">
+                      <a:pPr xmlns:a="http://schemas.openxmlformats.org/drawingml/2006/main" algn="ctr">
                         <a:lnSpc>
                           <a:spcPct val="107000"/>
                         </a:lnSpc>
@@ -4349,15 +4305,15 @@
                           <a:spcPts val="0"/>
                         </a:spcAft>
                       </a:pPr>
-                      <a:r>
-                        <a:rPr lang="en-US" sz="1600" dirty="0">
+                      <a:r xmlns:a="http://schemas.openxmlformats.org/drawingml/2006/main">
+                        <a:rPr lang="en" sz="1600" dirty="0">
                           <a:effectLst/>
                           <a:latin typeface="Segoe UI" panose="020B0502040204020203" pitchFamily="34" charset="0"/>
                           <a:cs typeface="Segoe UI" panose="020B0502040204020203" pitchFamily="34" charset="0"/>
                         </a:rPr>
                         <a:t>2</a:t>
                       </a:r>
-                      <a:endParaRPr lang="en-US" sz="1600" dirty="0">
+                      <a:endParaRPr xmlns:a="http://schemas.openxmlformats.org/drawingml/2006/main" lang="en-US" sz="1600" dirty="0">
                         <a:effectLst/>
                         <a:latin typeface="Segoe UI" panose="020B0502040204020203" pitchFamily="34" charset="0"/>
                         <a:ea typeface="Calibri" panose="020F0502020204030204" pitchFamily="34" charset="0"/>
@@ -4372,7 +4328,7 @@
                     <a:bodyPr/>
                     <a:lstStyle/>
                     <a:p>
-                      <a:pPr algn="ctr">
+                      <a:pPr xmlns:a="http://schemas.openxmlformats.org/drawingml/2006/main" algn="ctr">
                         <a:lnSpc>
                           <a:spcPct val="107000"/>
                         </a:lnSpc>
@@ -4380,15 +4336,15 @@
                           <a:spcPts val="0"/>
                         </a:spcAft>
                       </a:pPr>
-                      <a:r>
-                        <a:rPr lang="en-US" sz="1600" dirty="0">
+                      <a:r xmlns:a="http://schemas.openxmlformats.org/drawingml/2006/main">
+                        <a:rPr lang="en" sz="1600" dirty="0">
                           <a:effectLst/>
                           <a:latin typeface="Segoe UI" panose="020B0502040204020203" pitchFamily="34" charset="0"/>
                           <a:cs typeface="Segoe UI" panose="020B0502040204020203" pitchFamily="34" charset="0"/>
                         </a:rPr>
                         <a:t>Abbas</a:t>
                       </a:r>
-                      <a:endParaRPr lang="en-US" sz="1600" dirty="0">
+                      <a:endParaRPr xmlns:a="http://schemas.openxmlformats.org/drawingml/2006/main" lang="en-US" sz="1600" dirty="0">
                         <a:effectLst/>
                         <a:latin typeface="Segoe UI" panose="020B0502040204020203" pitchFamily="34" charset="0"/>
                         <a:ea typeface="Calibri" panose="020F0502020204030204" pitchFamily="34" charset="0"/>
@@ -4403,7 +4359,7 @@
                     <a:bodyPr/>
                     <a:lstStyle/>
                     <a:p>
-                      <a:pPr algn="ctr">
+                      <a:pPr xmlns:a="http://schemas.openxmlformats.org/drawingml/2006/main" algn="ctr">
                         <a:lnSpc>
                           <a:spcPct val="107000"/>
                         </a:lnSpc>
@@ -4411,15 +4367,15 @@
                           <a:spcPts val="0"/>
                         </a:spcAft>
                       </a:pPr>
-                      <a:r>
-                        <a:rPr lang="en-US" sz="1600">
+                      <a:r xmlns:a="http://schemas.openxmlformats.org/drawingml/2006/main">
+                        <a:rPr lang="en" sz="1600">
                           <a:effectLst/>
                           <a:latin typeface="Segoe UI" panose="020B0502040204020203" pitchFamily="34" charset="0"/>
                           <a:cs typeface="Segoe UI" panose="020B0502040204020203" pitchFamily="34" charset="0"/>
                         </a:rPr>
                         <a:t>Wang</a:t>
                       </a:r>
-                      <a:endParaRPr lang="en-US" sz="1600">
+                      <a:endParaRPr xmlns:a="http://schemas.openxmlformats.org/drawingml/2006/main" lang="en-US" sz="1600">
                         <a:effectLst/>
                         <a:latin typeface="Segoe UI" panose="020B0502040204020203" pitchFamily="34" charset="0"/>
                         <a:ea typeface="Calibri" panose="020F0502020204030204" pitchFamily="34" charset="0"/>
@@ -4441,7 +4397,7 @@
                     <a:bodyPr/>
                     <a:lstStyle/>
                     <a:p>
-                      <a:pPr algn="ctr">
+                      <a:pPr xmlns:a="http://schemas.openxmlformats.org/drawingml/2006/main" algn="ctr">
                         <a:lnSpc>
                           <a:spcPct val="107000"/>
                         </a:lnSpc>
@@ -4449,15 +4405,15 @@
                           <a:spcPts val="0"/>
                         </a:spcAft>
                       </a:pPr>
-                      <a:r>
-                        <a:rPr lang="en-US" sz="1600">
+                      <a:r xmlns:a="http://schemas.openxmlformats.org/drawingml/2006/main">
+                        <a:rPr lang="en" sz="1600">
                           <a:effectLst/>
                           <a:latin typeface="Segoe UI" panose="020B0502040204020203" pitchFamily="34" charset="0"/>
                           <a:cs typeface="Segoe UI" panose="020B0502040204020203" pitchFamily="34" charset="0"/>
                         </a:rPr>
                         <a:t>3</a:t>
                       </a:r>
-                      <a:endParaRPr lang="en-US" sz="1600">
+                      <a:endParaRPr xmlns:a="http://schemas.openxmlformats.org/drawingml/2006/main" lang="en-US" sz="1600">
                         <a:effectLst/>
                         <a:latin typeface="Segoe UI" panose="020B0502040204020203" pitchFamily="34" charset="0"/>
                         <a:ea typeface="Calibri" panose="020F0502020204030204" pitchFamily="34" charset="0"/>
@@ -4472,7 +4428,7 @@
                     <a:bodyPr/>
                     <a:lstStyle/>
                     <a:p>
-                      <a:pPr algn="ctr">
+                      <a:pPr xmlns:a="http://schemas.openxmlformats.org/drawingml/2006/main" algn="ctr">
                         <a:lnSpc>
                           <a:spcPct val="107000"/>
                         </a:lnSpc>
@@ -4480,23 +4436,23 @@
                           <a:spcPts val="0"/>
                         </a:spcAft>
                       </a:pPr>
-                      <a:r>
-                        <a:rPr lang="en-US" sz="1600" dirty="0">
+                      <a:r xmlns:a="http://schemas.openxmlformats.org/drawingml/2006/main">
+                        <a:rPr lang="en" sz="1600" dirty="0">
                           <a:effectLst/>
                           <a:latin typeface="Segoe UI" panose="020B0502040204020203" pitchFamily="34" charset="0"/>
                           <a:cs typeface="Segoe UI" panose="020B0502040204020203" pitchFamily="34" charset="0"/>
                         </a:rPr>
                         <a:t>Re </a:t>
                       </a:r>
-                      <a:r>
-                        <a:rPr lang="en-US" sz="1600" dirty="0" err="1">
+                      <a:r xmlns:a="http://schemas.openxmlformats.org/drawingml/2006/main">
+                        <a:rPr lang="en" sz="1600" dirty="0" err="1">
                           <a:effectLst/>
                           <a:latin typeface="Segoe UI" panose="020B0502040204020203" pitchFamily="34" charset="0"/>
                           <a:cs typeface="Segoe UI" panose="020B0502040204020203" pitchFamily="34" charset="0"/>
                         </a:rPr>
                         <a:t>bekka</a:t>
                       </a:r>
-                      <a:endParaRPr lang="en-US" sz="1600" dirty="0">
+                      <a:endParaRPr xmlns:a="http://schemas.openxmlformats.org/drawingml/2006/main" lang="en-US" sz="1600" dirty="0">
                         <a:effectLst/>
                         <a:latin typeface="Segoe UI" panose="020B0502040204020203" pitchFamily="34" charset="0"/>
                         <a:ea typeface="Calibri" panose="020F0502020204030204" pitchFamily="34" charset="0"/>
@@ -4511,7 +4467,7 @@
                     <a:bodyPr/>
                     <a:lstStyle/>
                     <a:p>
-                      <a:pPr algn="ctr">
+                      <a:pPr xmlns:a="http://schemas.openxmlformats.org/drawingml/2006/main" algn="ctr">
                         <a:lnSpc>
                           <a:spcPct val="107000"/>
                         </a:lnSpc>
@@ -4519,15 +4475,15 @@
                           <a:spcPts val="0"/>
                         </a:spcAft>
                       </a:pPr>
-                      <a:r>
-                        <a:rPr lang="en-US" sz="1600" dirty="0">
+                      <a:r xmlns:a="http://schemas.openxmlformats.org/drawingml/2006/main">
+                        <a:rPr lang="en" sz="1600" dirty="0">
                           <a:effectLst/>
                           <a:latin typeface="Segoe UI" panose="020B0502040204020203" pitchFamily="34" charset="0"/>
                           <a:cs typeface="Segoe UI" panose="020B0502040204020203" pitchFamily="34" charset="0"/>
                         </a:rPr>
                         <a:t>Frank</a:t>
                       </a:r>
-                      <a:endParaRPr lang="en-US" sz="1600" dirty="0">
+                      <a:endParaRPr xmlns:a="http://schemas.openxmlformats.org/drawingml/2006/main" lang="en-US" sz="1600" dirty="0">
                         <a:effectLst/>
                         <a:latin typeface="Segoe UI" panose="020B0502040204020203" pitchFamily="34" charset="0"/>
                         <a:ea typeface="Calibri" panose="020F0502020204030204" pitchFamily="34" charset="0"/>
@@ -4549,7 +4505,7 @@
                     <a:bodyPr/>
                     <a:lstStyle/>
                     <a:p>
-                      <a:pPr algn="ctr">
+                      <a:pPr xmlns:a="http://schemas.openxmlformats.org/drawingml/2006/main" algn="ctr">
                         <a:lnSpc>
                           <a:spcPct val="107000"/>
                         </a:lnSpc>
@@ -4557,15 +4513,15 @@
                           <a:spcPts val="0"/>
                         </a:spcAft>
                       </a:pPr>
-                      <a:r>
-                        <a:rPr lang="en-US" sz="1600">
+                      <a:r xmlns:a="http://schemas.openxmlformats.org/drawingml/2006/main">
+                        <a:rPr lang="en" sz="1600">
                           <a:effectLst/>
                           <a:latin typeface="Segoe UI" panose="020B0502040204020203" pitchFamily="34" charset="0"/>
                           <a:cs typeface="Segoe UI" panose="020B0502040204020203" pitchFamily="34" charset="0"/>
                         </a:rPr>
                         <a:t>4</a:t>
                       </a:r>
-                      <a:endParaRPr lang="en-US" sz="1600">
+                      <a:endParaRPr xmlns:a="http://schemas.openxmlformats.org/drawingml/2006/main" lang="en-US" sz="1600">
                         <a:effectLst/>
                         <a:latin typeface="Segoe UI" panose="020B0502040204020203" pitchFamily="34" charset="0"/>
                         <a:ea typeface="Calibri" panose="020F0502020204030204" pitchFamily="34" charset="0"/>
@@ -4580,7 +4536,7 @@
                     <a:bodyPr/>
                     <a:lstStyle/>
                     <a:p>
-                      <a:pPr algn="ctr">
+                      <a:pPr xmlns:a="http://schemas.openxmlformats.org/drawingml/2006/main" algn="ctr">
                         <a:lnSpc>
                           <a:spcPct val="107000"/>
                         </a:lnSpc>
@@ -4588,15 +4544,15 @@
                           <a:spcPts val="0"/>
                         </a:spcAft>
                       </a:pPr>
-                      <a:r>
-                        <a:rPr lang="en-US" sz="1600" dirty="0">
+                      <a:r xmlns:a="http://schemas.openxmlformats.org/drawingml/2006/main">
+                        <a:rPr lang="en" sz="1600" dirty="0">
                           <a:effectLst/>
                           <a:latin typeface="Segoe UI" panose="020B0502040204020203" pitchFamily="34" charset="0"/>
                           <a:cs typeface="Segoe UI" panose="020B0502040204020203" pitchFamily="34" charset="0"/>
                         </a:rPr>
                         <a:t>Kathy</a:t>
                       </a:r>
-                      <a:endParaRPr lang="en-US" sz="1600" dirty="0">
+                      <a:endParaRPr xmlns:a="http://schemas.openxmlformats.org/drawingml/2006/main" lang="en-US" sz="1600" dirty="0">
                         <a:effectLst/>
                         <a:latin typeface="Segoe UI" panose="020B0502040204020203" pitchFamily="34" charset="0"/>
                         <a:ea typeface="Calibri" panose="020F0502020204030204" pitchFamily="34" charset="0"/>
@@ -4611,7 +4567,7 @@
                     <a:bodyPr/>
                     <a:lstStyle/>
                     <a:p>
-                      <a:pPr algn="ctr">
+                      <a:pPr xmlns:a="http://schemas.openxmlformats.org/drawingml/2006/main" algn="ctr">
                         <a:lnSpc>
                           <a:spcPct val="107000"/>
                         </a:lnSpc>
@@ -4619,15 +4575,15 @@
                           <a:spcPts val="0"/>
                         </a:spcAft>
                       </a:pPr>
-                      <a:r>
-                        <a:rPr lang="en-US" sz="1600">
+                      <a:r xmlns:a="http://schemas.openxmlformats.org/drawingml/2006/main">
+                        <a:rPr lang="en" sz="1600">
                           <a:effectLst/>
                           <a:latin typeface="Segoe UI" panose="020B0502040204020203" pitchFamily="34" charset="0"/>
                           <a:cs typeface="Segoe UI" panose="020B0502040204020203" pitchFamily="34" charset="0"/>
                         </a:rPr>
                         <a:t>Villarreal</a:t>
                       </a:r>
-                      <a:endParaRPr lang="en-US" sz="1600">
+                      <a:endParaRPr xmlns:a="http://schemas.openxmlformats.org/drawingml/2006/main" lang="en-US" sz="1600">
                         <a:effectLst/>
                         <a:latin typeface="Segoe UI" panose="020B0502040204020203" pitchFamily="34" charset="0"/>
                         <a:ea typeface="Calibri" panose="020F0502020204030204" pitchFamily="34" charset="0"/>
@@ -4649,7 +4605,7 @@
                     <a:bodyPr/>
                     <a:lstStyle/>
                     <a:p>
-                      <a:pPr algn="ctr">
+                      <a:pPr xmlns:a="http://schemas.openxmlformats.org/drawingml/2006/main" algn="ctr">
                         <a:lnSpc>
                           <a:spcPct val="107000"/>
                         </a:lnSpc>
@@ -4657,15 +4613,15 @@
                           <a:spcPts val="0"/>
                         </a:spcAft>
                       </a:pPr>
-                      <a:r>
-                        <a:rPr lang="en-US" sz="1600" dirty="0">
+                      <a:r xmlns:a="http://schemas.openxmlformats.org/drawingml/2006/main">
+                        <a:rPr lang="en" sz="1600" dirty="0">
                           <a:effectLst/>
                           <a:latin typeface="Segoe UI" panose="020B0502040204020203" pitchFamily="34" charset="0"/>
                           <a:cs typeface="Segoe UI" panose="020B0502040204020203" pitchFamily="34" charset="0"/>
                         </a:rPr>
                         <a:t>5</a:t>
                       </a:r>
-                      <a:endParaRPr lang="en-US" sz="1600" dirty="0">
+                      <a:endParaRPr xmlns:a="http://schemas.openxmlformats.org/drawingml/2006/main" lang="en-US" sz="1600" dirty="0">
                         <a:effectLst/>
                         <a:latin typeface="Segoe UI" panose="020B0502040204020203" pitchFamily="34" charset="0"/>
                         <a:ea typeface="Calibri" panose="020F0502020204030204" pitchFamily="34" charset="0"/>
@@ -4680,7 +4636,7 @@
                     <a:bodyPr/>
                     <a:lstStyle/>
                     <a:p>
-                      <a:pPr algn="ctr">
+                      <a:pPr xmlns:a="http://schemas.openxmlformats.org/drawingml/2006/main" algn="ctr">
                         <a:lnSpc>
                           <a:spcPct val="107000"/>
                         </a:lnSpc>
@@ -4688,15 +4644,15 @@
                           <a:spcPts val="0"/>
                         </a:spcAft>
                       </a:pPr>
-                      <a:r>
-                        <a:rPr lang="en-US" sz="1600" dirty="0" err="1">
+                      <a:r xmlns:a="http://schemas.openxmlformats.org/drawingml/2006/main">
+                        <a:rPr lang="en" sz="1600" dirty="0" err="1">
                           <a:effectLst/>
                           <a:latin typeface="Segoe UI" panose="020B0502040204020203" pitchFamily="34" charset="0"/>
                           <a:cs typeface="Segoe UI" panose="020B0502040204020203" pitchFamily="34" charset="0"/>
                         </a:rPr>
                         <a:t>Hashim</a:t>
                       </a:r>
-                      <a:endParaRPr lang="en-US" sz="1600" dirty="0">
+                      <a:endParaRPr xmlns:a="http://schemas.openxmlformats.org/drawingml/2006/main" lang="en-US" sz="1600" dirty="0">
                         <a:effectLst/>
                         <a:latin typeface="Segoe UI" panose="020B0502040204020203" pitchFamily="34" charset="0"/>
                         <a:ea typeface="Calibri" panose="020F0502020204030204" pitchFamily="34" charset="0"/>
@@ -4711,7 +4667,7 @@
                     <a:bodyPr/>
                     <a:lstStyle/>
                     <a:p>
-                      <a:pPr algn="ctr">
+                      <a:pPr xmlns:a="http://schemas.openxmlformats.org/drawingml/2006/main" algn="ctr">
                         <a:lnSpc>
                           <a:spcPct val="107000"/>
                         </a:lnSpc>
@@ -4719,15 +4675,15 @@
                           <a:spcPts val="0"/>
                         </a:spcAft>
                       </a:pPr>
-                      <a:r>
-                        <a:rPr lang="en-US" sz="1600" dirty="0">
+                      <a:r xmlns:a="http://schemas.openxmlformats.org/drawingml/2006/main">
+                        <a:rPr lang="en" sz="1600" dirty="0">
                           <a:effectLst/>
                           <a:latin typeface="Segoe UI" panose="020B0502040204020203" pitchFamily="34" charset="0"/>
                           <a:cs typeface="Segoe UI" panose="020B0502040204020203" pitchFamily="34" charset="0"/>
                         </a:rPr>
                         <a:t>Good</a:t>
                       </a:r>
-                      <a:endParaRPr lang="en-US" sz="1600" dirty="0">
+                      <a:endParaRPr xmlns:a="http://schemas.openxmlformats.org/drawingml/2006/main" lang="en-US" sz="1600" dirty="0">
                         <a:effectLst/>
                         <a:latin typeface="Segoe UI" panose="020B0502040204020203" pitchFamily="34" charset="0"/>
                         <a:ea typeface="Calibri" panose="020F0502020204030204" pitchFamily="34" charset="0"/>
@@ -4749,7 +4705,7 @@
                     <a:bodyPr/>
                     <a:lstStyle/>
                     <a:p>
-                      <a:pPr algn="ctr">
+                      <a:pPr xmlns:a="http://schemas.openxmlformats.org/drawingml/2006/main" algn="ctr">
                         <a:lnSpc>
                           <a:spcPct val="107000"/>
                         </a:lnSpc>
@@ -4757,15 +4713,15 @@
                           <a:spcPts val="0"/>
                         </a:spcAft>
                       </a:pPr>
-                      <a:r>
-                        <a:rPr lang="en-US" sz="1600">
+                      <a:r xmlns:a="http://schemas.openxmlformats.org/drawingml/2006/main">
+                        <a:rPr lang="en" sz="1600">
                           <a:effectLst/>
                           <a:latin typeface="Segoe UI" panose="020B0502040204020203" pitchFamily="34" charset="0"/>
                           <a:cs typeface="Segoe UI" panose="020B0502040204020203" pitchFamily="34" charset="0"/>
                         </a:rPr>
                         <a:t>6</a:t>
                       </a:r>
-                      <a:endParaRPr lang="en-US" sz="1600">
+                      <a:endParaRPr xmlns:a="http://schemas.openxmlformats.org/drawingml/2006/main" lang="en-US" sz="1600">
                         <a:effectLst/>
                         <a:latin typeface="Segoe UI" panose="020B0502040204020203" pitchFamily="34" charset="0"/>
                         <a:ea typeface="Calibri" panose="020F0502020204030204" pitchFamily="34" charset="0"/>
@@ -4780,7 +4736,7 @@
                     <a:bodyPr/>
                     <a:lstStyle/>
                     <a:p>
-                      <a:pPr algn="ctr">
+                      <a:pPr xmlns:a="http://schemas.openxmlformats.org/drawingml/2006/main" algn="ctr">
                         <a:lnSpc>
                           <a:spcPct val="107000"/>
                         </a:lnSpc>
@@ -4788,15 +4744,15 @@
                           <a:spcPts val="0"/>
                         </a:spcAft>
                       </a:pPr>
-                      <a:r>
-                        <a:rPr lang="en-US" sz="1600" dirty="0">
+                      <a:r xmlns:a="http://schemas.openxmlformats.org/drawingml/2006/main">
+                        <a:rPr lang="en" sz="1600" dirty="0">
                           <a:effectLst/>
                           <a:latin typeface="Segoe UI" panose="020B0502040204020203" pitchFamily="34" charset="0"/>
                           <a:cs typeface="Segoe UI" panose="020B0502040204020203" pitchFamily="34" charset="0"/>
                         </a:rPr>
                         <a:t>Jarred</a:t>
                       </a:r>
-                      <a:endParaRPr lang="en-US" sz="1600" dirty="0">
+                      <a:endParaRPr xmlns:a="http://schemas.openxmlformats.org/drawingml/2006/main" lang="en-US" sz="1600" dirty="0">
                         <a:effectLst/>
                         <a:latin typeface="Segoe UI" panose="020B0502040204020203" pitchFamily="34" charset="0"/>
                         <a:ea typeface="Calibri" panose="020F0502020204030204" pitchFamily="34" charset="0"/>
@@ -4811,7 +4767,7 @@
                     <a:bodyPr/>
                     <a:lstStyle/>
                     <a:p>
-                      <a:pPr algn="ctr">
+                      <a:pPr xmlns:a="http://schemas.openxmlformats.org/drawingml/2006/main" algn="ctr">
                         <a:lnSpc>
                           <a:spcPct val="107000"/>
                         </a:lnSpc>
@@ -4819,15 +4775,15 @@
                           <a:spcPts val="0"/>
                         </a:spcAft>
                       </a:pPr>
-                      <a:r>
-                        <a:rPr lang="en-US" sz="1600" dirty="0">
+                      <a:r xmlns:a="http://schemas.openxmlformats.org/drawingml/2006/main">
+                        <a:rPr lang="en" sz="1600" dirty="0">
                           <a:effectLst/>
                           <a:latin typeface="Segoe UI" panose="020B0502040204020203" pitchFamily="34" charset="0"/>
                           <a:cs typeface="Segoe UI" panose="020B0502040204020203" pitchFamily="34" charset="0"/>
                         </a:rPr>
                         <a:t>Leon</a:t>
                       </a:r>
-                      <a:endParaRPr lang="en-US" sz="1600" dirty="0">
+                      <a:endParaRPr xmlns:a="http://schemas.openxmlformats.org/drawingml/2006/main" lang="en-US" sz="1600" dirty="0">
                         <a:effectLst/>
                         <a:latin typeface="Segoe UI" panose="020B0502040204020203" pitchFamily="34" charset="0"/>
                         <a:ea typeface="Calibri" panose="020F0502020204030204" pitchFamily="34" charset="0"/>
@@ -5013,6 +4969,43 @@
           </a:p>
         </p:txBody>
       </p:sp>
+      <p:sp>
+        <p:nvSpPr>
+          <p:cNvPr id="2" name="Rectangle 1"/>
+          <p:cNvSpPr/>
+          <p:nvPr/>
+        </p:nvSpPr>
+        <p:spPr>
+          <a:xfrm>
+            <a:off x="288080" y="691685"/>
+            <a:ext cx="10024701" cy="400110"/>
+          </a:xfrm>
+          <a:prstGeom prst="rect">
+            <a:avLst/>
+          </a:prstGeom>
+        </p:spPr>
+        <p:txBody>
+          <a:bodyPr wrap="square">
+            <a:spAutoFit/>
+          </a:bodyPr>
+          <a:lstStyle/>
+          <a:p>
+            <a:r xmlns:a="http://schemas.openxmlformats.org/drawingml/2006/main">
+              <a:rPr lang="en" sz="2000" dirty="0"/>
+              <a:t>Import data into a </a:t>
+            </a:r>
+            <a:r xmlns:a="http://schemas.openxmlformats.org/drawingml/2006/main">
+              <a:rPr lang="en" sz="2000" b="1" dirty="0" err="1"/>
+              <a:t>Names table </a:t>
+            </a:r>
+            <a:r xmlns:a="http://schemas.openxmlformats.org/drawingml/2006/main">
+              <a:rPr lang="en" sz="2000" dirty="0"/>
+              <a:t>from Excel to Power BI</a:t>
+            </a:r>
+            <a:endParaRPr xmlns:a="http://schemas.openxmlformats.org/drawingml/2006/main" lang="en-US" sz="2000" dirty="0"/>
+          </a:p>
+        </p:txBody>
+      </p:sp>
     </p:spTree>
     <p:extLst>
       <p:ext uri="{BB962C8B-B14F-4D97-AF65-F5344CB8AC3E}">
@@ -5064,15 +5057,15 @@
           </a:bodyPr>
           <a:lstStyle/>
           <a:p>
-            <a:r>
-              <a:rPr lang="en-US" b="1" kern="0" dirty="0" smtClean="0">
+            <a:r xmlns:a="http://schemas.openxmlformats.org/drawingml/2006/main">
+              <a:rPr lang="en" b="1" kern="0" dirty="0" smtClean="0">
                 <a:latin typeface="Segoe UI" panose="020B0502040204020203" pitchFamily="34" charset="0"/>
                 <a:ea typeface="Times New Roman" panose="02020603050405020304" pitchFamily="18" charset="0"/>
                 <a:cs typeface="Times New Roman" panose="02020603050405020304" pitchFamily="18" charset="0"/>
               </a:rPr>
               <a:t>Basic Transformations</a:t>
             </a:r>
-            <a:endParaRPr lang="en-US" b="1" dirty="0"/>
+            <a:endParaRPr xmlns:a="http://schemas.openxmlformats.org/drawingml/2006/main" lang="en-US" b="1" dirty="0"/>
           </a:p>
         </p:txBody>
       </p:sp>
@@ -5085,7 +5078,7 @@
         <p:spPr>
           <a:xfrm>
             <a:off x="288081" y="896759"/>
-            <a:ext cx="11156139" cy="1116972"/>
+            <a:ext cx="11156139" cy="1065676"/>
           </a:xfrm>
           <a:prstGeom prst="rect">
             <a:avLst/>
@@ -5097,7 +5090,7 @@
           </a:bodyPr>
           <a:lstStyle/>
           <a:p>
-            <a:pPr lvl="0">
+            <a:pPr xmlns:a="http://schemas.openxmlformats.org/drawingml/2006/main" lvl="0">
               <a:lnSpc>
                 <a:spcPct val="107000"/>
               </a:lnSpc>
@@ -5105,72 +5098,26 @@
                 <a:spcPts val="800"/>
               </a:spcAft>
             </a:pPr>
-            <a:r>
-              <a:rPr lang="en-US" dirty="0">
-                <a:latin typeface="Segoe UI" panose="020B0502040204020203" pitchFamily="34" charset="0"/>
-                <a:ea typeface="Calibri" panose="020F0502020204030204" pitchFamily="34" charset="0"/>
-                <a:cs typeface="Times New Roman" panose="02020603050405020304" pitchFamily="18" charset="0"/>
-              </a:rPr>
-              <a:t>Notice that the first line shows a so-called </a:t>
-            </a:r>
-            <a:r>
-              <a:rPr lang="en-US" b="1" dirty="0">
-                <a:latin typeface="Segoe UI" panose="020B0502040204020203" pitchFamily="34" charset="0"/>
-                <a:ea typeface="Calibri" panose="020F0502020204030204" pitchFamily="34" charset="0"/>
-                <a:cs typeface="Times New Roman" panose="02020603050405020304" pitchFamily="18" charset="0"/>
-              </a:rPr>
-              <a:t>Non-printable character </a:t>
-            </a:r>
-            <a:r>
-              <a:rPr lang="en-US" dirty="0">
-                <a:latin typeface="Segoe UI" panose="020B0502040204020203" pitchFamily="34" charset="0"/>
-                <a:cs typeface="Segoe UI" panose="020B0502040204020203" pitchFamily="34" charset="0"/>
-              </a:rPr>
+            <a:r xmlns:a="http://schemas.openxmlformats.org/drawingml/2006/main">
+              <a:rPr lang="en" sz="2000" dirty="0"/>
+              <a:t>Notice that the first line shows a so-called non-printing character </a:t>
+            </a:r>
+            <a:r xmlns:a="http://schemas.openxmlformats.org/drawingml/2006/main">
+              <a:rPr lang="en" sz="2000" b="1" dirty="0"/>
               <a:t>§ </a:t>
             </a:r>
-            <a:r>
-              <a:rPr lang="en-US" dirty="0" smtClean="0">
-                <a:latin typeface="Segoe UI" panose="020B0502040204020203" pitchFamily="34" charset="0"/>
-                <a:ea typeface="Calibri" panose="020F0502020204030204" pitchFamily="34" charset="0"/>
-                <a:cs typeface="Times New Roman" panose="02020603050405020304" pitchFamily="18" charset="0"/>
-              </a:rPr>
-              <a:t>and </a:t>
-            </a:r>
-            <a:r>
-              <a:rPr lang="en-US" dirty="0">
-                <a:latin typeface="Segoe UI" panose="020B0502040204020203" pitchFamily="34" charset="0"/>
-                <a:ea typeface="Calibri" panose="020F0502020204030204" pitchFamily="34" charset="0"/>
-                <a:cs typeface="Times New Roman" panose="02020603050405020304" pitchFamily="18" charset="0"/>
-              </a:rPr>
-              <a:t>on the third line there is an incorrect space in the name as well</a:t>
-            </a:r>
-            <a:r>
-              <a:rPr lang="en-US" dirty="0" smtClean="0">
-                <a:latin typeface="Segoe UI" panose="020B0502040204020203" pitchFamily="34" charset="0"/>
-                <a:ea typeface="Calibri" panose="020F0502020204030204" pitchFamily="34" charset="0"/>
-                <a:cs typeface="Times New Roman" panose="02020603050405020304" pitchFamily="18" charset="0"/>
-              </a:rPr>
-              <a:t>.</a:t>
-            </a:r>
-          </a:p>
-          <a:p>
-            <a:pPr lvl="0">
-              <a:lnSpc>
-                <a:spcPct val="107000"/>
-              </a:lnSpc>
-              <a:spcAft>
-                <a:spcPts val="800"/>
-              </a:spcAft>
-            </a:pPr>
-            <a:r>
-              <a:rPr lang="en-US" dirty="0" smtClean="0">
-                <a:latin typeface="Segoe UI" panose="020B0502040204020203" pitchFamily="34" charset="0"/>
-                <a:ea typeface="Calibri" panose="020F0502020204030204" pitchFamily="34" charset="0"/>
-                <a:cs typeface="Times New Roman" panose="02020603050405020304" pitchFamily="18" charset="0"/>
-              </a:rPr>
-              <a:t>Try to delete the unwanted character </a:t>
-            </a:r>
-            <a:endParaRPr lang="en-US" sz="2000" dirty="0">
+            <a:r xmlns:a="http://schemas.openxmlformats.org/drawingml/2006/main">
+              <a:rPr lang="en" sz="2000" dirty="0"/>
+              <a:t>, and on the third line there is also an incorrect space in the name. </a:t>
+            </a:r>
+            <a:br xmlns:a="http://schemas.openxmlformats.org/drawingml/2006/main">
+              <a:rPr lang="fr-FR" sz="2000" dirty="0"/>
+            </a:br>
+            <a:r xmlns:a="http://schemas.openxmlformats.org/drawingml/2006/main">
+              <a:rPr lang="en" sz="2000" dirty="0"/>
+              <a:t>Try removing the unwanted character.</a:t>
+            </a:r>
+            <a:endParaRPr xmlns:a="http://schemas.openxmlformats.org/drawingml/2006/main" lang="en-US" sz="2400" dirty="0">
               <a:effectLst/>
               <a:latin typeface="Calibri" panose="020F0502020204030204" pitchFamily="34" charset="0"/>
               <a:ea typeface="Calibri" panose="020F0502020204030204" pitchFamily="34" charset="0"/>
@@ -5275,47 +5222,6 @@
           </a:prstGeom>
         </p:spPr>
       </p:pic>
-      <p:sp>
-        <p:nvSpPr>
-          <p:cNvPr id="13" name="Rectangle 12"/>
-          <p:cNvSpPr/>
-          <p:nvPr/>
-        </p:nvSpPr>
-        <p:spPr>
-          <a:xfrm>
-            <a:off x="356951" y="4151859"/>
-            <a:ext cx="4008983" cy="369332"/>
-          </a:xfrm>
-          <a:prstGeom prst="rect">
-            <a:avLst/>
-          </a:prstGeom>
-        </p:spPr>
-        <p:txBody>
-          <a:bodyPr wrap="none">
-            <a:spAutoFit/>
-          </a:bodyPr>
-          <a:lstStyle/>
-          <a:p>
-            <a:r>
-              <a:rPr lang="en-US" dirty="0" smtClean="0">
-                <a:latin typeface="Segoe UI" panose="020B0502040204020203" pitchFamily="34" charset="0"/>
-                <a:ea typeface="Calibri" panose="020F0502020204030204" pitchFamily="34" charset="0"/>
-                <a:cs typeface="Times New Roman" panose="02020603050405020304" pitchFamily="18" charset="0"/>
-              </a:rPr>
-              <a:t>Take a look at the </a:t>
-            </a:r>
-            <a:r>
-              <a:rPr lang="en-US" b="1" dirty="0" smtClean="0">
-                <a:latin typeface="Segoe UI" panose="020B0502040204020203" pitchFamily="34" charset="0"/>
-                <a:ea typeface="Calibri" panose="020F0502020204030204" pitchFamily="34" charset="0"/>
-                <a:cs typeface="Times New Roman" panose="02020603050405020304" pitchFamily="18" charset="0"/>
-              </a:rPr>
-              <a:t>Advanced Options</a:t>
-            </a:r>
-            <a:endParaRPr lang="en-US" b="1" dirty="0"/>
-          </a:p>
-        </p:txBody>
-      </p:sp>
       <p:cxnSp>
         <p:nvCxnSpPr>
           <p:cNvPr id="15" name="Straight Arrow Connector 14"/>
@@ -5354,14 +5260,14 @@
       </p:cxnSp>
       <p:sp>
         <p:nvSpPr>
-          <p:cNvPr id="17" name="Rectangle 16"/>
+          <p:cNvPr id="4" name="Rectangle 3"/>
           <p:cNvSpPr/>
           <p:nvPr/>
         </p:nvSpPr>
         <p:spPr>
           <a:xfrm>
-            <a:off x="353098" y="4655139"/>
-            <a:ext cx="5029069" cy="369332"/>
+            <a:off x="288081" y="4151859"/>
+            <a:ext cx="3961662" cy="400110"/>
           </a:xfrm>
           <a:prstGeom prst="rect">
             <a:avLst/>
@@ -5373,31 +5279,59 @@
           </a:bodyPr>
           <a:lstStyle/>
           <a:p>
-            <a:r>
-              <a:rPr lang="en-US" dirty="0" smtClean="0">
-                <a:latin typeface="Segoe UI" panose="020B0502040204020203" pitchFamily="34" charset="0"/>
-                <a:ea typeface="Calibri" panose="020F0502020204030204" pitchFamily="34" charset="0"/>
-                <a:cs typeface="Times New Roman" panose="02020603050405020304" pitchFamily="18" charset="0"/>
-              </a:rPr>
+            <a:r xmlns:a="http://schemas.openxmlformats.org/drawingml/2006/main">
+              <a:rPr lang="en" sz="2000" dirty="0"/>
+              <a:t>Look in </a:t>
+            </a:r>
+            <a:r xmlns:a="http://schemas.openxmlformats.org/drawingml/2006/main">
+              <a:rPr lang="en" sz="2000" b="1" dirty="0"/>
+              <a:t>Advanced Options</a:t>
+            </a:r>
+            <a:endParaRPr xmlns:a="http://schemas.openxmlformats.org/drawingml/2006/main" lang="en-US" sz="2000" dirty="0"/>
+          </a:p>
+        </p:txBody>
+      </p:sp>
+      <p:sp>
+        <p:nvSpPr>
+          <p:cNvPr id="5" name="Rectangle 4"/>
+          <p:cNvSpPr/>
+          <p:nvPr/>
+        </p:nvSpPr>
+        <p:spPr>
+          <a:xfrm>
+            <a:off x="213059" y="4760711"/>
+            <a:ext cx="4314643" cy="707886"/>
+          </a:xfrm>
+          <a:prstGeom prst="rect">
+            <a:avLst/>
+          </a:prstGeom>
+        </p:spPr>
+        <p:txBody>
+          <a:bodyPr wrap="none">
+            <a:spAutoFit/>
+          </a:bodyPr>
+          <a:lstStyle/>
+          <a:p>
+            <a:r xmlns:a="http://schemas.openxmlformats.org/drawingml/2006/main">
+              <a:rPr lang="en" sz="2000" dirty="0"/>
               <a:t>Try the </a:t>
             </a:r>
-            <a:r>
-              <a:rPr lang="en-US" b="1" dirty="0" smtClean="0">
-                <a:latin typeface="Segoe UI" panose="020B0502040204020203" pitchFamily="34" charset="0"/>
-                <a:ea typeface="Calibri" panose="020F0502020204030204" pitchFamily="34" charset="0"/>
-                <a:cs typeface="Times New Roman" panose="02020603050405020304" pitchFamily="18" charset="0"/>
-              </a:rPr>
-              <a:t>Replace using special character</a:t>
-            </a:r>
-            <a:r>
-              <a:rPr lang="en-US" dirty="0" smtClean="0">
-                <a:latin typeface="Segoe UI" panose="020B0502040204020203" pitchFamily="34" charset="0"/>
-                <a:ea typeface="Calibri" panose="020F0502020204030204" pitchFamily="34" charset="0"/>
-                <a:cs typeface="Times New Roman" panose="02020603050405020304" pitchFamily="18" charset="0"/>
-              </a:rPr>
-              <a:t> option</a:t>
-            </a:r>
-            <a:endParaRPr lang="en-US" dirty="0"/>
+            <a:r xmlns:a="http://schemas.openxmlformats.org/drawingml/2006/main">
+              <a:rPr lang="en" sz="2000" b="1" dirty="0"/>
+              <a:t>Replace using option</a:t>
+            </a:r>
+            <a:endParaRPr xmlns:a="http://schemas.openxmlformats.org/drawingml/2006/main" lang="fr-FR" sz="2000" b="1" dirty="0" smtClean="0"/>
+          </a:p>
+          <a:p>
+            <a:r xmlns:a="http://schemas.openxmlformats.org/drawingml/2006/main">
+              <a:rPr lang="en" sz="2000" b="1" dirty="0" smtClean="0"/>
+              <a:t>a </a:t>
+            </a:r>
+            <a:r xmlns:a="http://schemas.openxmlformats.org/drawingml/2006/main">
+              <a:rPr lang="en" sz="2000" b="1" dirty="0"/>
+              <a:t>special character</a:t>
+            </a:r>
+            <a:endParaRPr xmlns:a="http://schemas.openxmlformats.org/drawingml/2006/main" lang="en-US" sz="2000" dirty="0"/>
           </a:p>
         </p:txBody>
       </p:sp>
@@ -5415,6 +5349,335 @@
 </file>
 
 <file path=ppt/slides/slide14.xml><?xml version="1.0" encoding="utf-8"?>
+<p:sld xmlns:a="http://schemas.openxmlformats.org/drawingml/2006/main" xmlns:r="http://schemas.openxmlformats.org/officeDocument/2006/relationships" xmlns:p="http://schemas.openxmlformats.org/presentationml/2006/main">
+  <p:cSld>
+    <p:spTree>
+      <p:nvGrpSpPr>
+        <p:cNvPr id="1" name=""/>
+        <p:cNvGrpSpPr/>
+        <p:nvPr/>
+      </p:nvGrpSpPr>
+      <p:grpSpPr>
+        <a:xfrm>
+          <a:off x="0" y="0"/>
+          <a:ext cx="0" cy="0"/>
+          <a:chOff x="0" y="0"/>
+          <a:chExt cx="0" cy="0"/>
+        </a:xfrm>
+      </p:grpSpPr>
+      <p:sp>
+        <p:nvSpPr>
+          <p:cNvPr id="3" name="Rectangle 2"/>
+          <p:cNvSpPr/>
+          <p:nvPr/>
+        </p:nvSpPr>
+        <p:spPr>
+          <a:xfrm>
+            <a:off x="288081" y="322379"/>
+            <a:ext cx="2579552" cy="369332"/>
+          </a:xfrm>
+          <a:prstGeom prst="rect">
+            <a:avLst/>
+          </a:prstGeom>
+        </p:spPr>
+        <p:txBody>
+          <a:bodyPr wrap="none">
+            <a:spAutoFit/>
+          </a:bodyPr>
+          <a:lstStyle/>
+          <a:p>
+            <a:r xmlns:a="http://schemas.openxmlformats.org/drawingml/2006/main">
+              <a:rPr lang="en" b="1" kern="0" dirty="0" smtClean="0">
+                <a:latin typeface="Segoe UI" panose="020B0502040204020203" pitchFamily="34" charset="0"/>
+                <a:ea typeface="Times New Roman" panose="02020603050405020304" pitchFamily="18" charset="0"/>
+                <a:cs typeface="Times New Roman" panose="02020603050405020304" pitchFamily="18" charset="0"/>
+              </a:rPr>
+              <a:t>Basic Transformations</a:t>
+            </a:r>
+            <a:endParaRPr xmlns:a="http://schemas.openxmlformats.org/drawingml/2006/main" lang="en-US" b="1" dirty="0"/>
+          </a:p>
+        </p:txBody>
+      </p:sp>
+      <p:sp>
+        <p:nvSpPr>
+          <p:cNvPr id="6" name="Rectangle 5"/>
+          <p:cNvSpPr/>
+          <p:nvPr/>
+        </p:nvSpPr>
+        <p:spPr>
+          <a:xfrm>
+            <a:off x="288081" y="896759"/>
+            <a:ext cx="11156139" cy="1065676"/>
+          </a:xfrm>
+          <a:prstGeom prst="rect">
+            <a:avLst/>
+          </a:prstGeom>
+        </p:spPr>
+        <p:txBody>
+          <a:bodyPr wrap="square">
+            <a:spAutoFit/>
+          </a:bodyPr>
+          <a:lstStyle/>
+          <a:p>
+            <a:pPr xmlns:a="http://schemas.openxmlformats.org/drawingml/2006/main" lvl="0">
+              <a:lnSpc>
+                <a:spcPct val="107000"/>
+              </a:lnSpc>
+              <a:spcAft>
+                <a:spcPts val="800"/>
+              </a:spcAft>
+            </a:pPr>
+            <a:r xmlns:a="http://schemas.openxmlformats.org/drawingml/2006/main">
+              <a:rPr lang="en" sz="2000" dirty="0"/>
+              <a:t>Notice that the first line shows a so-called non-printing character </a:t>
+            </a:r>
+            <a:r xmlns:a="http://schemas.openxmlformats.org/drawingml/2006/main">
+              <a:rPr lang="en" sz="2000" b="1" dirty="0"/>
+              <a:t>§ </a:t>
+            </a:r>
+            <a:r xmlns:a="http://schemas.openxmlformats.org/drawingml/2006/main">
+              <a:rPr lang="en" sz="2000" dirty="0"/>
+              <a:t>, and on the third line there is also an incorrect space in the name. </a:t>
+            </a:r>
+            <a:br xmlns:a="http://schemas.openxmlformats.org/drawingml/2006/main">
+              <a:rPr lang="fr-FR" sz="2000" dirty="0"/>
+            </a:br>
+            <a:r xmlns:a="http://schemas.openxmlformats.org/drawingml/2006/main">
+              <a:rPr lang="en" sz="2000" dirty="0"/>
+              <a:t>Try removing the unwanted character.</a:t>
+            </a:r>
+            <a:endParaRPr xmlns:a="http://schemas.openxmlformats.org/drawingml/2006/main" lang="en-US" sz="2400" dirty="0">
+              <a:effectLst/>
+              <a:latin typeface="Calibri" panose="020F0502020204030204" pitchFamily="34" charset="0"/>
+              <a:ea typeface="Calibri" panose="020F0502020204030204" pitchFamily="34" charset="0"/>
+              <a:cs typeface="Times New Roman" panose="02020603050405020304" pitchFamily="18" charset="0"/>
+            </a:endParaRPr>
+          </a:p>
+        </p:txBody>
+      </p:sp>
+      <p:pic>
+        <p:nvPicPr>
+          <p:cNvPr id="2" name="Picture 1"/>
+          <p:cNvPicPr>
+            <a:picLocks noChangeAspect="1"/>
+          </p:cNvPicPr>
+          <p:nvPr/>
+        </p:nvPicPr>
+        <p:blipFill>
+          <a:blip r:embed="rId3"/>
+          <a:stretch>
+            <a:fillRect/>
+          </a:stretch>
+        </p:blipFill>
+        <p:spPr>
+          <a:xfrm>
+            <a:off x="356951" y="2167566"/>
+            <a:ext cx="4925112" cy="1752845"/>
+          </a:xfrm>
+          <a:prstGeom prst="rect">
+            <a:avLst/>
+          </a:prstGeom>
+        </p:spPr>
+      </p:pic>
+      <p:sp>
+        <p:nvSpPr>
+          <p:cNvPr id="12" name="Rectangle 11"/>
+          <p:cNvSpPr/>
+          <p:nvPr/>
+        </p:nvSpPr>
+        <p:spPr>
+          <a:xfrm>
+            <a:off x="2481944" y="3086960"/>
+            <a:ext cx="1698170" cy="226882"/>
+          </a:xfrm>
+          <a:prstGeom prst="rect">
+            <a:avLst/>
+          </a:prstGeom>
+          <a:solidFill>
+            <a:srgbClr val="FF0000">
+              <a:alpha val="26000"/>
+            </a:srgbClr>
+          </a:solidFill>
+          <a:ln>
+            <a:noFill/>
+          </a:ln>
+        </p:spPr>
+        <p:style>
+          <a:lnRef idx="2">
+            <a:schemeClr val="accent1">
+              <a:shade val="50000"/>
+            </a:schemeClr>
+          </a:lnRef>
+          <a:fillRef idx="1">
+            <a:schemeClr val="accent1"/>
+          </a:fillRef>
+          <a:effectRef idx="0">
+            <a:schemeClr val="accent1"/>
+          </a:effectRef>
+          <a:fontRef idx="minor">
+            <a:schemeClr val="lt1"/>
+          </a:fontRef>
+        </p:style>
+        <p:txBody>
+          <a:bodyPr rtlCol="0" anchor="ctr"/>
+          <a:lstStyle/>
+          <a:p>
+            <a:pPr algn="ctr"/>
+            <a:endParaRPr lang="en-US"/>
+          </a:p>
+        </p:txBody>
+      </p:sp>
+      <p:pic>
+        <p:nvPicPr>
+          <p:cNvPr id="8" name="Picture 7"/>
+          <p:cNvPicPr>
+            <a:picLocks noChangeAspect="1"/>
+          </p:cNvPicPr>
+          <p:nvPr/>
+        </p:nvPicPr>
+        <p:blipFill>
+          <a:blip r:embed="rId4"/>
+          <a:stretch>
+            <a:fillRect/>
+          </a:stretch>
+        </p:blipFill>
+        <p:spPr>
+          <a:xfrm>
+            <a:off x="5675521" y="2167566"/>
+            <a:ext cx="5768699" cy="3338067"/>
+          </a:xfrm>
+          <a:prstGeom prst="rect">
+            <a:avLst/>
+          </a:prstGeom>
+        </p:spPr>
+      </p:pic>
+      <p:cxnSp>
+        <p:nvCxnSpPr>
+          <p:cNvPr id="15" name="Straight Arrow Connector 14"/>
+          <p:cNvCxnSpPr/>
+          <p:nvPr/>
+        </p:nvCxnSpPr>
+        <p:spPr>
+          <a:xfrm flipV="1">
+            <a:off x="4613251" y="3920411"/>
+            <a:ext cx="1252899" cy="416114"/>
+          </a:xfrm>
+          <a:prstGeom prst="straightConnector1">
+            <a:avLst/>
+          </a:prstGeom>
+          <a:ln>
+            <a:solidFill>
+              <a:srgbClr val="FF0000"/>
+            </a:solidFill>
+            <a:tailEnd type="triangle"/>
+          </a:ln>
+        </p:spPr>
+        <p:style>
+          <a:lnRef idx="3">
+            <a:schemeClr val="accent2"/>
+          </a:lnRef>
+          <a:fillRef idx="0">
+            <a:schemeClr val="accent2"/>
+          </a:fillRef>
+          <a:effectRef idx="2">
+            <a:schemeClr val="accent2"/>
+          </a:effectRef>
+          <a:fontRef idx="minor">
+            <a:schemeClr val="tx1"/>
+          </a:fontRef>
+        </p:style>
+      </p:cxnSp>
+      <p:sp>
+        <p:nvSpPr>
+          <p:cNvPr id="4" name="Rectangle 3"/>
+          <p:cNvSpPr/>
+          <p:nvPr/>
+        </p:nvSpPr>
+        <p:spPr>
+          <a:xfrm>
+            <a:off x="288081" y="4151859"/>
+            <a:ext cx="3961662" cy="400110"/>
+          </a:xfrm>
+          <a:prstGeom prst="rect">
+            <a:avLst/>
+          </a:prstGeom>
+        </p:spPr>
+        <p:txBody>
+          <a:bodyPr wrap="none">
+            <a:spAutoFit/>
+          </a:bodyPr>
+          <a:lstStyle/>
+          <a:p>
+            <a:r xmlns:a="http://schemas.openxmlformats.org/drawingml/2006/main">
+              <a:rPr lang="en" sz="2000" dirty="0"/>
+              <a:t>Look in </a:t>
+            </a:r>
+            <a:r xmlns:a="http://schemas.openxmlformats.org/drawingml/2006/main">
+              <a:rPr lang="en" sz="2000" b="1" dirty="0"/>
+              <a:t>Advanced Options</a:t>
+            </a:r>
+            <a:endParaRPr xmlns:a="http://schemas.openxmlformats.org/drawingml/2006/main" lang="en-US" sz="2000" dirty="0"/>
+          </a:p>
+        </p:txBody>
+      </p:sp>
+      <p:sp>
+        <p:nvSpPr>
+          <p:cNvPr id="5" name="Rectangle 4"/>
+          <p:cNvSpPr/>
+          <p:nvPr/>
+        </p:nvSpPr>
+        <p:spPr>
+          <a:xfrm>
+            <a:off x="213059" y="4760711"/>
+            <a:ext cx="4314643" cy="707886"/>
+          </a:xfrm>
+          <a:prstGeom prst="rect">
+            <a:avLst/>
+          </a:prstGeom>
+        </p:spPr>
+        <p:txBody>
+          <a:bodyPr wrap="none">
+            <a:spAutoFit/>
+          </a:bodyPr>
+          <a:lstStyle/>
+          <a:p>
+            <a:r xmlns:a="http://schemas.openxmlformats.org/drawingml/2006/main">
+              <a:rPr lang="en" sz="2000" dirty="0"/>
+              <a:t>Try the </a:t>
+            </a:r>
+            <a:r xmlns:a="http://schemas.openxmlformats.org/drawingml/2006/main">
+              <a:rPr lang="en" sz="2000" b="1" dirty="0"/>
+              <a:t>Replace using option</a:t>
+            </a:r>
+            <a:endParaRPr xmlns:a="http://schemas.openxmlformats.org/drawingml/2006/main" lang="fr-FR" sz="2000" b="1" dirty="0" smtClean="0"/>
+          </a:p>
+          <a:p>
+            <a:r xmlns:a="http://schemas.openxmlformats.org/drawingml/2006/main">
+              <a:rPr lang="en" sz="2000" b="1" dirty="0" smtClean="0"/>
+              <a:t>a </a:t>
+            </a:r>
+            <a:r xmlns:a="http://schemas.openxmlformats.org/drawingml/2006/main">
+              <a:rPr lang="en" sz="2000" b="1" dirty="0"/>
+              <a:t>special character</a:t>
+            </a:r>
+            <a:endParaRPr xmlns:a="http://schemas.openxmlformats.org/drawingml/2006/main" lang="en-US" sz="2000" dirty="0"/>
+          </a:p>
+        </p:txBody>
+      </p:sp>
+    </p:spTree>
+    <p:extLst>
+      <p:ext uri="{BB962C8B-B14F-4D97-AF65-F5344CB8AC3E}">
+        <p14:creationId xmlns:p14="http://schemas.microsoft.com/office/powerpoint/2010/main" val="2132278899"/>
+      </p:ext>
+    </p:extLst>
+  </p:cSld>
+  <p:clrMapOvr>
+    <a:masterClrMapping/>
+  </p:clrMapOvr>
+</p:sld>
+</file>
+
+<file path=ppt/slides/slide15.xml><?xml version="1.0" encoding="utf-8"?>
 <p:sld xmlns:a="http://schemas.openxmlformats.org/drawingml/2006/main" xmlns:r="http://schemas.openxmlformats.org/officeDocument/2006/relationships" xmlns:p="http://schemas.openxmlformats.org/presentationml/2006/main">
   <p:cSld>
     <p:bg>
@@ -5486,8 +5749,8 @@
         </p:nvSpPr>
         <p:spPr>
           <a:xfrm>
-            <a:off x="2916199" y="2162433"/>
-            <a:ext cx="6230360" cy="1569660"/>
+            <a:off x="4084981" y="2485566"/>
+            <a:ext cx="3456395" cy="1569660"/>
           </a:xfrm>
           <a:prstGeom prst="rect">
             <a:avLst/>
@@ -5500,8 +5763,8 @@
           </a:bodyPr>
           <a:lstStyle/>
           <a:p>
-            <a:r>
-              <a:rPr lang="en-US" sz="9600" b="1" dirty="0" smtClean="0">
+            <a:r xmlns:a="http://schemas.openxmlformats.org/drawingml/2006/main">
+              <a:rPr lang="en" sz="9600" b="1" dirty="0" smtClean="0">
                 <a:solidFill>
                   <a:srgbClr val="7030A0"/>
                 </a:solidFill>
@@ -5509,9 +5772,9 @@
                 <a:ea typeface="Verdana" panose="020B0604030504040204" pitchFamily="34" charset="0"/>
                 <a:cs typeface="Segoe UI" panose="020B0502040204020203" pitchFamily="34" charset="0"/>
               </a:rPr>
-              <a:t>Thank you</a:t>
-            </a:r>
-            <a:endParaRPr lang="en-US" sz="9600" b="1" dirty="0">
+              <a:t>THANKS</a:t>
+            </a:r>
+            <a:endParaRPr xmlns:a="http://schemas.openxmlformats.org/drawingml/2006/main" lang="en-US" sz="9600" b="1" dirty="0">
               <a:solidFill>
                 <a:srgbClr val="7030A0"/>
               </a:solidFill>
@@ -5530,8 +5793,8 @@
         </p:nvSpPr>
         <p:spPr>
           <a:xfrm>
-            <a:off x="2990336" y="2217861"/>
-            <a:ext cx="6230360" cy="1569660"/>
+            <a:off x="4014739" y="2410365"/>
+            <a:ext cx="3456395" cy="1569660"/>
           </a:xfrm>
           <a:prstGeom prst="rect">
             <a:avLst/>
@@ -5544,8 +5807,8 @@
           </a:bodyPr>
           <a:lstStyle/>
           <a:p>
-            <a:r>
-              <a:rPr lang="en-US" sz="9600" b="1" dirty="0" smtClean="0">
+            <a:r xmlns:a="http://schemas.openxmlformats.org/drawingml/2006/main">
+              <a:rPr lang="en" sz="9600" b="1" dirty="0" smtClean="0">
                 <a:solidFill>
                   <a:schemeClr val="bg1"/>
                 </a:solidFill>
@@ -5553,9 +5816,9 @@
                 <a:ea typeface="Verdana" panose="020B0604030504040204" pitchFamily="34" charset="0"/>
                 <a:cs typeface="Segoe UI" panose="020B0502040204020203" pitchFamily="34" charset="0"/>
               </a:rPr>
-              <a:t>Thank you</a:t>
-            </a:r>
-            <a:endParaRPr lang="en-US" sz="9600" b="1" dirty="0">
+              <a:t>THANKS</a:t>
+            </a:r>
+            <a:endParaRPr xmlns:a="http://schemas.openxmlformats.org/drawingml/2006/main" lang="en-US" sz="9600" b="1" dirty="0">
               <a:solidFill>
                 <a:schemeClr val="bg1"/>
               </a:solidFill>
@@ -5598,103 +5861,6 @@
       </p:grpSpPr>
       <p:sp>
         <p:nvSpPr>
-          <p:cNvPr id="2" name="Rectangle 1"/>
-          <p:cNvSpPr/>
-          <p:nvPr/>
-        </p:nvSpPr>
-        <p:spPr>
-          <a:xfrm>
-            <a:off x="288081" y="852035"/>
-            <a:ext cx="8261685" cy="685059"/>
-          </a:xfrm>
-          <a:prstGeom prst="rect">
-            <a:avLst/>
-          </a:prstGeom>
-        </p:spPr>
-        <p:txBody>
-          <a:bodyPr wrap="square">
-            <a:spAutoFit/>
-          </a:bodyPr>
-          <a:lstStyle/>
-          <a:p>
-            <a:pPr>
-              <a:lnSpc>
-                <a:spcPct val="107000"/>
-              </a:lnSpc>
-              <a:spcBef>
-                <a:spcPts val="1200"/>
-              </a:spcBef>
-              <a:spcAft>
-                <a:spcPts val="0"/>
-              </a:spcAft>
-            </a:pPr>
-            <a:r>
-              <a:rPr lang="en-US" b="1" kern="0" dirty="0" smtClean="0">
-                <a:latin typeface="Segoe UI" panose="020B0502040204020203" pitchFamily="34" charset="0"/>
-                <a:ea typeface="Times New Roman" panose="02020603050405020304" pitchFamily="18" charset="0"/>
-                <a:cs typeface="Times New Roman" panose="02020603050405020304" pitchFamily="18" charset="0"/>
-              </a:rPr>
-              <a:t>Note: </a:t>
-            </a:r>
-            <a:r>
-              <a:rPr lang="en-US" kern="0" dirty="0" smtClean="0">
-                <a:latin typeface="Segoe UI" panose="020B0502040204020203" pitchFamily="34" charset="0"/>
-                <a:ea typeface="Times New Roman" panose="02020603050405020304" pitchFamily="18" charset="0"/>
-                <a:cs typeface="Times New Roman" panose="02020603050405020304" pitchFamily="18" charset="0"/>
-              </a:rPr>
-              <a:t>This Lab uses</a:t>
-            </a:r>
-            <a:r>
-              <a:rPr lang="en-US" b="1" kern="0" dirty="0" smtClean="0">
-                <a:latin typeface="Segoe UI" panose="020B0502040204020203" pitchFamily="34" charset="0"/>
-                <a:ea typeface="Times New Roman" panose="02020603050405020304" pitchFamily="18" charset="0"/>
-                <a:cs typeface="Times New Roman" panose="02020603050405020304" pitchFamily="18" charset="0"/>
-              </a:rPr>
-              <a:t> </a:t>
-            </a:r>
-            <a:r>
-              <a:rPr lang="en-US" kern="0" dirty="0" smtClean="0">
-                <a:latin typeface="Segoe UI" panose="020B0502040204020203" pitchFamily="34" charset="0"/>
-                <a:ea typeface="Times New Roman" panose="02020603050405020304" pitchFamily="18" charset="0"/>
-                <a:cs typeface="Times New Roman" panose="02020603050405020304" pitchFamily="18" charset="0"/>
-              </a:rPr>
-              <a:t>the </a:t>
-            </a:r>
-            <a:r>
-              <a:rPr lang="en-US" b="1" kern="0" dirty="0" err="1" smtClean="0">
-                <a:latin typeface="Segoe UI" panose="020B0502040204020203" pitchFamily="34" charset="0"/>
-                <a:ea typeface="Times New Roman" panose="02020603050405020304" pitchFamily="18" charset="0"/>
-                <a:cs typeface="Times New Roman" panose="02020603050405020304" pitchFamily="18" charset="0"/>
-              </a:rPr>
-              <a:t>TextSources</a:t>
-            </a:r>
-            <a:r>
-              <a:rPr lang="en-US" b="1" kern="0" dirty="0" smtClean="0">
-                <a:latin typeface="Segoe UI" panose="020B0502040204020203" pitchFamily="34" charset="0"/>
-                <a:ea typeface="Times New Roman" panose="02020603050405020304" pitchFamily="18" charset="0"/>
-                <a:cs typeface="Times New Roman" panose="02020603050405020304" pitchFamily="18" charset="0"/>
-              </a:rPr>
-              <a:t>\FactSales.txt file </a:t>
-            </a:r>
-            <a:r>
-              <a:rPr lang="en-US" kern="0" dirty="0" smtClean="0">
-                <a:latin typeface="Segoe UI" panose="020B0502040204020203" pitchFamily="34" charset="0"/>
-                <a:ea typeface="Times New Roman" panose="02020603050405020304" pitchFamily="18" charset="0"/>
-                <a:cs typeface="Times New Roman" panose="02020603050405020304" pitchFamily="18" charset="0"/>
-              </a:rPr>
-              <a:t>located in the resources folder</a:t>
-            </a:r>
-            <a:endParaRPr lang="en-US" sz="2800" b="1" kern="0" dirty="0">
-              <a:effectLst/>
-              <a:latin typeface="Segoe UI" panose="020B0502040204020203" pitchFamily="34" charset="0"/>
-              <a:ea typeface="Times New Roman" panose="02020603050405020304" pitchFamily="18" charset="0"/>
-              <a:cs typeface="Times New Roman" panose="02020603050405020304" pitchFamily="18" charset="0"/>
-            </a:endParaRPr>
-          </a:p>
-        </p:txBody>
-      </p:sp>
-      <p:sp>
-        <p:nvSpPr>
           <p:cNvPr id="3" name="Rectangle 2"/>
           <p:cNvSpPr/>
           <p:nvPr/>
@@ -5714,69 +5880,15 @@
           </a:bodyPr>
           <a:lstStyle/>
           <a:p>
-            <a:r>
-              <a:rPr lang="en-US" b="1" kern="0" dirty="0" smtClean="0">
+            <a:r xmlns:a="http://schemas.openxmlformats.org/drawingml/2006/main">
+              <a:rPr lang="en" b="1" kern="0" dirty="0" smtClean="0">
                 <a:latin typeface="Segoe UI" panose="020B0502040204020203" pitchFamily="34" charset="0"/>
                 <a:ea typeface="Times New Roman" panose="02020603050405020304" pitchFamily="18" charset="0"/>
                 <a:cs typeface="Times New Roman" panose="02020603050405020304" pitchFamily="18" charset="0"/>
               </a:rPr>
               <a:t>Basic Transformations</a:t>
             </a:r>
-            <a:endParaRPr lang="en-US" b="1" dirty="0"/>
-          </a:p>
-        </p:txBody>
-      </p:sp>
-      <p:sp>
-        <p:nvSpPr>
-          <p:cNvPr id="4" name="Rectangle 3"/>
-          <p:cNvSpPr/>
-          <p:nvPr/>
-        </p:nvSpPr>
-        <p:spPr>
-          <a:xfrm>
-            <a:off x="288081" y="1537094"/>
-            <a:ext cx="6357257" cy="388696"/>
-          </a:xfrm>
-          <a:prstGeom prst="rect">
-            <a:avLst/>
-          </a:prstGeom>
-        </p:spPr>
-        <p:txBody>
-          <a:bodyPr wrap="square">
-            <a:spAutoFit/>
-          </a:bodyPr>
-          <a:lstStyle/>
-          <a:p>
-            <a:pPr lvl="0">
-              <a:lnSpc>
-                <a:spcPct val="107000"/>
-              </a:lnSpc>
-              <a:spcAft>
-                <a:spcPts val="800"/>
-              </a:spcAft>
-            </a:pPr>
-            <a:r>
-              <a:rPr lang="en-US" dirty="0" smtClean="0">
-                <a:latin typeface="Segoe UI" panose="020B0502040204020203" pitchFamily="34" charset="0"/>
-                <a:ea typeface="Calibri" panose="020F0502020204030204" pitchFamily="34" charset="0"/>
-                <a:cs typeface="Times New Roman" panose="02020603050405020304" pitchFamily="18" charset="0"/>
-              </a:rPr>
-              <a:t>Navigate to the page where the </a:t>
-            </a:r>
-            <a:r>
-              <a:rPr lang="en-US" b="1" dirty="0" smtClean="0">
-                <a:latin typeface="Segoe UI" panose="020B0502040204020203" pitchFamily="34" charset="0"/>
-                <a:ea typeface="Calibri" panose="020F0502020204030204" pitchFamily="34" charset="0"/>
-                <a:cs typeface="Times New Roman" panose="02020603050405020304" pitchFamily="18" charset="0"/>
-              </a:rPr>
-              <a:t>FactSales.txt file is located</a:t>
-            </a:r>
-            <a:endParaRPr lang="en-US" sz="1400" dirty="0">
-              <a:effectLst/>
-              <a:latin typeface="Calibri" panose="020F0502020204030204" pitchFamily="34" charset="0"/>
-              <a:ea typeface="Calibri" panose="020F0502020204030204" pitchFamily="34" charset="0"/>
-              <a:cs typeface="Times New Roman" panose="02020603050405020304" pitchFamily="18" charset="0"/>
-            </a:endParaRPr>
+            <a:endParaRPr xmlns:a="http://schemas.openxmlformats.org/drawingml/2006/main" lang="en-US" b="1" dirty="0"/>
           </a:p>
         </p:txBody>
       </p:sp>
@@ -5801,8 +5913,8 @@
         </p:blipFill>
         <p:spPr bwMode="auto">
           <a:xfrm>
-            <a:off x="2073498" y="2471126"/>
-            <a:ext cx="6300481" cy="3269656"/>
+            <a:off x="1471291" y="1959427"/>
+            <a:ext cx="8133348" cy="4135427"/>
           </a:xfrm>
           <a:prstGeom prst="rect">
             <a:avLst/>
@@ -5819,6 +5931,84 @@
           </a:effectLst>
         </p:spPr>
       </p:pic>
+      <p:sp>
+        <p:nvSpPr>
+          <p:cNvPr id="6" name="Rectangle 5"/>
+          <p:cNvSpPr/>
+          <p:nvPr/>
+        </p:nvSpPr>
+        <p:spPr>
+          <a:xfrm>
+            <a:off x="352927" y="739350"/>
+            <a:ext cx="9966730" cy="400110"/>
+          </a:xfrm>
+          <a:prstGeom prst="rect">
+            <a:avLst/>
+          </a:prstGeom>
+        </p:spPr>
+        <p:txBody>
+          <a:bodyPr wrap="square">
+            <a:spAutoFit/>
+          </a:bodyPr>
+          <a:lstStyle/>
+          <a:p>
+            <a:r xmlns:a="http://schemas.openxmlformats.org/drawingml/2006/main">
+              <a:rPr lang="en" sz="2000" dirty="0"/>
+              <a:t>Note: This lab uses the file </a:t>
+            </a:r>
+            <a:r xmlns:a="http://schemas.openxmlformats.org/drawingml/2006/main">
+              <a:rPr lang="en" sz="2000" b="1" dirty="0" err="1"/>
+              <a:t>TextSources </a:t>
+            </a:r>
+            <a:r xmlns:a="http://schemas.openxmlformats.org/drawingml/2006/main">
+              <a:rPr lang="en" sz="2000" b="1" dirty="0"/>
+              <a:t>\FactSales.txt </a:t>
+            </a:r>
+            <a:r xmlns:a="http://schemas.openxmlformats.org/drawingml/2006/main">
+              <a:rPr lang="en" sz="2000" dirty="0"/>
+              <a:t>located in the </a:t>
+            </a:r>
+            <a:r xmlns:a="http://schemas.openxmlformats.org/drawingml/2006/main">
+              <a:rPr lang="en" sz="2000" b="1" dirty="0" err="1"/>
+              <a:t>resources folder</a:t>
+            </a:r>
+            <a:endParaRPr xmlns:a="http://schemas.openxmlformats.org/drawingml/2006/main" lang="en-US" sz="2000" b="1" dirty="0"/>
+          </a:p>
+        </p:txBody>
+      </p:sp>
+      <p:sp>
+        <p:nvSpPr>
+          <p:cNvPr id="7" name="Rectangle 6"/>
+          <p:cNvSpPr/>
+          <p:nvPr/>
+        </p:nvSpPr>
+        <p:spPr>
+          <a:xfrm>
+            <a:off x="408736" y="1251295"/>
+            <a:ext cx="6120265" cy="400110"/>
+          </a:xfrm>
+          <a:prstGeom prst="rect">
+            <a:avLst/>
+          </a:prstGeom>
+        </p:spPr>
+        <p:txBody>
+          <a:bodyPr wrap="none">
+            <a:spAutoFit/>
+          </a:bodyPr>
+          <a:lstStyle/>
+          <a:p>
+            <a:r xmlns:a="http://schemas.openxmlformats.org/drawingml/2006/main">
+              <a:rPr lang="en" sz="2000" b="1" dirty="0"/>
+              <a:t>FactSales.txt </a:t>
+            </a:r>
+            <a:endParaRPr xmlns:a="http://schemas.openxmlformats.org/drawingml/2006/main" lang="en-US" sz="2000" dirty="0"/>
+            <a:r xmlns:a="http://schemas.openxmlformats.org/drawingml/2006/main">
+              <a:rPr lang="en" sz="2000" dirty="0"/>
+              <a:t>file is located</a:t>
+            </a:r>
+          </a:p>
+        </p:txBody>
+      </p:sp>
     </p:spTree>
     <p:extLst>
       <p:ext uri="{BB962C8B-B14F-4D97-AF65-F5344CB8AC3E}">
@@ -5870,61 +6060,15 @@
           </a:bodyPr>
           <a:lstStyle/>
           <a:p>
-            <a:r>
-              <a:rPr lang="en-US" b="1" kern="0" dirty="0" smtClean="0">
+            <a:r xmlns:a="http://schemas.openxmlformats.org/drawingml/2006/main">
+              <a:rPr lang="en" b="1" kern="0" dirty="0" smtClean="0">
                 <a:latin typeface="Segoe UI" panose="020B0502040204020203" pitchFamily="34" charset="0"/>
                 <a:ea typeface="Times New Roman" panose="02020603050405020304" pitchFamily="18" charset="0"/>
                 <a:cs typeface="Times New Roman" panose="02020603050405020304" pitchFamily="18" charset="0"/>
               </a:rPr>
               <a:t>Basic Transformations</a:t>
             </a:r>
-            <a:endParaRPr lang="en-US" b="1" dirty="0"/>
-          </a:p>
-        </p:txBody>
-      </p:sp>
-      <p:sp>
-        <p:nvSpPr>
-          <p:cNvPr id="6" name="Rectangle 5"/>
-          <p:cNvSpPr/>
-          <p:nvPr/>
-        </p:nvSpPr>
-        <p:spPr>
-          <a:xfrm>
-            <a:off x="288081" y="893286"/>
-            <a:ext cx="9512969" cy="388696"/>
-          </a:xfrm>
-          <a:prstGeom prst="rect">
-            <a:avLst/>
-          </a:prstGeom>
-        </p:spPr>
-        <p:txBody>
-          <a:bodyPr wrap="square">
-            <a:spAutoFit/>
-          </a:bodyPr>
-          <a:lstStyle/>
-          <a:p>
-            <a:pPr lvl="0">
-              <a:lnSpc>
-                <a:spcPct val="107000"/>
-              </a:lnSpc>
-              <a:spcAft>
-                <a:spcPts val="800"/>
-              </a:spcAft>
-            </a:pPr>
-            <a:r>
-              <a:rPr lang="en-US" dirty="0">
-                <a:latin typeface="Segoe UI" panose="020B0502040204020203" pitchFamily="34" charset="0"/>
-                <a:ea typeface="Calibri" panose="020F0502020204030204" pitchFamily="34" charset="0"/>
-                <a:cs typeface="Times New Roman" panose="02020603050405020304" pitchFamily="18" charset="0"/>
-              </a:rPr>
-              <a:t>Load the file into the editor and notice that the table structure is inconsistent</a:t>
-            </a:r>
-            <a:endParaRPr lang="en-US" sz="1400" dirty="0">
-              <a:effectLst/>
-              <a:latin typeface="Calibri" panose="020F0502020204030204" pitchFamily="34" charset="0"/>
-              <a:ea typeface="Calibri" panose="020F0502020204030204" pitchFamily="34" charset="0"/>
-              <a:cs typeface="Times New Roman" panose="02020603050405020304" pitchFamily="18" charset="0"/>
-            </a:endParaRPr>
+            <a:endParaRPr xmlns:a="http://schemas.openxmlformats.org/drawingml/2006/main" lang="en-US" b="1" dirty="0"/>
           </a:p>
         </p:txBody>
       </p:sp>
@@ -5949,8 +6093,8 @@
         </p:blipFill>
         <p:spPr bwMode="auto">
           <a:xfrm>
-            <a:off x="443970" y="1541002"/>
-            <a:ext cx="5654322" cy="3924772"/>
+            <a:off x="963046" y="1465375"/>
+            <a:ext cx="8818627" cy="4839172"/>
           </a:xfrm>
           <a:prstGeom prst="rect">
             <a:avLst/>
@@ -5967,6 +6111,35 @@
           </a:effectLst>
         </p:spPr>
       </p:pic>
+      <p:sp>
+        <p:nvSpPr>
+          <p:cNvPr id="2" name="Rectangle 1"/>
+          <p:cNvSpPr/>
+          <p:nvPr/>
+        </p:nvSpPr>
+        <p:spPr>
+          <a:xfrm>
+            <a:off x="288081" y="793191"/>
+            <a:ext cx="10595342" cy="400110"/>
+          </a:xfrm>
+          <a:prstGeom prst="rect">
+            <a:avLst/>
+          </a:prstGeom>
+        </p:spPr>
+        <p:txBody>
+          <a:bodyPr wrap="square">
+            <a:spAutoFit/>
+          </a:bodyPr>
+          <a:lstStyle/>
+          <a:p>
+            <a:r xmlns:a="http://schemas.openxmlformats.org/drawingml/2006/main">
+              <a:rPr lang="en" sz="2000" dirty="0"/>
+              <a:t>Load the file into the editor and notice that the table structure is inconsistent</a:t>
+            </a:r>
+            <a:endParaRPr xmlns:a="http://schemas.openxmlformats.org/drawingml/2006/main" lang="en-US" sz="2000" dirty="0"/>
+          </a:p>
+        </p:txBody>
+      </p:sp>
     </p:spTree>
     <p:extLst>
       <p:ext uri="{BB962C8B-B14F-4D97-AF65-F5344CB8AC3E}">
@@ -6018,63 +6191,15 @@
           </a:bodyPr>
           <a:lstStyle/>
           <a:p>
-            <a:r>
-              <a:rPr lang="en-US" b="1" kern="0" dirty="0" smtClean="0">
+            <a:r xmlns:a="http://schemas.openxmlformats.org/drawingml/2006/main">
+              <a:rPr lang="en" b="1" kern="0" dirty="0" smtClean="0">
                 <a:latin typeface="Segoe UI" panose="020B0502040204020203" pitchFamily="34" charset="0"/>
                 <a:ea typeface="Times New Roman" panose="02020603050405020304" pitchFamily="18" charset="0"/>
                 <a:cs typeface="Times New Roman" panose="02020603050405020304" pitchFamily="18" charset="0"/>
               </a:rPr>
               <a:t>Basic Transformations</a:t>
             </a:r>
-            <a:endParaRPr lang="en-US" b="1" dirty="0"/>
-          </a:p>
-        </p:txBody>
-      </p:sp>
-      <p:sp>
-        <p:nvSpPr>
-          <p:cNvPr id="2" name="Rectangle 1"/>
-          <p:cNvSpPr/>
-          <p:nvPr/>
-        </p:nvSpPr>
-        <p:spPr>
-          <a:xfrm>
-            <a:off x="288081" y="848962"/>
-            <a:ext cx="4287392" cy="366895"/>
-          </a:xfrm>
-          <a:prstGeom prst="rect">
-            <a:avLst/>
-          </a:prstGeom>
-        </p:spPr>
-        <p:txBody>
-          <a:bodyPr wrap="none">
-            <a:spAutoFit/>
-          </a:bodyPr>
-          <a:lstStyle/>
-          <a:p>
-            <a:pPr>
-              <a:lnSpc>
-                <a:spcPct val="107000"/>
-              </a:lnSpc>
-              <a:spcAft>
-                <a:spcPts val="800"/>
-              </a:spcAft>
-            </a:pPr>
-            <a:r>
-              <a:rPr lang="en-US" dirty="0">
-                <a:latin typeface="Segoe UI" panose="020B0502040204020203" pitchFamily="34" charset="0"/>
-                <a:ea typeface="Calibri" panose="020F0502020204030204" pitchFamily="34" charset="0"/>
-                <a:cs typeface="Times New Roman" panose="02020603050405020304" pitchFamily="18" charset="0"/>
-              </a:rPr>
-              <a:t>Open the query in the Query Editor </a:t>
-            </a:r>
-            <a:r>
-              <a:rPr lang="en-US" dirty="0" smtClean="0">
-                <a:latin typeface="Segoe UI" panose="020B0502040204020203" pitchFamily="34" charset="0"/>
-                <a:ea typeface="Calibri" panose="020F0502020204030204" pitchFamily="34" charset="0"/>
-                <a:cs typeface="Times New Roman" panose="02020603050405020304" pitchFamily="18" charset="0"/>
-              </a:rPr>
-              <a:t>and </a:t>
-            </a:r>
+            <a:endParaRPr xmlns:a="http://schemas.openxmlformats.org/drawingml/2006/main" lang="en-US" b="1" dirty="0"/>
           </a:p>
         </p:txBody>
       </p:sp>
@@ -6094,7 +6219,7 @@
         </p:blipFill>
         <p:spPr>
           <a:xfrm>
-            <a:off x="288081" y="1480214"/>
+            <a:off x="1401861" y="1445838"/>
             <a:ext cx="8899790" cy="5053461"/>
           </a:xfrm>
           <a:prstGeom prst="rect">
@@ -6110,7 +6235,7 @@
         </p:nvSpPr>
         <p:spPr>
           <a:xfrm>
-            <a:off x="7466454" y="6112042"/>
+            <a:off x="8580234" y="6077666"/>
             <a:ext cx="969402" cy="316259"/>
           </a:xfrm>
           <a:prstGeom prst="rect">
@@ -6145,6 +6270,35 @@
           <a:p>
             <a:pPr algn="ctr"/>
             <a:endParaRPr lang="en-US"/>
+          </a:p>
+        </p:txBody>
+      </p:sp>
+      <p:sp>
+        <p:nvSpPr>
+          <p:cNvPr id="4" name="Rectangle 3"/>
+          <p:cNvSpPr/>
+          <p:nvPr/>
+        </p:nvSpPr>
+        <p:spPr>
+          <a:xfrm>
+            <a:off x="384605" y="817393"/>
+            <a:ext cx="4814010" cy="400110"/>
+          </a:xfrm>
+          <a:prstGeom prst="rect">
+            <a:avLst/>
+          </a:prstGeom>
+        </p:spPr>
+        <p:txBody>
+          <a:bodyPr wrap="none">
+            <a:spAutoFit/>
+          </a:bodyPr>
+          <a:lstStyle/>
+          <a:p>
+            <a:r xmlns:a="http://schemas.openxmlformats.org/drawingml/2006/main">
+              <a:rPr lang="en" sz="2000" dirty="0"/>
+              <a:t>Open the query in the query editor</a:t>
+            </a:r>
+            <a:endParaRPr xmlns:a="http://schemas.openxmlformats.org/drawingml/2006/main" lang="en-US" sz="2000" dirty="0"/>
           </a:p>
         </p:txBody>
       </p:sp>
@@ -6199,92 +6353,15 @@
           </a:bodyPr>
           <a:lstStyle/>
           <a:p>
-            <a:r>
-              <a:rPr lang="en-US" b="1" kern="0" dirty="0" smtClean="0">
+            <a:r xmlns:a="http://schemas.openxmlformats.org/drawingml/2006/main">
+              <a:rPr lang="en" b="1" kern="0" dirty="0" smtClean="0">
                 <a:latin typeface="Segoe UI" panose="020B0502040204020203" pitchFamily="34" charset="0"/>
                 <a:ea typeface="Times New Roman" panose="02020603050405020304" pitchFamily="18" charset="0"/>
                 <a:cs typeface="Times New Roman" panose="02020603050405020304" pitchFamily="18" charset="0"/>
               </a:rPr>
               <a:t>Basic Transformations</a:t>
             </a:r>
-            <a:endParaRPr lang="en-US" b="1" dirty="0"/>
-          </a:p>
-        </p:txBody>
-      </p:sp>
-      <p:sp>
-        <p:nvSpPr>
-          <p:cNvPr id="4" name="Rectangle 3"/>
-          <p:cNvSpPr/>
-          <p:nvPr/>
-        </p:nvSpPr>
-        <p:spPr>
-          <a:xfrm>
-            <a:off x="504180" y="989773"/>
-            <a:ext cx="10743628" cy="366895"/>
-          </a:xfrm>
-          <a:prstGeom prst="rect">
-            <a:avLst/>
-          </a:prstGeom>
-        </p:spPr>
-        <p:txBody>
-          <a:bodyPr wrap="square">
-            <a:spAutoFit/>
-          </a:bodyPr>
-          <a:lstStyle/>
-          <a:p>
-            <a:pPr lvl="0">
-              <a:lnSpc>
-                <a:spcPct val="107000"/>
-              </a:lnSpc>
-              <a:spcAft>
-                <a:spcPts val="0"/>
-              </a:spcAft>
-            </a:pPr>
-            <a:r>
-              <a:rPr lang="en-US" dirty="0">
-                <a:latin typeface="Segoe UI" panose="020B0502040204020203" pitchFamily="34" charset="0"/>
-                <a:ea typeface="Calibri" panose="020F0502020204030204" pitchFamily="34" charset="0"/>
-                <a:cs typeface="Segoe UI" panose="020B0502040204020203" pitchFamily="34" charset="0"/>
-              </a:rPr>
-              <a:t>Try deleting the first four </a:t>
-            </a:r>
-            <a:r>
-              <a:rPr lang="en-US" dirty="0" smtClean="0">
-                <a:latin typeface="Segoe UI" panose="020B0502040204020203" pitchFamily="34" charset="0"/>
-                <a:ea typeface="Calibri" panose="020F0502020204030204" pitchFamily="34" charset="0"/>
-                <a:cs typeface="Segoe UI" panose="020B0502040204020203" pitchFamily="34" charset="0"/>
-              </a:rPr>
-              <a:t>lines, by selecting </a:t>
-            </a:r>
-            <a:r>
-              <a:rPr lang="en-US" b="1" dirty="0" smtClean="0">
-                <a:latin typeface="Segoe UI" panose="020B0502040204020203" pitchFamily="34" charset="0"/>
-                <a:ea typeface="Calibri" panose="020F0502020204030204" pitchFamily="34" charset="0"/>
-                <a:cs typeface="Segoe UI" panose="020B0502040204020203" pitchFamily="34" charset="0"/>
-              </a:rPr>
-              <a:t>Home </a:t>
-            </a:r>
-            <a:r>
-              <a:rPr lang="en-US" dirty="0" smtClean="0">
-                <a:latin typeface="Segoe UI" panose="020B0502040204020203" pitchFamily="34" charset="0"/>
-                <a:ea typeface="Calibri" panose="020F0502020204030204" pitchFamily="34" charset="0"/>
-                <a:cs typeface="Segoe UI" panose="020B0502040204020203" pitchFamily="34" charset="0"/>
-              </a:rPr>
-              <a:t>then </a:t>
-            </a:r>
-            <a:r>
-              <a:rPr lang="en-US" b="1" dirty="0" smtClean="0">
-                <a:latin typeface="Segoe UI" panose="020B0502040204020203" pitchFamily="34" charset="0"/>
-                <a:ea typeface="Calibri" panose="020F0502020204030204" pitchFamily="34" charset="0"/>
-                <a:cs typeface="Segoe UI" panose="020B0502040204020203" pitchFamily="34" charset="0"/>
-              </a:rPr>
-              <a:t>Remove Rows &gt; Remove Top Rows</a:t>
-            </a:r>
-            <a:endParaRPr lang="en-US" b="1" dirty="0">
-              <a:latin typeface="Segoe UI" panose="020B0502040204020203" pitchFamily="34" charset="0"/>
-              <a:ea typeface="Calibri" panose="020F0502020204030204" pitchFamily="34" charset="0"/>
-              <a:cs typeface="Segoe UI" panose="020B0502040204020203" pitchFamily="34" charset="0"/>
-            </a:endParaRPr>
+            <a:endParaRPr xmlns:a="http://schemas.openxmlformats.org/drawingml/2006/main" lang="en-US" b="1" dirty="0"/>
           </a:p>
         </p:txBody>
       </p:sp>
@@ -6304,7 +6381,7 @@
         </p:blipFill>
         <p:spPr>
           <a:xfrm>
-            <a:off x="963775" y="1563182"/>
+            <a:off x="728299" y="1812408"/>
             <a:ext cx="8716591" cy="2410161"/>
           </a:xfrm>
           <a:prstGeom prst="rect">
@@ -6320,7 +6397,7 @@
         </p:nvSpPr>
         <p:spPr>
           <a:xfrm>
-            <a:off x="1515511" y="1625059"/>
+            <a:off x="1280035" y="1874285"/>
             <a:ext cx="556890" cy="233756"/>
           </a:xfrm>
           <a:prstGeom prst="rect">
@@ -6368,7 +6445,7 @@
         </p:nvSpPr>
         <p:spPr>
           <a:xfrm>
-            <a:off x="7775838" y="1847579"/>
+            <a:off x="7540362" y="2096805"/>
             <a:ext cx="433136" cy="682490"/>
           </a:xfrm>
           <a:prstGeom prst="rect">
@@ -6416,7 +6493,7 @@
         </p:nvSpPr>
         <p:spPr>
           <a:xfrm>
-            <a:off x="7854901" y="2530070"/>
+            <a:off x="7619425" y="2779296"/>
             <a:ext cx="1660359" cy="206513"/>
           </a:xfrm>
           <a:prstGeom prst="rect">
@@ -6456,6 +6533,81 @@
           </a:p>
         </p:txBody>
       </p:sp>
+      <p:sp>
+        <p:nvSpPr>
+          <p:cNvPr id="5" name="Rectangle 4"/>
+          <p:cNvSpPr/>
+          <p:nvPr/>
+        </p:nvSpPr>
+        <p:spPr>
+          <a:xfrm>
+            <a:off x="552305" y="841643"/>
+            <a:ext cx="10970509" cy="707886"/>
+          </a:xfrm>
+          <a:prstGeom prst="rect">
+            <a:avLst/>
+          </a:prstGeom>
+        </p:spPr>
+        <p:txBody>
+          <a:bodyPr wrap="square">
+            <a:spAutoFit/>
+          </a:bodyPr>
+          <a:lstStyle/>
+          <a:p>
+            <a:r xmlns:a="http://schemas.openxmlformats.org/drawingml/2006/main">
+              <a:rPr lang="en" sz="2000" dirty="0"/>
+              <a:t>Try deleting the first four lines, by selecting </a:t>
+            </a:r>
+            <a:r xmlns:a="http://schemas.openxmlformats.org/drawingml/2006/main">
+              <a:rPr lang="en" sz="2000" b="1" dirty="0"/>
+              <a:t>Home </a:t>
+            </a:r>
+            <a:r xmlns:a="http://schemas.openxmlformats.org/drawingml/2006/main">
+              <a:rPr lang="en" sz="2000" dirty="0"/>
+              <a:t>, then </a:t>
+            </a:r>
+            <a:r xmlns:a="http://schemas.openxmlformats.org/drawingml/2006/main">
+              <a:rPr lang="en" sz="2000" b="1" dirty="0"/>
+              <a:t>Delete Lines &gt; Delete First Lines</a:t>
+            </a:r>
+            <a:endParaRPr xmlns:a="http://schemas.openxmlformats.org/drawingml/2006/main" lang="en-US" sz="2000" dirty="0"/>
+          </a:p>
+        </p:txBody>
+      </p:sp>
+      <p:pic>
+        <p:nvPicPr>
+          <p:cNvPr id="4" name="Picture 3"/>
+          <p:cNvPicPr>
+            <a:picLocks noChangeAspect="1"/>
+          </p:cNvPicPr>
+          <p:nvPr/>
+        </p:nvPicPr>
+        <p:blipFill>
+          <a:blip r:embed="rId3"/>
+          <a:stretch>
+            <a:fillRect/>
+          </a:stretch>
+        </p:blipFill>
+        <p:spPr>
+          <a:xfrm>
+            <a:off x="1836925" y="3017488"/>
+            <a:ext cx="4791744" cy="1790950"/>
+          </a:xfrm>
+          <a:prstGeom prst="rect">
+            <a:avLst/>
+          </a:prstGeom>
+          <a:ln>
+            <a:noFill/>
+          </a:ln>
+          <a:effectLst>
+            <a:outerShdw blurRad="292100" dist="139700" dir="2700000" algn="tl" rotWithShape="0">
+              <a:srgbClr val="333333">
+                <a:alpha val="65000"/>
+              </a:srgbClr>
+            </a:outerShdw>
+          </a:effectLst>
+        </p:spPr>
+      </p:pic>
     </p:spTree>
     <p:extLst>
       <p:ext uri="{BB962C8B-B14F-4D97-AF65-F5344CB8AC3E}">
@@ -6507,76 +6659,15 @@
           </a:bodyPr>
           <a:lstStyle/>
           <a:p>
-            <a:r>
-              <a:rPr lang="en-US" b="1" kern="0" dirty="0" smtClean="0">
+            <a:r xmlns:a="http://schemas.openxmlformats.org/drawingml/2006/main">
+              <a:rPr lang="en" b="1" kern="0" dirty="0" smtClean="0">
                 <a:latin typeface="Segoe UI" panose="020B0502040204020203" pitchFamily="34" charset="0"/>
                 <a:ea typeface="Times New Roman" panose="02020603050405020304" pitchFamily="18" charset="0"/>
                 <a:cs typeface="Times New Roman" panose="02020603050405020304" pitchFamily="18" charset="0"/>
               </a:rPr>
               <a:t>Basic Transformations</a:t>
             </a:r>
-            <a:endParaRPr lang="en-US" b="1" dirty="0"/>
-          </a:p>
-        </p:txBody>
-      </p:sp>
-      <p:sp>
-        <p:nvSpPr>
-          <p:cNvPr id="4" name="Rectangle 3"/>
-          <p:cNvSpPr/>
-          <p:nvPr/>
-        </p:nvSpPr>
-        <p:spPr>
-          <a:xfrm>
-            <a:off x="504180" y="866020"/>
-            <a:ext cx="10743628" cy="366895"/>
-          </a:xfrm>
-          <a:prstGeom prst="rect">
-            <a:avLst/>
-          </a:prstGeom>
-        </p:spPr>
-        <p:txBody>
-          <a:bodyPr wrap="square">
-            <a:spAutoFit/>
-          </a:bodyPr>
-          <a:lstStyle/>
-          <a:p>
-            <a:pPr lvl="0">
-              <a:lnSpc>
-                <a:spcPct val="107000"/>
-              </a:lnSpc>
-              <a:spcAft>
-                <a:spcPts val="0"/>
-              </a:spcAft>
-            </a:pPr>
-            <a:r>
-              <a:rPr lang="en-US" dirty="0" smtClean="0">
-                <a:latin typeface="Segoe UI" panose="020B0502040204020203" pitchFamily="34" charset="0"/>
-                <a:ea typeface="Calibri" panose="020F0502020204030204" pitchFamily="34" charset="0"/>
-                <a:cs typeface="Segoe UI" panose="020B0502040204020203" pitchFamily="34" charset="0"/>
-              </a:rPr>
-              <a:t>Set </a:t>
-            </a:r>
-            <a:r>
-              <a:rPr lang="en-US" dirty="0">
-                <a:latin typeface="Segoe UI" panose="020B0502040204020203" pitchFamily="34" charset="0"/>
-                <a:ea typeface="Calibri" panose="020F0502020204030204" pitchFamily="34" charset="0"/>
-                <a:cs typeface="Segoe UI" panose="020B0502040204020203" pitchFamily="34" charset="0"/>
-              </a:rPr>
-              <a:t>the first row as a set of column </a:t>
-            </a:r>
-            <a:r>
-              <a:rPr lang="en-US" dirty="0" smtClean="0">
-                <a:latin typeface="Segoe UI" panose="020B0502040204020203" pitchFamily="34" charset="0"/>
-                <a:ea typeface="Calibri" panose="020F0502020204030204" pitchFamily="34" charset="0"/>
-                <a:cs typeface="Segoe UI" panose="020B0502040204020203" pitchFamily="34" charset="0"/>
-              </a:rPr>
-              <a:t>headers</a:t>
-            </a:r>
-            <a:endParaRPr lang="en-US" dirty="0">
-              <a:latin typeface="Segoe UI" panose="020B0502040204020203" pitchFamily="34" charset="0"/>
-              <a:ea typeface="Calibri" panose="020F0502020204030204" pitchFamily="34" charset="0"/>
-              <a:cs typeface="Segoe UI" panose="020B0502040204020203" pitchFamily="34" charset="0"/>
-            </a:endParaRPr>
+            <a:endParaRPr xmlns:a="http://schemas.openxmlformats.org/drawingml/2006/main" lang="en-US" b="1" dirty="0"/>
           </a:p>
         </p:txBody>
       </p:sp>
@@ -6596,7 +6687,7 @@
         </p:blipFill>
         <p:spPr>
           <a:xfrm>
-            <a:off x="646039" y="1407224"/>
+            <a:off x="432909" y="1579104"/>
             <a:ext cx="10459910" cy="1409897"/>
           </a:xfrm>
           <a:prstGeom prst="rect">
@@ -6612,7 +6703,7 @@
         </p:nvSpPr>
         <p:spPr>
           <a:xfrm>
-            <a:off x="1151126" y="1631934"/>
+            <a:off x="937996" y="1803814"/>
             <a:ext cx="556890" cy="233756"/>
           </a:xfrm>
           <a:prstGeom prst="rect">
@@ -6660,7 +6751,7 @@
         </p:nvSpPr>
         <p:spPr>
           <a:xfrm>
-            <a:off x="9181812" y="2092442"/>
+            <a:off x="8968682" y="2264322"/>
             <a:ext cx="1660359" cy="206513"/>
           </a:xfrm>
           <a:prstGeom prst="rect">
@@ -6697,6 +6788,35 @@
           <a:p>
             <a:pPr algn="ctr"/>
             <a:endParaRPr lang="en-US"/>
+          </a:p>
+        </p:txBody>
+      </p:sp>
+      <p:sp>
+        <p:nvSpPr>
+          <p:cNvPr id="2" name="Rectangle 1"/>
+          <p:cNvSpPr/>
+          <p:nvPr/>
+        </p:nvSpPr>
+        <p:spPr>
+          <a:xfrm>
+            <a:off x="288080" y="844261"/>
+            <a:ext cx="8347156" cy="400110"/>
+          </a:xfrm>
+          <a:prstGeom prst="rect">
+            <a:avLst/>
+          </a:prstGeom>
+        </p:spPr>
+        <p:txBody>
+          <a:bodyPr wrap="square">
+            <a:spAutoFit/>
+          </a:bodyPr>
+          <a:lstStyle/>
+          <a:p>
+            <a:r xmlns:a="http://schemas.openxmlformats.org/drawingml/2006/main">
+              <a:rPr lang="en" sz="2000" dirty="0"/>
+              <a:t>Set the first row as a set of column headers</a:t>
+            </a:r>
+            <a:endParaRPr xmlns:a="http://schemas.openxmlformats.org/drawingml/2006/main" lang="en-US" sz="2000" dirty="0"/>
           </a:p>
         </p:txBody>
       </p:sp>
@@ -6751,124 +6871,15 @@
           </a:bodyPr>
           <a:lstStyle/>
           <a:p>
-            <a:r>
-              <a:rPr lang="en-US" b="1" kern="0" dirty="0" smtClean="0">
+            <a:r xmlns:a="http://schemas.openxmlformats.org/drawingml/2006/main">
+              <a:rPr lang="en" b="1" kern="0" dirty="0" smtClean="0">
                 <a:latin typeface="Segoe UI" panose="020B0502040204020203" pitchFamily="34" charset="0"/>
                 <a:ea typeface="Times New Roman" panose="02020603050405020304" pitchFamily="18" charset="0"/>
                 <a:cs typeface="Times New Roman" panose="02020603050405020304" pitchFamily="18" charset="0"/>
               </a:rPr>
               <a:t>Basic Transformations</a:t>
             </a:r>
-            <a:endParaRPr lang="en-US" b="1" dirty="0"/>
-          </a:p>
-        </p:txBody>
-      </p:sp>
-      <p:sp>
-        <p:nvSpPr>
-          <p:cNvPr id="4" name="Rectangle 3"/>
-          <p:cNvSpPr/>
-          <p:nvPr/>
-        </p:nvSpPr>
-        <p:spPr>
-          <a:xfrm>
-            <a:off x="339175" y="804143"/>
-            <a:ext cx="10743628" cy="663258"/>
-          </a:xfrm>
-          <a:prstGeom prst="rect">
-            <a:avLst/>
-          </a:prstGeom>
-        </p:spPr>
-        <p:txBody>
-          <a:bodyPr wrap="square">
-            <a:spAutoFit/>
-          </a:bodyPr>
-          <a:lstStyle/>
-          <a:p>
-            <a:pPr lvl="0">
-              <a:lnSpc>
-                <a:spcPct val="107000"/>
-              </a:lnSpc>
-              <a:spcAft>
-                <a:spcPts val="0"/>
-              </a:spcAft>
-            </a:pPr>
-            <a:r>
-              <a:rPr lang="en-US" dirty="0" smtClean="0">
-                <a:latin typeface="Segoe UI" panose="020B0502040204020203" pitchFamily="34" charset="0"/>
-                <a:ea typeface="Calibri" panose="020F0502020204030204" pitchFamily="34" charset="0"/>
-                <a:cs typeface="Segoe UI" panose="020B0502040204020203" pitchFamily="34" charset="0"/>
-              </a:rPr>
-              <a:t>Configure the </a:t>
-            </a:r>
-            <a:r>
-              <a:rPr lang="en-US" dirty="0">
-                <a:latin typeface="Segoe UI" panose="020B0502040204020203" pitchFamily="34" charset="0"/>
-                <a:ea typeface="Calibri" panose="020F0502020204030204" pitchFamily="34" charset="0"/>
-                <a:cs typeface="Segoe UI" panose="020B0502040204020203" pitchFamily="34" charset="0"/>
-              </a:rPr>
-              <a:t>appropriate column types for example </a:t>
-            </a:r>
-            <a:r>
-              <a:rPr lang="en-US" b="1" dirty="0" err="1">
-                <a:latin typeface="Segoe UI" panose="020B0502040204020203" pitchFamily="34" charset="0"/>
-                <a:ea typeface="Calibri" panose="020F0502020204030204" pitchFamily="34" charset="0"/>
-                <a:cs typeface="Segoe UI" panose="020B0502040204020203" pitchFamily="34" charset="0"/>
-              </a:rPr>
-              <a:t>UnitCost</a:t>
-            </a:r>
-            <a:r>
-              <a:rPr lang="en-US" b="1" dirty="0">
-                <a:latin typeface="Segoe UI" panose="020B0502040204020203" pitchFamily="34" charset="0"/>
-                <a:ea typeface="Calibri" panose="020F0502020204030204" pitchFamily="34" charset="0"/>
-                <a:cs typeface="Segoe UI" panose="020B0502040204020203" pitchFamily="34" charset="0"/>
-              </a:rPr>
-              <a:t> ,</a:t>
-            </a:r>
-            <a:r>
-              <a:rPr lang="en-US" dirty="0">
-                <a:latin typeface="Segoe UI" panose="020B0502040204020203" pitchFamily="34" charset="0"/>
-                <a:ea typeface="Calibri" panose="020F0502020204030204" pitchFamily="34" charset="0"/>
-                <a:cs typeface="Segoe UI" panose="020B0502040204020203" pitchFamily="34" charset="0"/>
-              </a:rPr>
-              <a:t> </a:t>
-            </a:r>
-            <a:r>
-              <a:rPr lang="en-US" b="1" dirty="0" err="1">
-                <a:latin typeface="Segoe UI" panose="020B0502040204020203" pitchFamily="34" charset="0"/>
-                <a:ea typeface="Calibri" panose="020F0502020204030204" pitchFamily="34" charset="0"/>
-                <a:cs typeface="Segoe UI" panose="020B0502040204020203" pitchFamily="34" charset="0"/>
-              </a:rPr>
-              <a:t>UnitPrice,Return</a:t>
-            </a:r>
-            <a:r>
-              <a:rPr lang="en-US" b="1" dirty="0">
-                <a:latin typeface="Segoe UI" panose="020B0502040204020203" pitchFamily="34" charset="0"/>
-                <a:ea typeface="Calibri" panose="020F0502020204030204" pitchFamily="34" charset="0"/>
-                <a:cs typeface="Segoe UI" panose="020B0502040204020203" pitchFamily="34" charset="0"/>
-              </a:rPr>
-              <a:t> , Amount … </a:t>
-            </a:r>
-            <a:r>
-              <a:rPr lang="en-US" dirty="0">
-                <a:latin typeface="Segoe UI" panose="020B0502040204020203" pitchFamily="34" charset="0"/>
-                <a:ea typeface="Calibri" panose="020F0502020204030204" pitchFamily="34" charset="0"/>
-                <a:cs typeface="Segoe UI" panose="020B0502040204020203" pitchFamily="34" charset="0"/>
-              </a:rPr>
-              <a:t>must be of type currency instead of type </a:t>
-            </a:r>
-            <a:r>
-              <a:rPr lang="en-US" dirty="0" smtClean="0">
-                <a:latin typeface="Segoe UI" panose="020B0502040204020203" pitchFamily="34" charset="0"/>
-                <a:ea typeface="Calibri" panose="020F0502020204030204" pitchFamily="34" charset="0"/>
-                <a:cs typeface="Segoe UI" panose="020B0502040204020203" pitchFamily="34" charset="0"/>
-              </a:rPr>
-              <a:t>number</a:t>
-            </a:r>
-            <a:endParaRPr lang="en-US" dirty="0">
-              <a:latin typeface="Segoe UI" panose="020B0502040204020203" pitchFamily="34" charset="0"/>
-              <a:ea typeface="Calibri" panose="020F0502020204030204" pitchFamily="34" charset="0"/>
-              <a:cs typeface="Segoe UI" panose="020B0502040204020203" pitchFamily="34" charset="0"/>
-            </a:endParaRPr>
+            <a:endParaRPr xmlns:a="http://schemas.openxmlformats.org/drawingml/2006/main" lang="en-US" b="1" dirty="0"/>
           </a:p>
         </p:txBody>
       </p:sp>
@@ -6888,7 +6899,7 @@
         </p:blipFill>
         <p:spPr>
           <a:xfrm>
-            <a:off x="399042" y="1871357"/>
+            <a:off x="426543" y="2208241"/>
             <a:ext cx="3143689" cy="3362794"/>
           </a:xfrm>
           <a:prstGeom prst="rect">
@@ -6914,7 +6925,7 @@
         </p:nvCxnSpPr>
         <p:spPr>
           <a:xfrm flipH="1">
-            <a:off x="646268" y="1663795"/>
+            <a:off x="673769" y="2000679"/>
             <a:ext cx="220005" cy="281883"/>
           </a:xfrm>
           <a:prstGeom prst="straightConnector1">
@@ -6957,7 +6968,7 @@
         </p:blipFill>
         <p:spPr>
           <a:xfrm>
-            <a:off x="2131309" y="2255062"/>
+            <a:off x="2158810" y="2591946"/>
             <a:ext cx="603755" cy="398760"/>
           </a:xfrm>
           <a:prstGeom prst="rect">
@@ -6965,6 +6976,79 @@
           </a:prstGeom>
         </p:spPr>
       </p:pic>
+      <p:sp>
+        <p:nvSpPr>
+          <p:cNvPr id="5" name="Rectangle 4"/>
+          <p:cNvSpPr/>
+          <p:nvPr/>
+        </p:nvSpPr>
+        <p:spPr>
+          <a:xfrm>
+            <a:off x="288081" y="808249"/>
+            <a:ext cx="11420364" cy="707886"/>
+          </a:xfrm>
+          <a:prstGeom prst="rect">
+            <a:avLst/>
+          </a:prstGeom>
+        </p:spPr>
+        <p:txBody>
+          <a:bodyPr wrap="square">
+            <a:spAutoFit/>
+          </a:bodyPr>
+          <a:lstStyle/>
+          <a:p>
+            <a:r xmlns:a="http://schemas.openxmlformats.org/drawingml/2006/main">
+              <a:rPr lang="en" sz="2000" dirty="0"/>
+              <a:t>Configure the appropriate column types, e.g. </a:t>
+            </a:r>
+            <a:r xmlns:a="http://schemas.openxmlformats.org/drawingml/2006/main">
+              <a:rPr lang="en" sz="2000" b="1" dirty="0" err="1"/>
+              <a:t>UnitCost </a:t>
+            </a:r>
+            <a:r xmlns:a="http://schemas.openxmlformats.org/drawingml/2006/main">
+              <a:rPr lang="en" sz="2000" dirty="0"/>
+              <a:t>, </a:t>
+            </a:r>
+            <a:r xmlns:a="http://schemas.openxmlformats.org/drawingml/2006/main">
+              <a:rPr lang="en" sz="2000" b="1" dirty="0" err="1"/>
+              <a:t>UnitPrice </a:t>
+            </a:r>
+            <a:r xmlns:a="http://schemas.openxmlformats.org/drawingml/2006/main">
+              <a:rPr lang="en" sz="2000" dirty="0"/>
+              <a:t>, </a:t>
+            </a:r>
+            <a:r xmlns:a="http://schemas.openxmlformats.org/drawingml/2006/main">
+              <a:rPr lang="en" sz="2000" b="1" dirty="0"/>
+              <a:t>Return </a:t>
+            </a:r>
+            <a:r xmlns:a="http://schemas.openxmlformats.org/drawingml/2006/main">
+              <a:rPr lang="en" sz="2000" dirty="0"/>
+              <a:t>, </a:t>
+            </a:r>
+            <a:r xmlns:a="http://schemas.openxmlformats.org/drawingml/2006/main">
+              <a:rPr lang="en" sz="2000" b="1" dirty="0" err="1"/>
+              <a:t>Amount </a:t>
+            </a:r>
+            <a:r xmlns:a="http://schemas.openxmlformats.org/drawingml/2006/main">
+              <a:rPr lang="en" sz="2000" dirty="0"/>
+              <a:t>… should be of </a:t>
+            </a:r>
+            <a:r xmlns:a="http://schemas.openxmlformats.org/drawingml/2006/main">
+              <a:rPr lang="en" sz="2000" b="1" dirty="0"/>
+              <a:t>currency type </a:t>
+            </a:r>
+            <a:r xmlns:a="http://schemas.openxmlformats.org/drawingml/2006/main">
+              <a:rPr lang="en" sz="2000" dirty="0"/>
+              <a:t>instead of </a:t>
+            </a:r>
+            <a:r xmlns:a="http://schemas.openxmlformats.org/drawingml/2006/main">
+              <a:rPr lang="en" sz="2000" b="1" dirty="0"/>
+              <a:t>number</a:t>
+            </a:r>
+            <a:endParaRPr xmlns:a="http://schemas.openxmlformats.org/drawingml/2006/main" lang="en-US" sz="2000" dirty="0"/>
+          </a:p>
+        </p:txBody>
+      </p:sp>
     </p:spTree>
     <p:extLst>
       <p:ext uri="{BB962C8B-B14F-4D97-AF65-F5344CB8AC3E}">
@@ -7016,61 +7100,15 @@
           </a:bodyPr>
           <a:lstStyle/>
           <a:p>
-            <a:r>
-              <a:rPr lang="en-US" b="1" kern="0" dirty="0" smtClean="0">
+            <a:r xmlns:a="http://schemas.openxmlformats.org/drawingml/2006/main">
+              <a:rPr lang="en" b="1" kern="0" dirty="0" smtClean="0">
                 <a:latin typeface="Segoe UI" panose="020B0502040204020203" pitchFamily="34" charset="0"/>
                 <a:ea typeface="Times New Roman" panose="02020603050405020304" pitchFamily="18" charset="0"/>
                 <a:cs typeface="Times New Roman" panose="02020603050405020304" pitchFamily="18" charset="0"/>
               </a:rPr>
               <a:t>Basic Transformations</a:t>
             </a:r>
-            <a:endParaRPr lang="en-US" b="1" dirty="0"/>
-          </a:p>
-        </p:txBody>
-      </p:sp>
-      <p:sp>
-        <p:nvSpPr>
-          <p:cNvPr id="4" name="Rectangle 3"/>
-          <p:cNvSpPr/>
-          <p:nvPr/>
-        </p:nvSpPr>
-        <p:spPr>
-          <a:xfrm>
-            <a:off x="288081" y="804143"/>
-            <a:ext cx="3067011" cy="388696"/>
-          </a:xfrm>
-          <a:prstGeom prst="rect">
-            <a:avLst/>
-          </a:prstGeom>
-        </p:spPr>
-        <p:txBody>
-          <a:bodyPr wrap="square">
-            <a:spAutoFit/>
-          </a:bodyPr>
-          <a:lstStyle/>
-          <a:p>
-            <a:pPr lvl="0">
-              <a:lnSpc>
-                <a:spcPct val="107000"/>
-              </a:lnSpc>
-              <a:spcAft>
-                <a:spcPts val="800"/>
-              </a:spcAft>
-            </a:pPr>
-            <a:r>
-              <a:rPr lang="en-US" dirty="0" smtClean="0">
-                <a:latin typeface="Segoe UI" panose="020B0502040204020203" pitchFamily="34" charset="0"/>
-                <a:ea typeface="Calibri" panose="020F0502020204030204" pitchFamily="34" charset="0"/>
-                <a:cs typeface="Segoe UI" panose="020B0502040204020203" pitchFamily="34" charset="0"/>
-              </a:rPr>
-              <a:t>Delete empty columns</a:t>
-            </a:r>
-            <a:endParaRPr lang="en-US" dirty="0">
-              <a:effectLst/>
-              <a:latin typeface="Segoe UI" panose="020B0502040204020203" pitchFamily="34" charset="0"/>
-              <a:ea typeface="Calibri" panose="020F0502020204030204" pitchFamily="34" charset="0"/>
-              <a:cs typeface="Segoe UI" panose="020B0502040204020203" pitchFamily="34" charset="0"/>
-            </a:endParaRPr>
+            <a:endParaRPr xmlns:a="http://schemas.openxmlformats.org/drawingml/2006/main" lang="en-US" b="1" dirty="0"/>
           </a:p>
         </p:txBody>
       </p:sp>
@@ -7143,6 +7181,46 @@
           <a:p>
             <a:pPr algn="ctr"/>
             <a:endParaRPr lang="en-US"/>
+          </a:p>
+        </p:txBody>
+      </p:sp>
+      <p:sp>
+        <p:nvSpPr>
+          <p:cNvPr id="5" name="Rectangle 4"/>
+          <p:cNvSpPr/>
+          <p:nvPr/>
+        </p:nvSpPr>
+        <p:spPr>
+          <a:xfrm>
+            <a:off x="373369" y="705112"/>
+            <a:ext cx="3222549" cy="400110"/>
+          </a:xfrm>
+          <a:prstGeom prst="rect">
+            <a:avLst/>
+          </a:prstGeom>
+        </p:spPr>
+        <p:txBody>
+          <a:bodyPr wrap="none">
+            <a:spAutoFit/>
+          </a:bodyPr>
+          <a:lstStyle/>
+          <a:p>
+            <a:r xmlns:a="http://schemas.openxmlformats.org/drawingml/2006/main">
+              <a:rPr lang="en" sz="2000" dirty="0" err="1"/>
+              <a:t>Delete </a:t>
+            </a:r>
+            <a:r xmlns:a="http://schemas.openxmlformats.org/drawingml/2006/main">
+              <a:rPr lang="en" sz="2000" dirty="0"/>
+              <a:t>empty </a:t>
+            </a:r>
+            <a:r xmlns:a="http://schemas.openxmlformats.org/drawingml/2006/main">
+              <a:rPr lang="en" sz="2000" dirty="0"/>
+              <a:t>columns</a:t>
+            </a:r>
+            <a:r xmlns:a="http://schemas.openxmlformats.org/drawingml/2006/main">
+              <a:rPr lang="en" sz="2000" dirty="0" err="1"/>
+              <a:t>​</a:t>
+            </a:r>
           </a:p>
         </p:txBody>
       </p:sp>
@@ -7197,61 +7275,15 @@
           </a:bodyPr>
           <a:lstStyle/>
           <a:p>
-            <a:r>
-              <a:rPr lang="en-US" b="1" kern="0" dirty="0" smtClean="0">
+            <a:r xmlns:a="http://schemas.openxmlformats.org/drawingml/2006/main">
+              <a:rPr lang="en" b="1" kern="0" dirty="0" smtClean="0">
                 <a:latin typeface="Segoe UI" panose="020B0502040204020203" pitchFamily="34" charset="0"/>
                 <a:ea typeface="Times New Roman" panose="02020603050405020304" pitchFamily="18" charset="0"/>
                 <a:cs typeface="Times New Roman" panose="02020603050405020304" pitchFamily="18" charset="0"/>
               </a:rPr>
               <a:t>Basic Transformations</a:t>
             </a:r>
-            <a:endParaRPr lang="en-US" b="1" dirty="0"/>
-          </a:p>
-        </p:txBody>
-      </p:sp>
-      <p:sp>
-        <p:nvSpPr>
-          <p:cNvPr id="5" name="Rectangle 4"/>
-          <p:cNvSpPr/>
-          <p:nvPr/>
-        </p:nvSpPr>
-        <p:spPr>
-          <a:xfrm>
-            <a:off x="288081" y="833336"/>
-            <a:ext cx="8103555" cy="388696"/>
-          </a:xfrm>
-          <a:prstGeom prst="rect">
-            <a:avLst/>
-          </a:prstGeom>
-        </p:spPr>
-        <p:txBody>
-          <a:bodyPr wrap="square">
-            <a:spAutoFit/>
-          </a:bodyPr>
-          <a:lstStyle/>
-          <a:p>
-            <a:pPr lvl="0">
-              <a:lnSpc>
-                <a:spcPct val="107000"/>
-              </a:lnSpc>
-              <a:spcAft>
-                <a:spcPts val="800"/>
-              </a:spcAft>
-            </a:pPr>
-            <a:r>
-              <a:rPr lang="en-US" dirty="0">
-                <a:latin typeface="Segoe UI" panose="020B0502040204020203" pitchFamily="34" charset="0"/>
-                <a:ea typeface="Calibri" panose="020F0502020204030204" pitchFamily="34" charset="0"/>
-                <a:cs typeface="Times New Roman" panose="02020603050405020304" pitchFamily="18" charset="0"/>
-              </a:rPr>
-              <a:t>Try sorting the data and explore the context menu mentioned below</a:t>
-            </a:r>
-            <a:endParaRPr lang="en-US" sz="1400" dirty="0">
-              <a:effectLst/>
-              <a:latin typeface="Calibri" panose="020F0502020204030204" pitchFamily="34" charset="0"/>
-              <a:ea typeface="Calibri" panose="020F0502020204030204" pitchFamily="34" charset="0"/>
-              <a:cs typeface="Times New Roman" panose="02020603050405020304" pitchFamily="18" charset="0"/>
-            </a:endParaRPr>
+            <a:endParaRPr xmlns:a="http://schemas.openxmlformats.org/drawingml/2006/main" lang="en-US" b="1" dirty="0"/>
           </a:p>
         </p:txBody>
       </p:sp>
@@ -7276,7 +7308,7 @@
         </p:blipFill>
         <p:spPr bwMode="auto">
           <a:xfrm>
-            <a:off x="420263" y="1509564"/>
+            <a:off x="447764" y="1330809"/>
             <a:ext cx="3099834" cy="2663676"/>
           </a:xfrm>
           <a:prstGeom prst="rect">
@@ -7294,6 +7326,35 @@
           </a:effectLst>
         </p:spPr>
       </p:pic>
+      <p:sp>
+        <p:nvSpPr>
+          <p:cNvPr id="2" name="Rectangle 1"/>
+          <p:cNvSpPr/>
+          <p:nvPr/>
+        </p:nvSpPr>
+        <p:spPr>
+          <a:xfrm>
+            <a:off x="288081" y="756846"/>
+            <a:ext cx="10269238" cy="400110"/>
+          </a:xfrm>
+          <a:prstGeom prst="rect">
+            <a:avLst/>
+          </a:prstGeom>
+        </p:spPr>
+        <p:txBody>
+          <a:bodyPr wrap="square">
+            <a:spAutoFit/>
+          </a:bodyPr>
+          <a:lstStyle/>
+          <a:p>
+            <a:r xmlns:a="http://schemas.openxmlformats.org/drawingml/2006/main">
+              <a:rPr lang="en" sz="2000" dirty="0"/>
+              <a:t>Try sorting the data and explore the context menu mentioned below</a:t>
+            </a:r>
+            <a:endParaRPr xmlns:a="http://schemas.openxmlformats.org/drawingml/2006/main" lang="en-US" sz="2000" dirty="0"/>
+          </a:p>
+        </p:txBody>
+      </p:sp>
     </p:spTree>
     <p:extLst>
       <p:ext uri="{BB962C8B-B14F-4D97-AF65-F5344CB8AC3E}">

--- a/English/2.Preparing data/1.Basic Transfrormations.pptx
+++ b/English/2.Preparing data/1.Basic Transfrormations.pptx
@@ -211,7 +211,7 @@
           <a:p>
             <a:fld id="{056BA3B8-9F76-4D81-B71D-76CB85363062}" type="datetimeFigureOut">
               <a:rPr lang="en-US" smtClean="0"/>
-              <a:t>3/12/2025</a:t>
+              <a:t>4/3/2025</a:t>
             </a:fld>
             <a:endParaRPr lang="en-US"/>
           </a:p>
@@ -778,7 +778,7 @@
           <a:p>
             <a:fld id="{6F01DA4D-20EA-48D2-973C-0311EC3005D6}" type="datetimeFigureOut">
               <a:rPr lang="en-US" smtClean="0"/>
-              <a:t>3/12/2025</a:t>
+              <a:t>4/3/2025</a:t>
             </a:fld>
             <a:endParaRPr lang="en-US"/>
           </a:p>
@@ -948,7 +948,7 @@
           <a:p>
             <a:fld id="{6F01DA4D-20EA-48D2-973C-0311EC3005D6}" type="datetimeFigureOut">
               <a:rPr lang="en-US" smtClean="0"/>
-              <a:t>3/12/2025</a:t>
+              <a:t>4/3/2025</a:t>
             </a:fld>
             <a:endParaRPr lang="en-US"/>
           </a:p>
@@ -1128,7 +1128,7 @@
           <a:p>
             <a:fld id="{6F01DA4D-20EA-48D2-973C-0311EC3005D6}" type="datetimeFigureOut">
               <a:rPr lang="en-US" smtClean="0"/>
-              <a:t>3/12/2025</a:t>
+              <a:t>4/3/2025</a:t>
             </a:fld>
             <a:endParaRPr lang="en-US"/>
           </a:p>
@@ -1298,7 +1298,7 @@
           <a:p>
             <a:fld id="{6F01DA4D-20EA-48D2-973C-0311EC3005D6}" type="datetimeFigureOut">
               <a:rPr lang="en-US" smtClean="0"/>
-              <a:t>3/12/2025</a:t>
+              <a:t>4/3/2025</a:t>
             </a:fld>
             <a:endParaRPr lang="en-US"/>
           </a:p>
@@ -1544,7 +1544,7 @@
           <a:p>
             <a:fld id="{6F01DA4D-20EA-48D2-973C-0311EC3005D6}" type="datetimeFigureOut">
               <a:rPr lang="en-US" smtClean="0"/>
-              <a:t>3/12/2025</a:t>
+              <a:t>4/3/2025</a:t>
             </a:fld>
             <a:endParaRPr lang="en-US"/>
           </a:p>
@@ -1776,7 +1776,7 @@
           <a:p>
             <a:fld id="{6F01DA4D-20EA-48D2-973C-0311EC3005D6}" type="datetimeFigureOut">
               <a:rPr lang="en-US" smtClean="0"/>
-              <a:t>3/12/2025</a:t>
+              <a:t>4/3/2025</a:t>
             </a:fld>
             <a:endParaRPr lang="en-US"/>
           </a:p>
@@ -2143,7 +2143,7 @@
           <a:p>
             <a:fld id="{6F01DA4D-20EA-48D2-973C-0311EC3005D6}" type="datetimeFigureOut">
               <a:rPr lang="en-US" smtClean="0"/>
-              <a:t>3/12/2025</a:t>
+              <a:t>4/3/2025</a:t>
             </a:fld>
             <a:endParaRPr lang="en-US"/>
           </a:p>
@@ -2261,7 +2261,7 @@
           <a:p>
             <a:fld id="{6F01DA4D-20EA-48D2-973C-0311EC3005D6}" type="datetimeFigureOut">
               <a:rPr lang="en-US" smtClean="0"/>
-              <a:t>3/12/2025</a:t>
+              <a:t>4/3/2025</a:t>
             </a:fld>
             <a:endParaRPr lang="en-US"/>
           </a:p>
@@ -2356,7 +2356,7 @@
           <a:p>
             <a:fld id="{6F01DA4D-20EA-48D2-973C-0311EC3005D6}" type="datetimeFigureOut">
               <a:rPr lang="en-US" smtClean="0"/>
-              <a:t>3/12/2025</a:t>
+              <a:t>4/3/2025</a:t>
             </a:fld>
             <a:endParaRPr lang="en-US"/>
           </a:p>
@@ -2633,7 +2633,7 @@
           <a:p>
             <a:fld id="{6F01DA4D-20EA-48D2-973C-0311EC3005D6}" type="datetimeFigureOut">
               <a:rPr lang="en-US" smtClean="0"/>
-              <a:t>3/12/2025</a:t>
+              <a:t>4/3/2025</a:t>
             </a:fld>
             <a:endParaRPr lang="en-US"/>
           </a:p>
@@ -2886,7 +2886,7 @@
           <a:p>
             <a:fld id="{6F01DA4D-20EA-48D2-973C-0311EC3005D6}" type="datetimeFigureOut">
               <a:rPr lang="en-US" smtClean="0"/>
-              <a:t>3/12/2025</a:t>
+              <a:t>4/3/2025</a:t>
             </a:fld>
             <a:endParaRPr lang="en-US"/>
           </a:p>
@@ -3099,7 +3099,7 @@
           <a:p>
             <a:fld id="{6F01DA4D-20EA-48D2-973C-0311EC3005D6}" type="datetimeFigureOut">
               <a:rPr lang="en-US" smtClean="0"/>
-              <a:t>3/12/2025</a:t>
+              <a:t>4/3/2025</a:t>
             </a:fld>
             <a:endParaRPr lang="en-US"/>
           </a:p>
@@ -3520,7 +3520,7 @@
         </p:nvSpPr>
         <p:spPr>
           <a:xfrm>
-            <a:off x="609614" y="1796545"/>
+            <a:off x="740243" y="2078428"/>
             <a:ext cx="10656892" cy="2554545"/>
           </a:xfrm>
           <a:prstGeom prst="rect">
@@ -3534,8 +3534,8 @@
           </a:bodyPr>
           <a:lstStyle/>
           <a:p>
-            <a:pPr xmlns:a="http://schemas.openxmlformats.org/drawingml/2006/main" algn="ctr"/>
-            <a:r xmlns:a="http://schemas.openxmlformats.org/drawingml/2006/main">
+            <a:pPr algn="ctr"/>
+            <a:r>
               <a:rPr lang="en" sz="8000" b="1" dirty="0" smtClean="0">
                 <a:solidFill>
                   <a:srgbClr val="7030A0"/>
@@ -3544,12 +3544,9 @@
                 <a:ea typeface="Verdana" panose="020B0604030504040204" pitchFamily="34" charset="0"/>
                 <a:cs typeface="Segoe UI" panose="020B0502040204020203" pitchFamily="34" charset="0"/>
               </a:rPr>
-              <a:t>The transformations</a:t>
-            </a:r>
-          </a:p>
-          <a:p>
-            <a:pPr xmlns:a="http://schemas.openxmlformats.org/drawingml/2006/main" algn="ctr"/>
-            <a:r xmlns:a="http://schemas.openxmlformats.org/drawingml/2006/main">
+              <a:t>The </a:t>
+            </a:r>
+            <a:r>
               <a:rPr lang="en" sz="8000" b="1" dirty="0" smtClean="0">
                 <a:solidFill>
                   <a:srgbClr val="7030A0"/>
@@ -3558,9 +3555,9 @@
                 <a:ea typeface="Verdana" panose="020B0604030504040204" pitchFamily="34" charset="0"/>
                 <a:cs typeface="Segoe UI" panose="020B0502040204020203" pitchFamily="34" charset="0"/>
               </a:rPr>
-              <a:t>basics</a:t>
-            </a:r>
-            <a:endParaRPr xmlns:a="http://schemas.openxmlformats.org/drawingml/2006/main" lang="en-US" sz="8000" b="1" dirty="0">
+              <a:t>basic</a:t>
+            </a:r>
+            <a:endParaRPr lang="en-US" sz="8000" b="1" dirty="0">
               <a:solidFill>
                 <a:srgbClr val="7030A0"/>
               </a:solidFill>
@@ -3569,6 +3566,28 @@
               <a:cs typeface="Segoe UI" panose="020B0502040204020203" pitchFamily="34" charset="0"/>
             </a:endParaRPr>
           </a:p>
+          <a:p>
+            <a:pPr algn="ctr"/>
+            <a:r>
+              <a:rPr lang="en" sz="8000" b="1" dirty="0" smtClean="0">
+                <a:solidFill>
+                  <a:srgbClr val="7030A0"/>
+                </a:solidFill>
+                <a:latin typeface="Segoe UI" panose="020B0502040204020203" pitchFamily="34" charset="0"/>
+                <a:ea typeface="Verdana" panose="020B0604030504040204" pitchFamily="34" charset="0"/>
+                <a:cs typeface="Segoe UI" panose="020B0502040204020203" pitchFamily="34" charset="0"/>
+              </a:rPr>
+              <a:t>transformations</a:t>
+            </a:r>
+            <a:endParaRPr lang="en" sz="8000" b="1" dirty="0" smtClean="0">
+              <a:solidFill>
+                <a:srgbClr val="7030A0"/>
+              </a:solidFill>
+              <a:latin typeface="Segoe UI" panose="020B0502040204020203" pitchFamily="34" charset="0"/>
+              <a:ea typeface="Verdana" panose="020B0604030504040204" pitchFamily="34" charset="0"/>
+              <a:cs typeface="Segoe UI" panose="020B0502040204020203" pitchFamily="34" charset="0"/>
+            </a:endParaRPr>
+          </a:p>
         </p:txBody>
       </p:sp>
       <p:sp>
@@ -3579,7 +3598,7 @@
         </p:nvSpPr>
         <p:spPr>
           <a:xfrm>
-            <a:off x="609614" y="1735815"/>
+            <a:off x="692116" y="2010824"/>
             <a:ext cx="10656892" cy="2554545"/>
           </a:xfrm>
           <a:prstGeom prst="rect">
@@ -3593,8 +3612,19 @@
           </a:bodyPr>
           <a:lstStyle/>
           <a:p>
-            <a:pPr xmlns:a="http://schemas.openxmlformats.org/drawingml/2006/main" algn="ctr"/>
-            <a:r xmlns:a="http://schemas.openxmlformats.org/drawingml/2006/main">
+            <a:pPr algn="ctr"/>
+            <a:r>
+              <a:rPr lang="en" sz="8000" b="1" dirty="0">
+                <a:solidFill>
+                  <a:schemeClr val="bg1"/>
+                </a:solidFill>
+                <a:latin typeface="Segoe UI" panose="020B0502040204020203" pitchFamily="34" charset="0"/>
+                <a:ea typeface="Verdana" panose="020B0604030504040204" pitchFamily="34" charset="0"/>
+                <a:cs typeface="Segoe UI" panose="020B0502040204020203" pitchFamily="34" charset="0"/>
+              </a:rPr>
+              <a:t>The </a:t>
+            </a:r>
+            <a:r>
               <a:rPr lang="en" sz="8000" b="1" dirty="0" smtClean="0">
                 <a:solidFill>
                   <a:schemeClr val="bg1"/>
@@ -3603,12 +3633,9 @@
                 <a:ea typeface="Verdana" panose="020B0604030504040204" pitchFamily="34" charset="0"/>
                 <a:cs typeface="Segoe UI" panose="020B0502040204020203" pitchFamily="34" charset="0"/>
               </a:rPr>
-              <a:t>The transformations</a:t>
-            </a:r>
-          </a:p>
-          <a:p>
-            <a:pPr xmlns:a="http://schemas.openxmlformats.org/drawingml/2006/main" algn="ctr"/>
-            <a:r xmlns:a="http://schemas.openxmlformats.org/drawingml/2006/main">
+              <a:t>basic</a:t>
+            </a:r>
+            <a:r>
               <a:rPr lang="en" sz="8000" b="1" dirty="0" smtClean="0">
                 <a:solidFill>
                   <a:schemeClr val="bg1"/>
@@ -3617,9 +3644,9 @@
                 <a:ea typeface="Verdana" panose="020B0604030504040204" pitchFamily="34" charset="0"/>
                 <a:cs typeface="Segoe UI" panose="020B0502040204020203" pitchFamily="34" charset="0"/>
               </a:rPr>
-              <a:t>basics</a:t>
-            </a:r>
-            <a:endParaRPr xmlns:a="http://schemas.openxmlformats.org/drawingml/2006/main" lang="en-US" sz="8000" b="1" dirty="0">
+              <a:t> transformations</a:t>
+            </a:r>
+            <a:endParaRPr lang="en" sz="8000" b="1" dirty="0" smtClean="0">
               <a:solidFill>
                 <a:schemeClr val="bg1"/>
               </a:solidFill>
@@ -3681,7 +3708,7 @@
           </a:bodyPr>
           <a:lstStyle/>
           <a:p>
-            <a:r xmlns:a="http://schemas.openxmlformats.org/drawingml/2006/main">
+            <a:r>
               <a:rPr lang="en" b="1" kern="0" dirty="0" smtClean="0">
                 <a:latin typeface="Segoe UI" panose="020B0502040204020203" pitchFamily="34" charset="0"/>
                 <a:ea typeface="Times New Roman" panose="02020603050405020304" pitchFamily="18" charset="0"/>
@@ -3689,7 +3716,7 @@
               </a:rPr>
               <a:t>Basic Transformations</a:t>
             </a:r>
-            <a:endParaRPr xmlns:a="http://schemas.openxmlformats.org/drawingml/2006/main" lang="en-US" b="1" dirty="0"/>
+            <a:endParaRPr lang="en-US" b="1" dirty="0"/>
           </a:p>
         </p:txBody>
       </p:sp>
@@ -3753,15 +3780,15 @@
           </a:bodyPr>
           <a:lstStyle/>
           <a:p>
-            <a:r xmlns:a="http://schemas.openxmlformats.org/drawingml/2006/main">
+            <a:r>
               <a:rPr lang="en" sz="2000" dirty="0"/>
               <a:t>Try testing the </a:t>
             </a:r>
-            <a:r xmlns:a="http://schemas.openxmlformats.org/drawingml/2006/main">
+            <a:r>
               <a:rPr lang="en" sz="2000" b="1" dirty="0"/>
               <a:t>Digital Filters menu</a:t>
             </a:r>
-            <a:endParaRPr xmlns:a="http://schemas.openxmlformats.org/drawingml/2006/main" lang="en-US" sz="2000" dirty="0"/>
+            <a:endParaRPr lang="en-US" sz="2000" dirty="0"/>
           </a:p>
         </p:txBody>
       </p:sp>
@@ -3786,27 +3813,23 @@
           </a:bodyPr>
           <a:lstStyle/>
           <a:p>
-            <a:r xmlns:a="http://schemas.openxmlformats.org/drawingml/2006/main">
+            <a:r>
               <a:rPr lang="en" sz="2000" b="1" dirty="0"/>
               <a:t>Manufacturer </a:t>
             </a:r>
-            <a:r xmlns:a="http://schemas.openxmlformats.org/drawingml/2006/main">
+            <a:r>
               <a:rPr lang="en" sz="2000" dirty="0"/>
               <a:t>and </a:t>
             </a:r>
-            <a:r xmlns:a="http://schemas.openxmlformats.org/drawingml/2006/main">
+            <a:r>
               <a:rPr lang="en" sz="2000" b="1" dirty="0" err="1"/>
               <a:t>BrandName </a:t>
             </a:r>
-            <a:r xmlns:a="http://schemas.openxmlformats.org/drawingml/2006/main">
+            <a:r>
               <a:rPr lang="en" sz="2000" dirty="0"/>
-              <a:t>columns </a:t>
-            </a:r>
-            <a:r xmlns:a="http://schemas.openxmlformats.org/drawingml/2006/main">
-              <a:rPr lang="en" sz="2000" dirty="0"/>
-              <a:t>there are null values</a:t>
-            </a:r>
-            <a:endParaRPr xmlns:a="http://schemas.openxmlformats.org/drawingml/2006/main" lang="en-US" sz="2000" dirty="0"/>
+              <a:t>columns there are null values</a:t>
+            </a:r>
+            <a:endParaRPr lang="en-US" sz="2000" dirty="0"/>
           </a:p>
         </p:txBody>
       </p:sp>
@@ -3861,7 +3884,7 @@
           </a:bodyPr>
           <a:lstStyle/>
           <a:p>
-            <a:r xmlns:a="http://schemas.openxmlformats.org/drawingml/2006/main">
+            <a:r>
               <a:rPr lang="en" b="1" kern="0" dirty="0" smtClean="0">
                 <a:latin typeface="Segoe UI" panose="020B0502040204020203" pitchFamily="34" charset="0"/>
                 <a:ea typeface="Times New Roman" panose="02020603050405020304" pitchFamily="18" charset="0"/>
@@ -3869,7 +3892,7 @@
               </a:rPr>
               <a:t>Basic Transformations</a:t>
             </a:r>
-            <a:endParaRPr xmlns:a="http://schemas.openxmlformats.org/drawingml/2006/main" lang="en-US" b="1" dirty="0"/>
+            <a:endParaRPr lang="en-US" b="1" dirty="0"/>
           </a:p>
         </p:txBody>
       </p:sp>
@@ -3933,51 +3956,47 @@
           </a:bodyPr>
           <a:lstStyle/>
           <a:p>
-            <a:r xmlns:a="http://schemas.openxmlformats.org/drawingml/2006/main">
+            <a:r>
               <a:rPr lang="en" sz="2000" dirty="0"/>
               <a:t>Try replacing the null values with </a:t>
             </a:r>
-            <a:r xmlns:a="http://schemas.openxmlformats.org/drawingml/2006/main">
+            <a:r>
               <a:rPr lang="en" sz="2000" b="1" dirty="0"/>
               <a:t>No manufacturer </a:t>
             </a:r>
-            <a:r xmlns:a="http://schemas.openxmlformats.org/drawingml/2006/main">
+            <a:r>
               <a:rPr lang="en" sz="2000" dirty="0"/>
               <a:t>and </a:t>
             </a:r>
-            <a:r xmlns:a="http://schemas.openxmlformats.org/drawingml/2006/main">
+            <a:r>
               <a:rPr lang="en" sz="2000" b="1" dirty="0"/>
               <a:t>No Brand </a:t>
             </a:r>
-            <a:r xmlns:a="http://schemas.openxmlformats.org/drawingml/2006/main">
+            <a:r>
               <a:rPr lang="en" sz="2000" b="1" dirty="0" err="1"/>
               <a:t>name for the </a:t>
             </a:r>
-            <a:r xmlns:a="http://schemas.openxmlformats.org/drawingml/2006/main">
+            <a:r>
               <a:rPr lang="en" sz="2000" b="1" dirty="0"/>
               <a:t>Manufacturer </a:t>
             </a:r>
-            <a:r xmlns:a="http://schemas.openxmlformats.org/drawingml/2006/main">
+            <a:r>
               <a:rPr lang="en" sz="2000" dirty="0"/>
               <a:t>and </a:t>
             </a:r>
-            <a:r xmlns:a="http://schemas.openxmlformats.org/drawingml/2006/main">
+            <a:r>
               <a:rPr lang="en" sz="2000" b="1" dirty="0" err="1"/>
               <a:t>BrandName </a:t>
             </a:r>
-            <a:r xmlns:a="http://schemas.openxmlformats.org/drawingml/2006/main">
+            <a:r>
               <a:rPr lang="en" sz="2000" dirty="0"/>
-              <a:t>columns </a:t>
-            </a:r>
-            <a:r xmlns:a="http://schemas.openxmlformats.org/drawingml/2006/main">
-              <a:rPr lang="en" sz="2000" dirty="0"/>
-              <a:t>respectively, using the </a:t>
-            </a:r>
-            <a:r xmlns:a="http://schemas.openxmlformats.org/drawingml/2006/main">
+              <a:t>columns respectively, using the </a:t>
+            </a:r>
+            <a:r>
               <a:rPr lang="en" sz="2000" b="1" dirty="0"/>
               <a:t>Replace Values feature</a:t>
             </a:r>
-            <a:endParaRPr xmlns:a="http://schemas.openxmlformats.org/drawingml/2006/main" lang="en-US" sz="2000" dirty="0"/>
+            <a:endParaRPr lang="en-US" sz="2000" dirty="0"/>
           </a:p>
         </p:txBody>
       </p:sp>
@@ -4032,7 +4051,7 @@
           </a:bodyPr>
           <a:lstStyle/>
           <a:p>
-            <a:r xmlns:a="http://schemas.openxmlformats.org/drawingml/2006/main">
+            <a:r>
               <a:rPr lang="en" b="1" kern="0" dirty="0" smtClean="0">
                 <a:latin typeface="Segoe UI" panose="020B0502040204020203" pitchFamily="34" charset="0"/>
                 <a:ea typeface="Times New Roman" panose="02020603050405020304" pitchFamily="18" charset="0"/>
@@ -4040,7 +4059,7 @@
               </a:rPr>
               <a:t>Basic Transformations</a:t>
             </a:r>
-            <a:endParaRPr xmlns:a="http://schemas.openxmlformats.org/drawingml/2006/main" lang="en-US" b="1" dirty="0"/>
+            <a:endParaRPr lang="en-US" b="1" dirty="0"/>
           </a:p>
         </p:txBody>
       </p:sp>
@@ -4097,7 +4116,7 @@
                     <a:bodyPr/>
                     <a:lstStyle/>
                     <a:p>
-                      <a:pPr xmlns:a="http://schemas.openxmlformats.org/drawingml/2006/main" algn="ctr">
+                      <a:pPr algn="ctr">
                         <a:lnSpc>
                           <a:spcPct val="107000"/>
                         </a:lnSpc>
@@ -4105,7 +4124,7 @@
                           <a:spcPts val="0"/>
                         </a:spcAft>
                       </a:pPr>
-                      <a:r xmlns:a="http://schemas.openxmlformats.org/drawingml/2006/main">
+                      <a:r>
                         <a:rPr lang="en" sz="1600" dirty="0">
                           <a:effectLst/>
                           <a:latin typeface="Segoe UI" panose="020B0502040204020203" pitchFamily="34" charset="0"/>
@@ -4113,7 +4132,7 @@
                         </a:rPr>
                         <a:t>Id</a:t>
                       </a:r>
-                      <a:endParaRPr xmlns:a="http://schemas.openxmlformats.org/drawingml/2006/main" lang="en-US" sz="1600" dirty="0">
+                      <a:endParaRPr lang="en-US" sz="1600" dirty="0">
                         <a:effectLst/>
                         <a:latin typeface="Segoe UI" panose="020B0502040204020203" pitchFamily="34" charset="0"/>
                         <a:ea typeface="Calibri" panose="020F0502020204030204" pitchFamily="34" charset="0"/>
@@ -4128,7 +4147,7 @@
                     <a:bodyPr/>
                     <a:lstStyle/>
                     <a:p>
-                      <a:pPr xmlns:a="http://schemas.openxmlformats.org/drawingml/2006/main" algn="ctr">
+                      <a:pPr algn="ctr">
                         <a:lnSpc>
                           <a:spcPct val="107000"/>
                         </a:lnSpc>
@@ -4136,7 +4155,7 @@
                           <a:spcPts val="0"/>
                         </a:spcAft>
                       </a:pPr>
-                      <a:r xmlns:a="http://schemas.openxmlformats.org/drawingml/2006/main">
+                      <a:r>
                         <a:rPr lang="en" sz="1600">
                           <a:effectLst/>
                           <a:latin typeface="Segoe UI" panose="020B0502040204020203" pitchFamily="34" charset="0"/>
@@ -4144,7 +4163,7 @@
                         </a:rPr>
                         <a:t>First Name</a:t>
                       </a:r>
-                      <a:endParaRPr xmlns:a="http://schemas.openxmlformats.org/drawingml/2006/main" lang="en-US" sz="1600">
+                      <a:endParaRPr lang="en-US" sz="1600">
                         <a:effectLst/>
                         <a:latin typeface="Segoe UI" panose="020B0502040204020203" pitchFamily="34" charset="0"/>
                         <a:ea typeface="Calibri" panose="020F0502020204030204" pitchFamily="34" charset="0"/>
@@ -4159,7 +4178,7 @@
                     <a:bodyPr/>
                     <a:lstStyle/>
                     <a:p>
-                      <a:pPr xmlns:a="http://schemas.openxmlformats.org/drawingml/2006/main" algn="ctr">
+                      <a:pPr algn="ctr">
                         <a:lnSpc>
                           <a:spcPct val="107000"/>
                         </a:lnSpc>
@@ -4167,7 +4186,7 @@
                           <a:spcPts val="0"/>
                         </a:spcAft>
                       </a:pPr>
-                      <a:r xmlns:a="http://schemas.openxmlformats.org/drawingml/2006/main">
+                      <a:r>
                         <a:rPr lang="en" sz="1600">
                           <a:effectLst/>
                           <a:latin typeface="Segoe UI" panose="020B0502040204020203" pitchFamily="34" charset="0"/>
@@ -4175,7 +4194,7 @@
                         </a:rPr>
                         <a:t>LastName</a:t>
                       </a:r>
-                      <a:endParaRPr xmlns:a="http://schemas.openxmlformats.org/drawingml/2006/main" lang="en-US" sz="1600">
+                      <a:endParaRPr lang="en-US" sz="1600">
                         <a:effectLst/>
                         <a:latin typeface="Segoe UI" panose="020B0502040204020203" pitchFamily="34" charset="0"/>
                         <a:ea typeface="Calibri" panose="020F0502020204030204" pitchFamily="34" charset="0"/>
@@ -4197,7 +4216,7 @@
                     <a:bodyPr/>
                     <a:lstStyle/>
                     <a:p>
-                      <a:pPr xmlns:a="http://schemas.openxmlformats.org/drawingml/2006/main" algn="ctr">
+                      <a:pPr algn="ctr">
                         <a:lnSpc>
                           <a:spcPct val="107000"/>
                         </a:lnSpc>
@@ -4205,7 +4224,7 @@
                           <a:spcPts val="0"/>
                         </a:spcAft>
                       </a:pPr>
-                      <a:r xmlns:a="http://schemas.openxmlformats.org/drawingml/2006/main">
+                      <a:r>
                         <a:rPr lang="en" sz="1600" dirty="0">
                           <a:effectLst/>
                           <a:latin typeface="Segoe UI" panose="020B0502040204020203" pitchFamily="34" charset="0"/>
@@ -4213,7 +4232,7 @@
                         </a:rPr>
                         <a:t>1</a:t>
                       </a:r>
-                      <a:endParaRPr xmlns:a="http://schemas.openxmlformats.org/drawingml/2006/main" lang="en-US" sz="1600" dirty="0">
+                      <a:endParaRPr lang="en-US" sz="1600" dirty="0">
                         <a:effectLst/>
                         <a:latin typeface="Segoe UI" panose="020B0502040204020203" pitchFamily="34" charset="0"/>
                         <a:ea typeface="Calibri" panose="020F0502020204030204" pitchFamily="34" charset="0"/>
@@ -4228,7 +4247,7 @@
                     <a:bodyPr/>
                     <a:lstStyle/>
                     <a:p>
-                      <a:pPr xmlns:a="http://schemas.openxmlformats.org/drawingml/2006/main" algn="ctr">
+                      <a:pPr algn="ctr">
                         <a:lnSpc>
                           <a:spcPct val="107000"/>
                         </a:lnSpc>
@@ -4236,7 +4255,7 @@
                           <a:spcPts val="0"/>
                         </a:spcAft>
                       </a:pPr>
-                      <a:r xmlns:a="http://schemas.openxmlformats.org/drawingml/2006/main">
+                      <a:r>
                         <a:rPr lang="en" sz="1600" dirty="0">
                           <a:effectLst/>
                           <a:latin typeface="Segoe UI" panose="020B0502040204020203" pitchFamily="34" charset="0"/>
@@ -4244,7 +4263,7 @@
                         </a:rPr>
                         <a:t>Anil§</a:t>
                       </a:r>
-                      <a:endParaRPr xmlns:a="http://schemas.openxmlformats.org/drawingml/2006/main" lang="en-US" sz="1600" dirty="0">
+                      <a:endParaRPr lang="en-US" sz="1600" dirty="0">
                         <a:effectLst/>
                         <a:latin typeface="Segoe UI" panose="020B0502040204020203" pitchFamily="34" charset="0"/>
                         <a:ea typeface="Calibri" panose="020F0502020204030204" pitchFamily="34" charset="0"/>
@@ -4259,7 +4278,7 @@
                     <a:bodyPr/>
                     <a:lstStyle/>
                     <a:p>
-                      <a:pPr xmlns:a="http://schemas.openxmlformats.org/drawingml/2006/main" algn="ctr">
+                      <a:pPr algn="ctr">
                         <a:lnSpc>
                           <a:spcPct val="107000"/>
                         </a:lnSpc>
@@ -4267,7 +4286,7 @@
                           <a:spcPts val="0"/>
                         </a:spcAft>
                       </a:pPr>
-                      <a:r xmlns:a="http://schemas.openxmlformats.org/drawingml/2006/main">
+                      <a:r>
                         <a:rPr lang="en" sz="1600">
                           <a:effectLst/>
                           <a:latin typeface="Segoe UI" panose="020B0502040204020203" pitchFamily="34" charset="0"/>
@@ -4275,7 +4294,7 @@
                         </a:rPr>
                         <a:t>Dawson</a:t>
                       </a:r>
-                      <a:endParaRPr xmlns:a="http://schemas.openxmlformats.org/drawingml/2006/main" lang="en-US" sz="1600">
+                      <a:endParaRPr lang="en-US" sz="1600">
                         <a:effectLst/>
                         <a:latin typeface="Segoe UI" panose="020B0502040204020203" pitchFamily="34" charset="0"/>
                         <a:ea typeface="Calibri" panose="020F0502020204030204" pitchFamily="34" charset="0"/>
@@ -4297,7 +4316,7 @@
                     <a:bodyPr/>
                     <a:lstStyle/>
                     <a:p>
-                      <a:pPr xmlns:a="http://schemas.openxmlformats.org/drawingml/2006/main" algn="ctr">
+                      <a:pPr algn="ctr">
                         <a:lnSpc>
                           <a:spcPct val="107000"/>
                         </a:lnSpc>
@@ -4305,7 +4324,7 @@
                           <a:spcPts val="0"/>
                         </a:spcAft>
                       </a:pPr>
-                      <a:r xmlns:a="http://schemas.openxmlformats.org/drawingml/2006/main">
+                      <a:r>
                         <a:rPr lang="en" sz="1600" dirty="0">
                           <a:effectLst/>
                           <a:latin typeface="Segoe UI" panose="020B0502040204020203" pitchFamily="34" charset="0"/>
@@ -4313,7 +4332,7 @@
                         </a:rPr>
                         <a:t>2</a:t>
                       </a:r>
-                      <a:endParaRPr xmlns:a="http://schemas.openxmlformats.org/drawingml/2006/main" lang="en-US" sz="1600" dirty="0">
+                      <a:endParaRPr lang="en-US" sz="1600" dirty="0">
                         <a:effectLst/>
                         <a:latin typeface="Segoe UI" panose="020B0502040204020203" pitchFamily="34" charset="0"/>
                         <a:ea typeface="Calibri" panose="020F0502020204030204" pitchFamily="34" charset="0"/>
@@ -4328,7 +4347,7 @@
                     <a:bodyPr/>
                     <a:lstStyle/>
                     <a:p>
-                      <a:pPr xmlns:a="http://schemas.openxmlformats.org/drawingml/2006/main" algn="ctr">
+                      <a:pPr algn="ctr">
                         <a:lnSpc>
                           <a:spcPct val="107000"/>
                         </a:lnSpc>
@@ -4336,7 +4355,7 @@
                           <a:spcPts val="0"/>
                         </a:spcAft>
                       </a:pPr>
-                      <a:r xmlns:a="http://schemas.openxmlformats.org/drawingml/2006/main">
+                      <a:r>
                         <a:rPr lang="en" sz="1600" dirty="0">
                           <a:effectLst/>
                           <a:latin typeface="Segoe UI" panose="020B0502040204020203" pitchFamily="34" charset="0"/>
@@ -4344,7 +4363,7 @@
                         </a:rPr>
                         <a:t>Abbas</a:t>
                       </a:r>
-                      <a:endParaRPr xmlns:a="http://schemas.openxmlformats.org/drawingml/2006/main" lang="en-US" sz="1600" dirty="0">
+                      <a:endParaRPr lang="en-US" sz="1600" dirty="0">
                         <a:effectLst/>
                         <a:latin typeface="Segoe UI" panose="020B0502040204020203" pitchFamily="34" charset="0"/>
                         <a:ea typeface="Calibri" panose="020F0502020204030204" pitchFamily="34" charset="0"/>
@@ -4359,7 +4378,7 @@
                     <a:bodyPr/>
                     <a:lstStyle/>
                     <a:p>
-                      <a:pPr xmlns:a="http://schemas.openxmlformats.org/drawingml/2006/main" algn="ctr">
+                      <a:pPr algn="ctr">
                         <a:lnSpc>
                           <a:spcPct val="107000"/>
                         </a:lnSpc>
@@ -4367,7 +4386,7 @@
                           <a:spcPts val="0"/>
                         </a:spcAft>
                       </a:pPr>
-                      <a:r xmlns:a="http://schemas.openxmlformats.org/drawingml/2006/main">
+                      <a:r>
                         <a:rPr lang="en" sz="1600">
                           <a:effectLst/>
                           <a:latin typeface="Segoe UI" panose="020B0502040204020203" pitchFamily="34" charset="0"/>
@@ -4375,7 +4394,7 @@
                         </a:rPr>
                         <a:t>Wang</a:t>
                       </a:r>
-                      <a:endParaRPr xmlns:a="http://schemas.openxmlformats.org/drawingml/2006/main" lang="en-US" sz="1600">
+                      <a:endParaRPr lang="en-US" sz="1600">
                         <a:effectLst/>
                         <a:latin typeface="Segoe UI" panose="020B0502040204020203" pitchFamily="34" charset="0"/>
                         <a:ea typeface="Calibri" panose="020F0502020204030204" pitchFamily="34" charset="0"/>
@@ -4397,7 +4416,7 @@
                     <a:bodyPr/>
                     <a:lstStyle/>
                     <a:p>
-                      <a:pPr xmlns:a="http://schemas.openxmlformats.org/drawingml/2006/main" algn="ctr">
+                      <a:pPr algn="ctr">
                         <a:lnSpc>
                           <a:spcPct val="107000"/>
                         </a:lnSpc>
@@ -4405,7 +4424,7 @@
                           <a:spcPts val="0"/>
                         </a:spcAft>
                       </a:pPr>
-                      <a:r xmlns:a="http://schemas.openxmlformats.org/drawingml/2006/main">
+                      <a:r>
                         <a:rPr lang="en" sz="1600">
                           <a:effectLst/>
                           <a:latin typeface="Segoe UI" panose="020B0502040204020203" pitchFamily="34" charset="0"/>
@@ -4413,7 +4432,7 @@
                         </a:rPr>
                         <a:t>3</a:t>
                       </a:r>
-                      <a:endParaRPr xmlns:a="http://schemas.openxmlformats.org/drawingml/2006/main" lang="en-US" sz="1600">
+                      <a:endParaRPr lang="en-US" sz="1600">
                         <a:effectLst/>
                         <a:latin typeface="Segoe UI" panose="020B0502040204020203" pitchFamily="34" charset="0"/>
                         <a:ea typeface="Calibri" panose="020F0502020204030204" pitchFamily="34" charset="0"/>
@@ -4428,7 +4447,7 @@
                     <a:bodyPr/>
                     <a:lstStyle/>
                     <a:p>
-                      <a:pPr xmlns:a="http://schemas.openxmlformats.org/drawingml/2006/main" algn="ctr">
+                      <a:pPr algn="ctr">
                         <a:lnSpc>
                           <a:spcPct val="107000"/>
                         </a:lnSpc>
@@ -4436,7 +4455,7 @@
                           <a:spcPts val="0"/>
                         </a:spcAft>
                       </a:pPr>
-                      <a:r xmlns:a="http://schemas.openxmlformats.org/drawingml/2006/main">
+                      <a:r>
                         <a:rPr lang="en" sz="1600" dirty="0">
                           <a:effectLst/>
                           <a:latin typeface="Segoe UI" panose="020B0502040204020203" pitchFamily="34" charset="0"/>
@@ -4444,7 +4463,7 @@
                         </a:rPr>
                         <a:t>Re </a:t>
                       </a:r>
-                      <a:r xmlns:a="http://schemas.openxmlformats.org/drawingml/2006/main">
+                      <a:r>
                         <a:rPr lang="en" sz="1600" dirty="0" err="1">
                           <a:effectLst/>
                           <a:latin typeface="Segoe UI" panose="020B0502040204020203" pitchFamily="34" charset="0"/>
@@ -4452,7 +4471,7 @@
                         </a:rPr>
                         <a:t>bekka</a:t>
                       </a:r>
-                      <a:endParaRPr xmlns:a="http://schemas.openxmlformats.org/drawingml/2006/main" lang="en-US" sz="1600" dirty="0">
+                      <a:endParaRPr lang="en-US" sz="1600" dirty="0">
                         <a:effectLst/>
                         <a:latin typeface="Segoe UI" panose="020B0502040204020203" pitchFamily="34" charset="0"/>
                         <a:ea typeface="Calibri" panose="020F0502020204030204" pitchFamily="34" charset="0"/>
@@ -4467,7 +4486,7 @@
                     <a:bodyPr/>
                     <a:lstStyle/>
                     <a:p>
-                      <a:pPr xmlns:a="http://schemas.openxmlformats.org/drawingml/2006/main" algn="ctr">
+                      <a:pPr algn="ctr">
                         <a:lnSpc>
                           <a:spcPct val="107000"/>
                         </a:lnSpc>
@@ -4475,7 +4494,7 @@
                           <a:spcPts val="0"/>
                         </a:spcAft>
                       </a:pPr>
-                      <a:r xmlns:a="http://schemas.openxmlformats.org/drawingml/2006/main">
+                      <a:r>
                         <a:rPr lang="en" sz="1600" dirty="0">
                           <a:effectLst/>
                           <a:latin typeface="Segoe UI" panose="020B0502040204020203" pitchFamily="34" charset="0"/>
@@ -4483,7 +4502,7 @@
                         </a:rPr>
                         <a:t>Frank</a:t>
                       </a:r>
-                      <a:endParaRPr xmlns:a="http://schemas.openxmlformats.org/drawingml/2006/main" lang="en-US" sz="1600" dirty="0">
+                      <a:endParaRPr lang="en-US" sz="1600" dirty="0">
                         <a:effectLst/>
                         <a:latin typeface="Segoe UI" panose="020B0502040204020203" pitchFamily="34" charset="0"/>
                         <a:ea typeface="Calibri" panose="020F0502020204030204" pitchFamily="34" charset="0"/>
@@ -4505,7 +4524,7 @@
                     <a:bodyPr/>
                     <a:lstStyle/>
                     <a:p>
-                      <a:pPr xmlns:a="http://schemas.openxmlformats.org/drawingml/2006/main" algn="ctr">
+                      <a:pPr algn="ctr">
                         <a:lnSpc>
                           <a:spcPct val="107000"/>
                         </a:lnSpc>
@@ -4513,7 +4532,7 @@
                           <a:spcPts val="0"/>
                         </a:spcAft>
                       </a:pPr>
-                      <a:r xmlns:a="http://schemas.openxmlformats.org/drawingml/2006/main">
+                      <a:r>
                         <a:rPr lang="en" sz="1600">
                           <a:effectLst/>
                           <a:latin typeface="Segoe UI" panose="020B0502040204020203" pitchFamily="34" charset="0"/>
@@ -4521,7 +4540,7 @@
                         </a:rPr>
                         <a:t>4</a:t>
                       </a:r>
-                      <a:endParaRPr xmlns:a="http://schemas.openxmlformats.org/drawingml/2006/main" lang="en-US" sz="1600">
+                      <a:endParaRPr lang="en-US" sz="1600">
                         <a:effectLst/>
                         <a:latin typeface="Segoe UI" panose="020B0502040204020203" pitchFamily="34" charset="0"/>
                         <a:ea typeface="Calibri" panose="020F0502020204030204" pitchFamily="34" charset="0"/>
@@ -4536,7 +4555,7 @@
                     <a:bodyPr/>
                     <a:lstStyle/>
                     <a:p>
-                      <a:pPr xmlns:a="http://schemas.openxmlformats.org/drawingml/2006/main" algn="ctr">
+                      <a:pPr algn="ctr">
                         <a:lnSpc>
                           <a:spcPct val="107000"/>
                         </a:lnSpc>
@@ -4544,7 +4563,7 @@
                           <a:spcPts val="0"/>
                         </a:spcAft>
                       </a:pPr>
-                      <a:r xmlns:a="http://schemas.openxmlformats.org/drawingml/2006/main">
+                      <a:r>
                         <a:rPr lang="en" sz="1600" dirty="0">
                           <a:effectLst/>
                           <a:latin typeface="Segoe UI" panose="020B0502040204020203" pitchFamily="34" charset="0"/>
@@ -4552,7 +4571,7 @@
                         </a:rPr>
                         <a:t>Kathy</a:t>
                       </a:r>
-                      <a:endParaRPr xmlns:a="http://schemas.openxmlformats.org/drawingml/2006/main" lang="en-US" sz="1600" dirty="0">
+                      <a:endParaRPr lang="en-US" sz="1600" dirty="0">
                         <a:effectLst/>
                         <a:latin typeface="Segoe UI" panose="020B0502040204020203" pitchFamily="34" charset="0"/>
                         <a:ea typeface="Calibri" panose="020F0502020204030204" pitchFamily="34" charset="0"/>
@@ -4567,7 +4586,7 @@
                     <a:bodyPr/>
                     <a:lstStyle/>
                     <a:p>
-                      <a:pPr xmlns:a="http://schemas.openxmlformats.org/drawingml/2006/main" algn="ctr">
+                      <a:pPr algn="ctr">
                         <a:lnSpc>
                           <a:spcPct val="107000"/>
                         </a:lnSpc>
@@ -4575,7 +4594,7 @@
                           <a:spcPts val="0"/>
                         </a:spcAft>
                       </a:pPr>
-                      <a:r xmlns:a="http://schemas.openxmlformats.org/drawingml/2006/main">
+                      <a:r>
                         <a:rPr lang="en" sz="1600">
                           <a:effectLst/>
                           <a:latin typeface="Segoe UI" panose="020B0502040204020203" pitchFamily="34" charset="0"/>
@@ -4583,7 +4602,7 @@
                         </a:rPr>
                         <a:t>Villarreal</a:t>
                       </a:r>
-                      <a:endParaRPr xmlns:a="http://schemas.openxmlformats.org/drawingml/2006/main" lang="en-US" sz="1600">
+                      <a:endParaRPr lang="en-US" sz="1600">
                         <a:effectLst/>
                         <a:latin typeface="Segoe UI" panose="020B0502040204020203" pitchFamily="34" charset="0"/>
                         <a:ea typeface="Calibri" panose="020F0502020204030204" pitchFamily="34" charset="0"/>
@@ -4605,7 +4624,7 @@
                     <a:bodyPr/>
                     <a:lstStyle/>
                     <a:p>
-                      <a:pPr xmlns:a="http://schemas.openxmlformats.org/drawingml/2006/main" algn="ctr">
+                      <a:pPr algn="ctr">
                         <a:lnSpc>
                           <a:spcPct val="107000"/>
                         </a:lnSpc>
@@ -4613,7 +4632,7 @@
                           <a:spcPts val="0"/>
                         </a:spcAft>
                       </a:pPr>
-                      <a:r xmlns:a="http://schemas.openxmlformats.org/drawingml/2006/main">
+                      <a:r>
                         <a:rPr lang="en" sz="1600" dirty="0">
                           <a:effectLst/>
                           <a:latin typeface="Segoe UI" panose="020B0502040204020203" pitchFamily="34" charset="0"/>
@@ -4621,7 +4640,7 @@
                         </a:rPr>
                         <a:t>5</a:t>
                       </a:r>
-                      <a:endParaRPr xmlns:a="http://schemas.openxmlformats.org/drawingml/2006/main" lang="en-US" sz="1600" dirty="0">
+                      <a:endParaRPr lang="en-US" sz="1600" dirty="0">
                         <a:effectLst/>
                         <a:latin typeface="Segoe UI" panose="020B0502040204020203" pitchFamily="34" charset="0"/>
                         <a:ea typeface="Calibri" panose="020F0502020204030204" pitchFamily="34" charset="0"/>
@@ -4636,7 +4655,7 @@
                     <a:bodyPr/>
                     <a:lstStyle/>
                     <a:p>
-                      <a:pPr xmlns:a="http://schemas.openxmlformats.org/drawingml/2006/main" algn="ctr">
+                      <a:pPr algn="ctr">
                         <a:lnSpc>
                           <a:spcPct val="107000"/>
                         </a:lnSpc>
@@ -4644,7 +4663,7 @@
                           <a:spcPts val="0"/>
                         </a:spcAft>
                       </a:pPr>
-                      <a:r xmlns:a="http://schemas.openxmlformats.org/drawingml/2006/main">
+                      <a:r>
                         <a:rPr lang="en" sz="1600" dirty="0" err="1">
                           <a:effectLst/>
                           <a:latin typeface="Segoe UI" panose="020B0502040204020203" pitchFamily="34" charset="0"/>
@@ -4652,7 +4671,7 @@
                         </a:rPr>
                         <a:t>Hashim</a:t>
                       </a:r>
-                      <a:endParaRPr xmlns:a="http://schemas.openxmlformats.org/drawingml/2006/main" lang="en-US" sz="1600" dirty="0">
+                      <a:endParaRPr lang="en-US" sz="1600" dirty="0">
                         <a:effectLst/>
                         <a:latin typeface="Segoe UI" panose="020B0502040204020203" pitchFamily="34" charset="0"/>
                         <a:ea typeface="Calibri" panose="020F0502020204030204" pitchFamily="34" charset="0"/>
@@ -4667,7 +4686,7 @@
                     <a:bodyPr/>
                     <a:lstStyle/>
                     <a:p>
-                      <a:pPr xmlns:a="http://schemas.openxmlformats.org/drawingml/2006/main" algn="ctr">
+                      <a:pPr algn="ctr">
                         <a:lnSpc>
                           <a:spcPct val="107000"/>
                         </a:lnSpc>
@@ -4675,7 +4694,7 @@
                           <a:spcPts val="0"/>
                         </a:spcAft>
                       </a:pPr>
-                      <a:r xmlns:a="http://schemas.openxmlformats.org/drawingml/2006/main">
+                      <a:r>
                         <a:rPr lang="en" sz="1600" dirty="0">
                           <a:effectLst/>
                           <a:latin typeface="Segoe UI" panose="020B0502040204020203" pitchFamily="34" charset="0"/>
@@ -4683,7 +4702,7 @@
                         </a:rPr>
                         <a:t>Good</a:t>
                       </a:r>
-                      <a:endParaRPr xmlns:a="http://schemas.openxmlformats.org/drawingml/2006/main" lang="en-US" sz="1600" dirty="0">
+                      <a:endParaRPr lang="en-US" sz="1600" dirty="0">
                         <a:effectLst/>
                         <a:latin typeface="Segoe UI" panose="020B0502040204020203" pitchFamily="34" charset="0"/>
                         <a:ea typeface="Calibri" panose="020F0502020204030204" pitchFamily="34" charset="0"/>
@@ -4705,7 +4724,7 @@
                     <a:bodyPr/>
                     <a:lstStyle/>
                     <a:p>
-                      <a:pPr xmlns:a="http://schemas.openxmlformats.org/drawingml/2006/main" algn="ctr">
+                      <a:pPr algn="ctr">
                         <a:lnSpc>
                           <a:spcPct val="107000"/>
                         </a:lnSpc>
@@ -4713,7 +4732,7 @@
                           <a:spcPts val="0"/>
                         </a:spcAft>
                       </a:pPr>
-                      <a:r xmlns:a="http://schemas.openxmlformats.org/drawingml/2006/main">
+                      <a:r>
                         <a:rPr lang="en" sz="1600">
                           <a:effectLst/>
                           <a:latin typeface="Segoe UI" panose="020B0502040204020203" pitchFamily="34" charset="0"/>
@@ -4721,7 +4740,7 @@
                         </a:rPr>
                         <a:t>6</a:t>
                       </a:r>
-                      <a:endParaRPr xmlns:a="http://schemas.openxmlformats.org/drawingml/2006/main" lang="en-US" sz="1600">
+                      <a:endParaRPr lang="en-US" sz="1600">
                         <a:effectLst/>
                         <a:latin typeface="Segoe UI" panose="020B0502040204020203" pitchFamily="34" charset="0"/>
                         <a:ea typeface="Calibri" panose="020F0502020204030204" pitchFamily="34" charset="0"/>
@@ -4736,7 +4755,7 @@
                     <a:bodyPr/>
                     <a:lstStyle/>
                     <a:p>
-                      <a:pPr xmlns:a="http://schemas.openxmlformats.org/drawingml/2006/main" algn="ctr">
+                      <a:pPr algn="ctr">
                         <a:lnSpc>
                           <a:spcPct val="107000"/>
                         </a:lnSpc>
@@ -4744,7 +4763,7 @@
                           <a:spcPts val="0"/>
                         </a:spcAft>
                       </a:pPr>
-                      <a:r xmlns:a="http://schemas.openxmlformats.org/drawingml/2006/main">
+                      <a:r>
                         <a:rPr lang="en" sz="1600" dirty="0">
                           <a:effectLst/>
                           <a:latin typeface="Segoe UI" panose="020B0502040204020203" pitchFamily="34" charset="0"/>
@@ -4752,7 +4771,7 @@
                         </a:rPr>
                         <a:t>Jarred</a:t>
                       </a:r>
-                      <a:endParaRPr xmlns:a="http://schemas.openxmlformats.org/drawingml/2006/main" lang="en-US" sz="1600" dirty="0">
+                      <a:endParaRPr lang="en-US" sz="1600" dirty="0">
                         <a:effectLst/>
                         <a:latin typeface="Segoe UI" panose="020B0502040204020203" pitchFamily="34" charset="0"/>
                         <a:ea typeface="Calibri" panose="020F0502020204030204" pitchFamily="34" charset="0"/>
@@ -4767,7 +4786,7 @@
                     <a:bodyPr/>
                     <a:lstStyle/>
                     <a:p>
-                      <a:pPr xmlns:a="http://schemas.openxmlformats.org/drawingml/2006/main" algn="ctr">
+                      <a:pPr algn="ctr">
                         <a:lnSpc>
                           <a:spcPct val="107000"/>
                         </a:lnSpc>
@@ -4775,7 +4794,7 @@
                           <a:spcPts val="0"/>
                         </a:spcAft>
                       </a:pPr>
-                      <a:r xmlns:a="http://schemas.openxmlformats.org/drawingml/2006/main">
+                      <a:r>
                         <a:rPr lang="en" sz="1600" dirty="0">
                           <a:effectLst/>
                           <a:latin typeface="Segoe UI" panose="020B0502040204020203" pitchFamily="34" charset="0"/>
@@ -4783,7 +4802,7 @@
                         </a:rPr>
                         <a:t>Leon</a:t>
                       </a:r>
-                      <a:endParaRPr xmlns:a="http://schemas.openxmlformats.org/drawingml/2006/main" lang="en-US" sz="1600" dirty="0">
+                      <a:endParaRPr lang="en-US" sz="1600" dirty="0">
                         <a:effectLst/>
                         <a:latin typeface="Segoe UI" panose="020B0502040204020203" pitchFamily="34" charset="0"/>
                         <a:ea typeface="Calibri" panose="020F0502020204030204" pitchFamily="34" charset="0"/>
@@ -4990,19 +5009,19 @@
           </a:bodyPr>
           <a:lstStyle/>
           <a:p>
-            <a:r xmlns:a="http://schemas.openxmlformats.org/drawingml/2006/main">
+            <a:r>
               <a:rPr lang="en" sz="2000" dirty="0"/>
               <a:t>Import data into a </a:t>
             </a:r>
-            <a:r xmlns:a="http://schemas.openxmlformats.org/drawingml/2006/main">
+            <a:r>
               <a:rPr lang="en" sz="2000" b="1" dirty="0" err="1"/>
               <a:t>Names table </a:t>
             </a:r>
-            <a:r xmlns:a="http://schemas.openxmlformats.org/drawingml/2006/main">
+            <a:r>
               <a:rPr lang="en" sz="2000" dirty="0"/>
               <a:t>from Excel to Power BI</a:t>
             </a:r>
-            <a:endParaRPr xmlns:a="http://schemas.openxmlformats.org/drawingml/2006/main" lang="en-US" sz="2000" dirty="0"/>
+            <a:endParaRPr lang="en-US" sz="2000" dirty="0"/>
           </a:p>
         </p:txBody>
       </p:sp>
@@ -5057,7 +5076,7 @@
           </a:bodyPr>
           <a:lstStyle/>
           <a:p>
-            <a:r xmlns:a="http://schemas.openxmlformats.org/drawingml/2006/main">
+            <a:r>
               <a:rPr lang="en" b="1" kern="0" dirty="0" smtClean="0">
                 <a:latin typeface="Segoe UI" panose="020B0502040204020203" pitchFamily="34" charset="0"/>
                 <a:ea typeface="Times New Roman" panose="02020603050405020304" pitchFamily="18" charset="0"/>
@@ -5065,7 +5084,7 @@
               </a:rPr>
               <a:t>Basic Transformations</a:t>
             </a:r>
-            <a:endParaRPr xmlns:a="http://schemas.openxmlformats.org/drawingml/2006/main" lang="en-US" b="1" dirty="0"/>
+            <a:endParaRPr lang="en-US" b="1" dirty="0"/>
           </a:p>
         </p:txBody>
       </p:sp>
@@ -5090,7 +5109,7 @@
           </a:bodyPr>
           <a:lstStyle/>
           <a:p>
-            <a:pPr xmlns:a="http://schemas.openxmlformats.org/drawingml/2006/main" lvl="0">
+            <a:pPr lvl="0">
               <a:lnSpc>
                 <a:spcPct val="107000"/>
               </a:lnSpc>
@@ -5098,26 +5117,30 @@
                 <a:spcPts val="800"/>
               </a:spcAft>
             </a:pPr>
-            <a:r xmlns:a="http://schemas.openxmlformats.org/drawingml/2006/main">
+            <a:r>
               <a:rPr lang="en" sz="2000" dirty="0"/>
               <a:t>Notice that the first line shows a so-called non-printing character </a:t>
             </a:r>
-            <a:r xmlns:a="http://schemas.openxmlformats.org/drawingml/2006/main">
+            <a:r>
               <a:rPr lang="en" sz="2000" b="1" dirty="0"/>
               <a:t>§ </a:t>
             </a:r>
-            <a:r xmlns:a="http://schemas.openxmlformats.org/drawingml/2006/main">
+            <a:r>
               <a:rPr lang="en" sz="2000" dirty="0"/>
               <a:t>, and on the third line there is also an incorrect space in the name. </a:t>
             </a:r>
-            <a:br xmlns:a="http://schemas.openxmlformats.org/drawingml/2006/main">
+            <a:r>
+              <a:rPr lang="fr-FR" sz="2000" dirty="0"/>
+              <a:t/>
+            </a:r>
+            <a:br>
               <a:rPr lang="fr-FR" sz="2000" dirty="0"/>
             </a:br>
-            <a:r xmlns:a="http://schemas.openxmlformats.org/drawingml/2006/main">
+            <a:r>
               <a:rPr lang="en" sz="2000" dirty="0"/>
               <a:t>Try removing the unwanted character.</a:t>
             </a:r>
-            <a:endParaRPr xmlns:a="http://schemas.openxmlformats.org/drawingml/2006/main" lang="en-US" sz="2400" dirty="0">
+            <a:endParaRPr lang="en-US" sz="2400" dirty="0">
               <a:effectLst/>
               <a:latin typeface="Calibri" panose="020F0502020204030204" pitchFamily="34" charset="0"/>
               <a:ea typeface="Calibri" panose="020F0502020204030204" pitchFamily="34" charset="0"/>
@@ -5279,15 +5302,15 @@
           </a:bodyPr>
           <a:lstStyle/>
           <a:p>
-            <a:r xmlns:a="http://schemas.openxmlformats.org/drawingml/2006/main">
+            <a:r>
               <a:rPr lang="en" sz="2000" dirty="0"/>
               <a:t>Look in </a:t>
             </a:r>
-            <a:r xmlns:a="http://schemas.openxmlformats.org/drawingml/2006/main">
+            <a:r>
               <a:rPr lang="en" sz="2000" b="1" dirty="0"/>
               <a:t>Advanced Options</a:t>
             </a:r>
-            <a:endParaRPr xmlns:a="http://schemas.openxmlformats.org/drawingml/2006/main" lang="en-US" sz="2000" dirty="0"/>
+            <a:endParaRPr lang="en-US" sz="2000" dirty="0"/>
           </a:p>
         </p:txBody>
       </p:sp>
@@ -5312,26 +5335,26 @@
           </a:bodyPr>
           <a:lstStyle/>
           <a:p>
-            <a:r xmlns:a="http://schemas.openxmlformats.org/drawingml/2006/main">
+            <a:r>
               <a:rPr lang="en" sz="2000" dirty="0"/>
               <a:t>Try the </a:t>
             </a:r>
-            <a:r xmlns:a="http://schemas.openxmlformats.org/drawingml/2006/main">
+            <a:r>
               <a:rPr lang="en" sz="2000" b="1" dirty="0"/>
               <a:t>Replace using option</a:t>
             </a:r>
-            <a:endParaRPr xmlns:a="http://schemas.openxmlformats.org/drawingml/2006/main" lang="fr-FR" sz="2000" b="1" dirty="0" smtClean="0"/>
-          </a:p>
-          <a:p>
-            <a:r xmlns:a="http://schemas.openxmlformats.org/drawingml/2006/main">
+            <a:endParaRPr lang="fr-FR" sz="2000" b="1" dirty="0" smtClean="0"/>
+          </a:p>
+          <a:p>
+            <a:r>
               <a:rPr lang="en" sz="2000" b="1" dirty="0" smtClean="0"/>
               <a:t>a </a:t>
             </a:r>
-            <a:r xmlns:a="http://schemas.openxmlformats.org/drawingml/2006/main">
+            <a:r>
               <a:rPr lang="en" sz="2000" b="1" dirty="0"/>
               <a:t>special character</a:t>
             </a:r>
-            <a:endParaRPr xmlns:a="http://schemas.openxmlformats.org/drawingml/2006/main" lang="en-US" sz="2000" dirty="0"/>
+            <a:endParaRPr lang="en-US" sz="2000" dirty="0"/>
           </a:p>
         </p:txBody>
       </p:sp>
@@ -5386,7 +5409,7 @@
           </a:bodyPr>
           <a:lstStyle/>
           <a:p>
-            <a:r xmlns:a="http://schemas.openxmlformats.org/drawingml/2006/main">
+            <a:r>
               <a:rPr lang="en" b="1" kern="0" dirty="0" smtClean="0">
                 <a:latin typeface="Segoe UI" panose="020B0502040204020203" pitchFamily="34" charset="0"/>
                 <a:ea typeface="Times New Roman" panose="02020603050405020304" pitchFamily="18" charset="0"/>
@@ -5394,7 +5417,7 @@
               </a:rPr>
               <a:t>Basic Transformations</a:t>
             </a:r>
-            <a:endParaRPr xmlns:a="http://schemas.openxmlformats.org/drawingml/2006/main" lang="en-US" b="1" dirty="0"/>
+            <a:endParaRPr lang="en-US" b="1" dirty="0"/>
           </a:p>
         </p:txBody>
       </p:sp>
@@ -5419,7 +5442,7 @@
           </a:bodyPr>
           <a:lstStyle/>
           <a:p>
-            <a:pPr xmlns:a="http://schemas.openxmlformats.org/drawingml/2006/main" lvl="0">
+            <a:pPr lvl="0">
               <a:lnSpc>
                 <a:spcPct val="107000"/>
               </a:lnSpc>
@@ -5427,26 +5450,30 @@
                 <a:spcPts val="800"/>
               </a:spcAft>
             </a:pPr>
-            <a:r xmlns:a="http://schemas.openxmlformats.org/drawingml/2006/main">
+            <a:r>
               <a:rPr lang="en" sz="2000" dirty="0"/>
               <a:t>Notice that the first line shows a so-called non-printing character </a:t>
             </a:r>
-            <a:r xmlns:a="http://schemas.openxmlformats.org/drawingml/2006/main">
+            <a:r>
               <a:rPr lang="en" sz="2000" b="1" dirty="0"/>
               <a:t>§ </a:t>
             </a:r>
-            <a:r xmlns:a="http://schemas.openxmlformats.org/drawingml/2006/main">
+            <a:r>
               <a:rPr lang="en" sz="2000" dirty="0"/>
               <a:t>, and on the third line there is also an incorrect space in the name. </a:t>
             </a:r>
-            <a:br xmlns:a="http://schemas.openxmlformats.org/drawingml/2006/main">
+            <a:r>
+              <a:rPr lang="fr-FR" sz="2000" dirty="0"/>
+              <a:t/>
+            </a:r>
+            <a:br>
               <a:rPr lang="fr-FR" sz="2000" dirty="0"/>
             </a:br>
-            <a:r xmlns:a="http://schemas.openxmlformats.org/drawingml/2006/main">
+            <a:r>
               <a:rPr lang="en" sz="2000" dirty="0"/>
               <a:t>Try removing the unwanted character.</a:t>
             </a:r>
-            <a:endParaRPr xmlns:a="http://schemas.openxmlformats.org/drawingml/2006/main" lang="en-US" sz="2400" dirty="0">
+            <a:endParaRPr lang="en-US" sz="2400" dirty="0">
               <a:effectLst/>
               <a:latin typeface="Calibri" panose="020F0502020204030204" pitchFamily="34" charset="0"/>
               <a:ea typeface="Calibri" panose="020F0502020204030204" pitchFamily="34" charset="0"/>
@@ -5608,15 +5635,15 @@
           </a:bodyPr>
           <a:lstStyle/>
           <a:p>
-            <a:r xmlns:a="http://schemas.openxmlformats.org/drawingml/2006/main">
+            <a:r>
               <a:rPr lang="en" sz="2000" dirty="0"/>
               <a:t>Look in </a:t>
             </a:r>
-            <a:r xmlns:a="http://schemas.openxmlformats.org/drawingml/2006/main">
+            <a:r>
               <a:rPr lang="en" sz="2000" b="1" dirty="0"/>
               <a:t>Advanced Options</a:t>
             </a:r>
-            <a:endParaRPr xmlns:a="http://schemas.openxmlformats.org/drawingml/2006/main" lang="en-US" sz="2000" dirty="0"/>
+            <a:endParaRPr lang="en-US" sz="2000" dirty="0"/>
           </a:p>
         </p:txBody>
       </p:sp>
@@ -5641,26 +5668,26 @@
           </a:bodyPr>
           <a:lstStyle/>
           <a:p>
-            <a:r xmlns:a="http://schemas.openxmlformats.org/drawingml/2006/main">
+            <a:r>
               <a:rPr lang="en" sz="2000" dirty="0"/>
               <a:t>Try the </a:t>
             </a:r>
-            <a:r xmlns:a="http://schemas.openxmlformats.org/drawingml/2006/main">
+            <a:r>
               <a:rPr lang="en" sz="2000" b="1" dirty="0"/>
               <a:t>Replace using option</a:t>
             </a:r>
-            <a:endParaRPr xmlns:a="http://schemas.openxmlformats.org/drawingml/2006/main" lang="fr-FR" sz="2000" b="1" dirty="0" smtClean="0"/>
-          </a:p>
-          <a:p>
-            <a:r xmlns:a="http://schemas.openxmlformats.org/drawingml/2006/main">
+            <a:endParaRPr lang="fr-FR" sz="2000" b="1" dirty="0" smtClean="0"/>
+          </a:p>
+          <a:p>
+            <a:r>
               <a:rPr lang="en" sz="2000" b="1" dirty="0" smtClean="0"/>
               <a:t>a </a:t>
             </a:r>
-            <a:r xmlns:a="http://schemas.openxmlformats.org/drawingml/2006/main">
+            <a:r>
               <a:rPr lang="en" sz="2000" b="1" dirty="0"/>
               <a:t>special character</a:t>
             </a:r>
-            <a:endParaRPr xmlns:a="http://schemas.openxmlformats.org/drawingml/2006/main" lang="en-US" sz="2000" dirty="0"/>
+            <a:endParaRPr lang="en-US" sz="2000" dirty="0"/>
           </a:p>
         </p:txBody>
       </p:sp>
@@ -5749,8 +5776,8 @@
         </p:nvSpPr>
         <p:spPr>
           <a:xfrm>
-            <a:off x="4084981" y="2485566"/>
-            <a:ext cx="3456395" cy="1569660"/>
+            <a:off x="3039953" y="2396189"/>
+            <a:ext cx="6230360" cy="1569660"/>
           </a:xfrm>
           <a:prstGeom prst="rect">
             <a:avLst/>
@@ -5763,8 +5790,8 @@
           </a:bodyPr>
           <a:lstStyle/>
           <a:p>
-            <a:r xmlns:a="http://schemas.openxmlformats.org/drawingml/2006/main">
-              <a:rPr lang="en" sz="9600" b="1" dirty="0" smtClean="0">
+            <a:r>
+              <a:rPr lang="en-US" sz="9600" b="1" dirty="0" smtClean="0">
                 <a:solidFill>
                   <a:srgbClr val="7030A0"/>
                 </a:solidFill>
@@ -5772,9 +5799,9 @@
                 <a:ea typeface="Verdana" panose="020B0604030504040204" pitchFamily="34" charset="0"/>
                 <a:cs typeface="Segoe UI" panose="020B0502040204020203" pitchFamily="34" charset="0"/>
               </a:rPr>
-              <a:t>THANKS</a:t>
-            </a:r>
-            <a:endParaRPr xmlns:a="http://schemas.openxmlformats.org/drawingml/2006/main" lang="en-US" sz="9600" b="1" dirty="0">
+              <a:t>Thank you</a:t>
+            </a:r>
+            <a:endParaRPr lang="en-US" sz="9600" b="1" dirty="0">
               <a:solidFill>
                 <a:srgbClr val="7030A0"/>
               </a:solidFill>
@@ -5793,8 +5820,8 @@
         </p:nvSpPr>
         <p:spPr>
           <a:xfrm>
-            <a:off x="4014739" y="2410365"/>
-            <a:ext cx="3456395" cy="1569660"/>
+            <a:off x="2969711" y="2320988"/>
+            <a:ext cx="6230360" cy="1569660"/>
           </a:xfrm>
           <a:prstGeom prst="rect">
             <a:avLst/>
@@ -5807,8 +5834,8 @@
           </a:bodyPr>
           <a:lstStyle/>
           <a:p>
-            <a:r xmlns:a="http://schemas.openxmlformats.org/drawingml/2006/main">
-              <a:rPr lang="en" sz="9600" b="1" dirty="0" smtClean="0">
+            <a:r>
+              <a:rPr lang="en-US" sz="9600" b="1" dirty="0" smtClean="0">
                 <a:solidFill>
                   <a:schemeClr val="bg1"/>
                 </a:solidFill>
@@ -5816,9 +5843,9 @@
                 <a:ea typeface="Verdana" panose="020B0604030504040204" pitchFamily="34" charset="0"/>
                 <a:cs typeface="Segoe UI" panose="020B0502040204020203" pitchFamily="34" charset="0"/>
               </a:rPr>
-              <a:t>THANKS</a:t>
-            </a:r>
-            <a:endParaRPr xmlns:a="http://schemas.openxmlformats.org/drawingml/2006/main" lang="en-US" sz="9600" b="1" dirty="0">
+              <a:t>Thank you</a:t>
+            </a:r>
+            <a:endParaRPr lang="en-US" sz="9600" b="1" dirty="0">
               <a:solidFill>
                 <a:schemeClr val="bg1"/>
               </a:solidFill>
@@ -5880,7 +5907,7 @@
           </a:bodyPr>
           <a:lstStyle/>
           <a:p>
-            <a:r xmlns:a="http://schemas.openxmlformats.org/drawingml/2006/main">
+            <a:r>
               <a:rPr lang="en" b="1" kern="0" dirty="0" smtClean="0">
                 <a:latin typeface="Segoe UI" panose="020B0502040204020203" pitchFamily="34" charset="0"/>
                 <a:ea typeface="Times New Roman" panose="02020603050405020304" pitchFamily="18" charset="0"/>
@@ -5888,7 +5915,7 @@
               </a:rPr>
               <a:t>Basic Transformations</a:t>
             </a:r>
-            <a:endParaRPr xmlns:a="http://schemas.openxmlformats.org/drawingml/2006/main" lang="en-US" b="1" dirty="0"/>
+            <a:endParaRPr lang="en-US" b="1" dirty="0"/>
           </a:p>
         </p:txBody>
       </p:sp>
@@ -5952,27 +5979,27 @@
           </a:bodyPr>
           <a:lstStyle/>
           <a:p>
-            <a:r xmlns:a="http://schemas.openxmlformats.org/drawingml/2006/main">
+            <a:r>
               <a:rPr lang="en" sz="2000" dirty="0"/>
               <a:t>Note: This lab uses the file </a:t>
             </a:r>
-            <a:r xmlns:a="http://schemas.openxmlformats.org/drawingml/2006/main">
+            <a:r>
               <a:rPr lang="en" sz="2000" b="1" dirty="0" err="1"/>
               <a:t>TextSources </a:t>
             </a:r>
-            <a:r xmlns:a="http://schemas.openxmlformats.org/drawingml/2006/main">
+            <a:r>
               <a:rPr lang="en" sz="2000" b="1" dirty="0"/>
               <a:t>\FactSales.txt </a:t>
             </a:r>
-            <a:r xmlns:a="http://schemas.openxmlformats.org/drawingml/2006/main">
+            <a:r>
               <a:rPr lang="en" sz="2000" dirty="0"/>
               <a:t>located in the </a:t>
             </a:r>
-            <a:r xmlns:a="http://schemas.openxmlformats.org/drawingml/2006/main">
+            <a:r>
               <a:rPr lang="en" sz="2000" b="1" dirty="0" err="1"/>
               <a:t>resources folder</a:t>
             </a:r>
-            <a:endParaRPr xmlns:a="http://schemas.openxmlformats.org/drawingml/2006/main" lang="en-US" sz="2000" b="1" dirty="0"/>
+            <a:endParaRPr lang="en-US" sz="2000" b="1" dirty="0"/>
           </a:p>
         </p:txBody>
       </p:sp>
@@ -5997,15 +6024,11 @@
           </a:bodyPr>
           <a:lstStyle/>
           <a:p>
-            <a:r xmlns:a="http://schemas.openxmlformats.org/drawingml/2006/main">
+            <a:r>
               <a:rPr lang="en" sz="2000" b="1" dirty="0"/>
               <a:t>FactSales.txt </a:t>
             </a:r>
-            <a:endParaRPr xmlns:a="http://schemas.openxmlformats.org/drawingml/2006/main" lang="en-US" sz="2000" dirty="0"/>
-            <a:r xmlns:a="http://schemas.openxmlformats.org/drawingml/2006/main">
-              <a:rPr lang="en" sz="2000" dirty="0"/>
-              <a:t>file is located</a:t>
-            </a:r>
+            <a:endParaRPr lang="en-US" sz="2000" dirty="0"/>
           </a:p>
         </p:txBody>
       </p:sp>
@@ -6060,7 +6083,7 @@
           </a:bodyPr>
           <a:lstStyle/>
           <a:p>
-            <a:r xmlns:a="http://schemas.openxmlformats.org/drawingml/2006/main">
+            <a:r>
               <a:rPr lang="en" b="1" kern="0" dirty="0" smtClean="0">
                 <a:latin typeface="Segoe UI" panose="020B0502040204020203" pitchFamily="34" charset="0"/>
                 <a:ea typeface="Times New Roman" panose="02020603050405020304" pitchFamily="18" charset="0"/>
@@ -6068,7 +6091,7 @@
               </a:rPr>
               <a:t>Basic Transformations</a:t>
             </a:r>
-            <a:endParaRPr xmlns:a="http://schemas.openxmlformats.org/drawingml/2006/main" lang="en-US" b="1" dirty="0"/>
+            <a:endParaRPr lang="en-US" b="1" dirty="0"/>
           </a:p>
         </p:txBody>
       </p:sp>
@@ -6132,11 +6155,11 @@
           </a:bodyPr>
           <a:lstStyle/>
           <a:p>
-            <a:r xmlns:a="http://schemas.openxmlformats.org/drawingml/2006/main">
+            <a:r>
               <a:rPr lang="en" sz="2000" dirty="0"/>
               <a:t>Load the file into the editor and notice that the table structure is inconsistent</a:t>
             </a:r>
-            <a:endParaRPr xmlns:a="http://schemas.openxmlformats.org/drawingml/2006/main" lang="en-US" sz="2000" dirty="0"/>
+            <a:endParaRPr lang="en-US" sz="2000" dirty="0"/>
           </a:p>
         </p:txBody>
       </p:sp>
@@ -6191,7 +6214,7 @@
           </a:bodyPr>
           <a:lstStyle/>
           <a:p>
-            <a:r xmlns:a="http://schemas.openxmlformats.org/drawingml/2006/main">
+            <a:r>
               <a:rPr lang="en" b="1" kern="0" dirty="0" smtClean="0">
                 <a:latin typeface="Segoe UI" panose="020B0502040204020203" pitchFamily="34" charset="0"/>
                 <a:ea typeface="Times New Roman" panose="02020603050405020304" pitchFamily="18" charset="0"/>
@@ -6199,7 +6222,7 @@
               </a:rPr>
               <a:t>Basic Transformations</a:t>
             </a:r>
-            <a:endParaRPr xmlns:a="http://schemas.openxmlformats.org/drawingml/2006/main" lang="en-US" b="1" dirty="0"/>
+            <a:endParaRPr lang="en-US" b="1" dirty="0"/>
           </a:p>
         </p:txBody>
       </p:sp>
@@ -6294,11 +6317,11 @@
           </a:bodyPr>
           <a:lstStyle/>
           <a:p>
-            <a:r xmlns:a="http://schemas.openxmlformats.org/drawingml/2006/main">
+            <a:r>
               <a:rPr lang="en" sz="2000" dirty="0"/>
               <a:t>Open the query in the query editor</a:t>
             </a:r>
-            <a:endParaRPr xmlns:a="http://schemas.openxmlformats.org/drawingml/2006/main" lang="en-US" sz="2000" dirty="0"/>
+            <a:endParaRPr lang="en-US" sz="2000" dirty="0"/>
           </a:p>
         </p:txBody>
       </p:sp>
@@ -6353,7 +6376,7 @@
           </a:bodyPr>
           <a:lstStyle/>
           <a:p>
-            <a:r xmlns:a="http://schemas.openxmlformats.org/drawingml/2006/main">
+            <a:r>
               <a:rPr lang="en" b="1" kern="0" dirty="0" smtClean="0">
                 <a:latin typeface="Segoe UI" panose="020B0502040204020203" pitchFamily="34" charset="0"/>
                 <a:ea typeface="Times New Roman" panose="02020603050405020304" pitchFamily="18" charset="0"/>
@@ -6361,7 +6384,7 @@
               </a:rPr>
               <a:t>Basic Transformations</a:t>
             </a:r>
-            <a:endParaRPr xmlns:a="http://schemas.openxmlformats.org/drawingml/2006/main" lang="en-US" b="1" dirty="0"/>
+            <a:endParaRPr lang="en-US" b="1" dirty="0"/>
           </a:p>
         </p:txBody>
       </p:sp>
@@ -6554,23 +6577,23 @@
           </a:bodyPr>
           <a:lstStyle/>
           <a:p>
-            <a:r xmlns:a="http://schemas.openxmlformats.org/drawingml/2006/main">
+            <a:r>
               <a:rPr lang="en" sz="2000" dirty="0"/>
               <a:t>Try deleting the first four lines, by selecting </a:t>
             </a:r>
-            <a:r xmlns:a="http://schemas.openxmlformats.org/drawingml/2006/main">
+            <a:r>
               <a:rPr lang="en" sz="2000" b="1" dirty="0"/>
               <a:t>Home </a:t>
             </a:r>
-            <a:r xmlns:a="http://schemas.openxmlformats.org/drawingml/2006/main">
+            <a:r>
               <a:rPr lang="en" sz="2000" dirty="0"/>
               <a:t>, then </a:t>
             </a:r>
-            <a:r xmlns:a="http://schemas.openxmlformats.org/drawingml/2006/main">
+            <a:r>
               <a:rPr lang="en" sz="2000" b="1" dirty="0"/>
               <a:t>Delete Lines &gt; Delete First Lines</a:t>
             </a:r>
-            <a:endParaRPr xmlns:a="http://schemas.openxmlformats.org/drawingml/2006/main" lang="en-US" sz="2000" dirty="0"/>
+            <a:endParaRPr lang="en-US" sz="2000" dirty="0"/>
           </a:p>
         </p:txBody>
       </p:sp>
@@ -6659,7 +6682,7 @@
           </a:bodyPr>
           <a:lstStyle/>
           <a:p>
-            <a:r xmlns:a="http://schemas.openxmlformats.org/drawingml/2006/main">
+            <a:r>
               <a:rPr lang="en" b="1" kern="0" dirty="0" smtClean="0">
                 <a:latin typeface="Segoe UI" panose="020B0502040204020203" pitchFamily="34" charset="0"/>
                 <a:ea typeface="Times New Roman" panose="02020603050405020304" pitchFamily="18" charset="0"/>
@@ -6667,7 +6690,7 @@
               </a:rPr>
               <a:t>Basic Transformations</a:t>
             </a:r>
-            <a:endParaRPr xmlns:a="http://schemas.openxmlformats.org/drawingml/2006/main" lang="en-US" b="1" dirty="0"/>
+            <a:endParaRPr lang="en-US" b="1" dirty="0"/>
           </a:p>
         </p:txBody>
       </p:sp>
@@ -6812,11 +6835,11 @@
           </a:bodyPr>
           <a:lstStyle/>
           <a:p>
-            <a:r xmlns:a="http://schemas.openxmlformats.org/drawingml/2006/main">
+            <a:r>
               <a:rPr lang="en" sz="2000" dirty="0"/>
               <a:t>Set the first row as a set of column headers</a:t>
             </a:r>
-            <a:endParaRPr xmlns:a="http://schemas.openxmlformats.org/drawingml/2006/main" lang="en-US" sz="2000" dirty="0"/>
+            <a:endParaRPr lang="en-US" sz="2000" dirty="0"/>
           </a:p>
         </p:txBody>
       </p:sp>
@@ -6871,7 +6894,7 @@
           </a:bodyPr>
           <a:lstStyle/>
           <a:p>
-            <a:r xmlns:a="http://schemas.openxmlformats.org/drawingml/2006/main">
+            <a:r>
               <a:rPr lang="en" b="1" kern="0" dirty="0" smtClean="0">
                 <a:latin typeface="Segoe UI" panose="020B0502040204020203" pitchFamily="34" charset="0"/>
                 <a:ea typeface="Times New Roman" panose="02020603050405020304" pitchFamily="18" charset="0"/>
@@ -6879,7 +6902,7 @@
               </a:rPr>
               <a:t>Basic Transformations</a:t>
             </a:r>
-            <a:endParaRPr xmlns:a="http://schemas.openxmlformats.org/drawingml/2006/main" lang="en-US" b="1" dirty="0"/>
+            <a:endParaRPr lang="en-US" b="1" dirty="0"/>
           </a:p>
         </p:txBody>
       </p:sp>
@@ -6997,55 +7020,55 @@
           </a:bodyPr>
           <a:lstStyle/>
           <a:p>
-            <a:r xmlns:a="http://schemas.openxmlformats.org/drawingml/2006/main">
+            <a:r>
               <a:rPr lang="en" sz="2000" dirty="0"/>
               <a:t>Configure the appropriate column types, e.g. </a:t>
             </a:r>
-            <a:r xmlns:a="http://schemas.openxmlformats.org/drawingml/2006/main">
+            <a:r>
               <a:rPr lang="en" sz="2000" b="1" dirty="0" err="1"/>
               <a:t>UnitCost </a:t>
             </a:r>
-            <a:r xmlns:a="http://schemas.openxmlformats.org/drawingml/2006/main">
+            <a:r>
               <a:rPr lang="en" sz="2000" dirty="0"/>
               <a:t>, </a:t>
             </a:r>
-            <a:r xmlns:a="http://schemas.openxmlformats.org/drawingml/2006/main">
+            <a:r>
               <a:rPr lang="en" sz="2000" b="1" dirty="0" err="1"/>
               <a:t>UnitPrice </a:t>
             </a:r>
-            <a:r xmlns:a="http://schemas.openxmlformats.org/drawingml/2006/main">
+            <a:r>
               <a:rPr lang="en" sz="2000" dirty="0"/>
               <a:t>, </a:t>
             </a:r>
-            <a:r xmlns:a="http://schemas.openxmlformats.org/drawingml/2006/main">
+            <a:r>
               <a:rPr lang="en" sz="2000" b="1" dirty="0"/>
               <a:t>Return </a:t>
             </a:r>
-            <a:r xmlns:a="http://schemas.openxmlformats.org/drawingml/2006/main">
+            <a:r>
               <a:rPr lang="en" sz="2000" dirty="0"/>
               <a:t>, </a:t>
             </a:r>
-            <a:r xmlns:a="http://schemas.openxmlformats.org/drawingml/2006/main">
+            <a:r>
               <a:rPr lang="en" sz="2000" b="1" dirty="0" err="1"/>
               <a:t>Amount </a:t>
             </a:r>
-            <a:r xmlns:a="http://schemas.openxmlformats.org/drawingml/2006/main">
+            <a:r>
               <a:rPr lang="en" sz="2000" dirty="0"/>
               <a:t>… should be of </a:t>
             </a:r>
-            <a:r xmlns:a="http://schemas.openxmlformats.org/drawingml/2006/main">
+            <a:r>
               <a:rPr lang="en" sz="2000" b="1" dirty="0"/>
               <a:t>currency type </a:t>
             </a:r>
-            <a:r xmlns:a="http://schemas.openxmlformats.org/drawingml/2006/main">
+            <a:r>
               <a:rPr lang="en" sz="2000" dirty="0"/>
               <a:t>instead of </a:t>
             </a:r>
-            <a:r xmlns:a="http://schemas.openxmlformats.org/drawingml/2006/main">
+            <a:r>
               <a:rPr lang="en" sz="2000" b="1" dirty="0"/>
               <a:t>number</a:t>
             </a:r>
-            <a:endParaRPr xmlns:a="http://schemas.openxmlformats.org/drawingml/2006/main" lang="en-US" sz="2000" dirty="0"/>
+            <a:endParaRPr lang="en-US" sz="2000" dirty="0"/>
           </a:p>
         </p:txBody>
       </p:sp>
@@ -7100,7 +7123,7 @@
           </a:bodyPr>
           <a:lstStyle/>
           <a:p>
-            <a:r xmlns:a="http://schemas.openxmlformats.org/drawingml/2006/main">
+            <a:r>
               <a:rPr lang="en" b="1" kern="0" dirty="0" smtClean="0">
                 <a:latin typeface="Segoe UI" panose="020B0502040204020203" pitchFamily="34" charset="0"/>
                 <a:ea typeface="Times New Roman" panose="02020603050405020304" pitchFamily="18" charset="0"/>
@@ -7108,7 +7131,7 @@
               </a:rPr>
               <a:t>Basic Transformations</a:t>
             </a:r>
-            <a:endParaRPr xmlns:a="http://schemas.openxmlformats.org/drawingml/2006/main" lang="en-US" b="1" dirty="0"/>
+            <a:endParaRPr lang="en-US" b="1" dirty="0"/>
           </a:p>
         </p:txBody>
       </p:sp>
@@ -7205,19 +7228,15 @@
           </a:bodyPr>
           <a:lstStyle/>
           <a:p>
-            <a:r xmlns:a="http://schemas.openxmlformats.org/drawingml/2006/main">
+            <a:r>
               <a:rPr lang="en" sz="2000" dirty="0" err="1"/>
               <a:t>Delete </a:t>
             </a:r>
-            <a:r xmlns:a="http://schemas.openxmlformats.org/drawingml/2006/main">
+            <a:r>
               <a:rPr lang="en" sz="2000" dirty="0"/>
-              <a:t>empty </a:t>
-            </a:r>
-            <a:r xmlns:a="http://schemas.openxmlformats.org/drawingml/2006/main">
-              <a:rPr lang="en" sz="2000" dirty="0"/>
-              <a:t>columns</a:t>
-            </a:r>
-            <a:r xmlns:a="http://schemas.openxmlformats.org/drawingml/2006/main">
+              <a:t>empty columns</a:t>
+            </a:r>
+            <a:r>
               <a:rPr lang="en" sz="2000" dirty="0" err="1"/>
               <a:t>​</a:t>
             </a:r>
@@ -7275,7 +7294,7 @@
           </a:bodyPr>
           <a:lstStyle/>
           <a:p>
-            <a:r xmlns:a="http://schemas.openxmlformats.org/drawingml/2006/main">
+            <a:r>
               <a:rPr lang="en" b="1" kern="0" dirty="0" smtClean="0">
                 <a:latin typeface="Segoe UI" panose="020B0502040204020203" pitchFamily="34" charset="0"/>
                 <a:ea typeface="Times New Roman" panose="02020603050405020304" pitchFamily="18" charset="0"/>
@@ -7283,7 +7302,7 @@
               </a:rPr>
               <a:t>Basic Transformations</a:t>
             </a:r>
-            <a:endParaRPr xmlns:a="http://schemas.openxmlformats.org/drawingml/2006/main" lang="en-US" b="1" dirty="0"/>
+            <a:endParaRPr lang="en-US" b="1" dirty="0"/>
           </a:p>
         </p:txBody>
       </p:sp>
@@ -7347,11 +7366,11 @@
           </a:bodyPr>
           <a:lstStyle/>
           <a:p>
-            <a:r xmlns:a="http://schemas.openxmlformats.org/drawingml/2006/main">
+            <a:r>
               <a:rPr lang="en" sz="2000" dirty="0"/>
               <a:t>Try sorting the data and explore the context menu mentioned below</a:t>
             </a:r>
-            <a:endParaRPr xmlns:a="http://schemas.openxmlformats.org/drawingml/2006/main" lang="en-US" sz="2000" dirty="0"/>
+            <a:endParaRPr lang="en-US" sz="2000" dirty="0"/>
           </a:p>
         </p:txBody>
       </p:sp>
